--- a/lecture4/lecture4.pptx
+++ b/lecture4/lecture4.pptx
@@ -14,25 +14,46 @@
     <p:sldId id="262" r:id="rId8"/>
     <p:sldId id="263" r:id="rId9"/>
     <p:sldId id="264" r:id="rId10"/>
-    <p:sldId id="265" r:id="rId11"/>
-    <p:sldId id="266" r:id="rId12"/>
-    <p:sldId id="267" r:id="rId13"/>
-    <p:sldId id="268" r:id="rId14"/>
-    <p:sldId id="269" r:id="rId15"/>
-    <p:sldId id="270" r:id="rId16"/>
-    <p:sldId id="271" r:id="rId17"/>
-    <p:sldId id="272" r:id="rId18"/>
-    <p:sldId id="273" r:id="rId19"/>
-    <p:sldId id="274" r:id="rId20"/>
-    <p:sldId id="275" r:id="rId21"/>
-    <p:sldId id="276" r:id="rId22"/>
-    <p:sldId id="277" r:id="rId23"/>
-    <p:sldId id="278" r:id="rId24"/>
-    <p:sldId id="279" r:id="rId25"/>
-    <p:sldId id="280" r:id="rId26"/>
-    <p:sldId id="281" r:id="rId27"/>
-    <p:sldId id="282" r:id="rId28"/>
-    <p:sldId id="283" r:id="rId29"/>
+    <p:sldId id="271" r:id="rId11"/>
+    <p:sldId id="272" r:id="rId12"/>
+    <p:sldId id="273" r:id="rId13"/>
+    <p:sldId id="274" r:id="rId14"/>
+    <p:sldId id="275" r:id="rId15"/>
+    <p:sldId id="276" r:id="rId16"/>
+    <p:sldId id="284" r:id="rId17"/>
+    <p:sldId id="285" r:id="rId18"/>
+    <p:sldId id="286" r:id="rId19"/>
+    <p:sldId id="265" r:id="rId20"/>
+    <p:sldId id="266" r:id="rId21"/>
+    <p:sldId id="267" r:id="rId22"/>
+    <p:sldId id="268" r:id="rId23"/>
+    <p:sldId id="269" r:id="rId24"/>
+    <p:sldId id="270" r:id="rId25"/>
+    <p:sldId id="287" r:id="rId26"/>
+    <p:sldId id="288" r:id="rId27"/>
+    <p:sldId id="289" r:id="rId28"/>
+    <p:sldId id="290" r:id="rId29"/>
+    <p:sldId id="291" r:id="rId30"/>
+    <p:sldId id="292" r:id="rId31"/>
+    <p:sldId id="293" r:id="rId32"/>
+    <p:sldId id="295" r:id="rId33"/>
+    <p:sldId id="296" r:id="rId34"/>
+    <p:sldId id="297" r:id="rId35"/>
+    <p:sldId id="298" r:id="rId36"/>
+    <p:sldId id="299" r:id="rId37"/>
+    <p:sldId id="300" r:id="rId38"/>
+    <p:sldId id="294" r:id="rId39"/>
+    <p:sldId id="301" r:id="rId40"/>
+    <p:sldId id="302" r:id="rId41"/>
+    <p:sldId id="303" r:id="rId42"/>
+    <p:sldId id="304" r:id="rId43"/>
+    <p:sldId id="305" r:id="rId44"/>
+    <p:sldId id="277" r:id="rId45"/>
+    <p:sldId id="278" r:id="rId46"/>
+    <p:sldId id="279" r:id="rId47"/>
+    <p:sldId id="280" r:id="rId48"/>
+    <p:sldId id="281" r:id="rId49"/>
+    <p:sldId id="283" r:id="rId50"/>
   </p:sldIdLst>
   <p:sldSz cx="12192000" cy="6858000"/>
   <p:notesSz cx="6858000" cy="9144000"/>
@@ -286,7 +307,7 @@
           <a:p>
             <a:fld id="{FAE674BA-B73B-B545-AE74-E93098D1F926}" type="datetimeFigureOut">
               <a:rPr lang="ru-RU" smtClean="0"/>
-              <a:t>18.10.2023</a:t>
+              <a:t>19.10.2023</a:t>
             </a:fld>
             <a:endParaRPr lang="ru-RU"/>
           </a:p>
@@ -484,7 +505,7 @@
           <a:p>
             <a:fld id="{FAE674BA-B73B-B545-AE74-E93098D1F926}" type="datetimeFigureOut">
               <a:rPr lang="ru-RU" smtClean="0"/>
-              <a:t>18.10.2023</a:t>
+              <a:t>19.10.2023</a:t>
             </a:fld>
             <a:endParaRPr lang="ru-RU"/>
           </a:p>
@@ -692,7 +713,7 @@
           <a:p>
             <a:fld id="{FAE674BA-B73B-B545-AE74-E93098D1F926}" type="datetimeFigureOut">
               <a:rPr lang="ru-RU" smtClean="0"/>
-              <a:t>18.10.2023</a:t>
+              <a:t>19.10.2023</a:t>
             </a:fld>
             <a:endParaRPr lang="ru-RU"/>
           </a:p>
@@ -890,7 +911,7 @@
           <a:p>
             <a:fld id="{FAE674BA-B73B-B545-AE74-E93098D1F926}" type="datetimeFigureOut">
               <a:rPr lang="ru-RU" smtClean="0"/>
-              <a:t>18.10.2023</a:t>
+              <a:t>19.10.2023</a:t>
             </a:fld>
             <a:endParaRPr lang="ru-RU"/>
           </a:p>
@@ -1165,7 +1186,7 @@
           <a:p>
             <a:fld id="{FAE674BA-B73B-B545-AE74-E93098D1F926}" type="datetimeFigureOut">
               <a:rPr lang="ru-RU" smtClean="0"/>
-              <a:t>18.10.2023</a:t>
+              <a:t>19.10.2023</a:t>
             </a:fld>
             <a:endParaRPr lang="ru-RU"/>
           </a:p>
@@ -1430,7 +1451,7 @@
           <a:p>
             <a:fld id="{FAE674BA-B73B-B545-AE74-E93098D1F926}" type="datetimeFigureOut">
               <a:rPr lang="ru-RU" smtClean="0"/>
-              <a:t>18.10.2023</a:t>
+              <a:t>19.10.2023</a:t>
             </a:fld>
             <a:endParaRPr lang="ru-RU"/>
           </a:p>
@@ -1842,7 +1863,7 @@
           <a:p>
             <a:fld id="{FAE674BA-B73B-B545-AE74-E93098D1F926}" type="datetimeFigureOut">
               <a:rPr lang="ru-RU" smtClean="0"/>
-              <a:t>18.10.2023</a:t>
+              <a:t>19.10.2023</a:t>
             </a:fld>
             <a:endParaRPr lang="ru-RU"/>
           </a:p>
@@ -1983,7 +2004,7 @@
           <a:p>
             <a:fld id="{FAE674BA-B73B-B545-AE74-E93098D1F926}" type="datetimeFigureOut">
               <a:rPr lang="ru-RU" smtClean="0"/>
-              <a:t>18.10.2023</a:t>
+              <a:t>19.10.2023</a:t>
             </a:fld>
             <a:endParaRPr lang="ru-RU"/>
           </a:p>
@@ -2096,7 +2117,7 @@
           <a:p>
             <a:fld id="{FAE674BA-B73B-B545-AE74-E93098D1F926}" type="datetimeFigureOut">
               <a:rPr lang="ru-RU" smtClean="0"/>
-              <a:t>18.10.2023</a:t>
+              <a:t>19.10.2023</a:t>
             </a:fld>
             <a:endParaRPr lang="ru-RU"/>
           </a:p>
@@ -2407,7 +2428,7 @@
           <a:p>
             <a:fld id="{FAE674BA-B73B-B545-AE74-E93098D1F926}" type="datetimeFigureOut">
               <a:rPr lang="ru-RU" smtClean="0"/>
-              <a:t>18.10.2023</a:t>
+              <a:t>19.10.2023</a:t>
             </a:fld>
             <a:endParaRPr lang="ru-RU"/>
           </a:p>
@@ -2695,7 +2716,7 @@
           <a:p>
             <a:fld id="{FAE674BA-B73B-B545-AE74-E93098D1F926}" type="datetimeFigureOut">
               <a:rPr lang="ru-RU" smtClean="0"/>
-              <a:t>18.10.2023</a:t>
+              <a:t>19.10.2023</a:t>
             </a:fld>
             <a:endParaRPr lang="ru-RU"/>
           </a:p>
@@ -2936,7 +2957,7 @@
           <a:p>
             <a:fld id="{FAE674BA-B73B-B545-AE74-E93098D1F926}" type="datetimeFigureOut">
               <a:rPr lang="ru-RU" smtClean="0"/>
-              <a:t>18.10.2023</a:t>
+              <a:t>19.10.2023</a:t>
             </a:fld>
             <a:endParaRPr lang="ru-RU"/>
           </a:p>
@@ -4129,8 +4150,8 @@
         </p:nvSpPr>
         <p:spPr>
           <a:xfrm>
-            <a:off x="4468191" y="3137837"/>
-            <a:ext cx="3255618" cy="582326"/>
+            <a:off x="4812345" y="3137837"/>
+            <a:ext cx="2567310" cy="582326"/>
           </a:xfrm>
           <a:prstGeom prst="rect">
             <a:avLst/>
@@ -4161,16 +4182,6 @@
           </a:lstStyle>
           <a:p>
             <a:r>
-              <a:rPr lang="en-US" sz="4800" b="1" dirty="0" err="1">
-                <a:solidFill>
-                  <a:schemeClr val="bg1"/>
-                </a:solidFill>
-                <a:latin typeface="Arial" panose="020B0604020202020204" pitchFamily="34" charset="0"/>
-                <a:cs typeface="Arial" panose="020B0604020202020204" pitchFamily="34" charset="0"/>
-              </a:rPr>
-              <a:t>У</a:t>
-            </a:r>
-            <a:r>
               <a:rPr lang="ru-RU" sz="4800" b="1" dirty="0">
                 <a:solidFill>
                   <a:schemeClr val="bg1"/>
@@ -4178,7 +4189,7 @@
                 <a:latin typeface="Arial" panose="020B0604020202020204" pitchFamily="34" charset="0"/>
                 <a:cs typeface="Arial" panose="020B0604020202020204" pitchFamily="34" charset="0"/>
               </a:rPr>
-              <a:t>казатели</a:t>
+              <a:t>Ссылки</a:t>
             </a:r>
           </a:p>
         </p:txBody>
@@ -4186,7 +4197,7 @@
     </p:spTree>
     <p:extLst>
       <p:ext uri="{BB962C8B-B14F-4D97-AF65-F5344CB8AC3E}">
-        <p14:creationId xmlns:p14="http://schemas.microsoft.com/office/powerpoint/2010/main" val="1774536905"/>
+        <p14:creationId xmlns:p14="http://schemas.microsoft.com/office/powerpoint/2010/main" val="3532935633"/>
       </p:ext>
     </p:extLst>
   </p:cSld>
@@ -4218,7 +4229,7 @@
           <p:cNvPr id="2" name="Заголовок 1">
             <a:extLst>
               <a:ext uri="{FF2B5EF4-FFF2-40B4-BE49-F238E27FC236}">
-                <a16:creationId xmlns:a16="http://schemas.microsoft.com/office/drawing/2014/main" id="{B08FA1AB-B76E-E175-9CA0-907D97702841}"/>
+                <a16:creationId xmlns:a16="http://schemas.microsoft.com/office/drawing/2014/main" id="{57AF67DE-A6A0-FC37-AEE6-02E881F93CF5}"/>
               </a:ext>
             </a:extLst>
           </p:cNvPr>
@@ -4236,7 +4247,7 @@
           <a:p>
             <a:r>
               <a:rPr lang="ru-RU" dirty="0"/>
-              <a:t>Указатель</a:t>
+              <a:t>Ссылки</a:t>
             </a:r>
           </a:p>
         </p:txBody>
@@ -4246,7 +4257,7 @@
           <p:cNvPr id="3" name="Объект 2">
             <a:extLst>
               <a:ext uri="{FF2B5EF4-FFF2-40B4-BE49-F238E27FC236}">
-                <a16:creationId xmlns:a16="http://schemas.microsoft.com/office/drawing/2014/main" id="{F9259C7F-C03D-737B-1C5A-8D097E3E161A}"/>
+                <a16:creationId xmlns:a16="http://schemas.microsoft.com/office/drawing/2014/main" id="{E55E74EB-EFA2-9FA8-28C2-84082E91C29B}"/>
               </a:ext>
             </a:extLst>
           </p:cNvPr>
@@ -4262,14 +4273,14 @@
           <a:bodyPr/>
           <a:lstStyle/>
           <a:p>
-            <a:endParaRPr lang="ru-RU" dirty="0"/>
+            <a:endParaRPr lang="ru-RU"/>
           </a:p>
         </p:txBody>
       </p:sp>
     </p:spTree>
     <p:extLst>
       <p:ext uri="{BB962C8B-B14F-4D97-AF65-F5344CB8AC3E}">
-        <p14:creationId xmlns:p14="http://schemas.microsoft.com/office/powerpoint/2010/main" val="804891839"/>
+        <p14:creationId xmlns:p14="http://schemas.microsoft.com/office/powerpoint/2010/main" val="881307483"/>
       </p:ext>
     </p:extLst>
   </p:cSld>
@@ -4301,7 +4312,7 @@
           <p:cNvPr id="2" name="Заголовок 1">
             <a:extLst>
               <a:ext uri="{FF2B5EF4-FFF2-40B4-BE49-F238E27FC236}">
-                <a16:creationId xmlns:a16="http://schemas.microsoft.com/office/drawing/2014/main" id="{B08FA1AB-B76E-E175-9CA0-907D97702841}"/>
+                <a16:creationId xmlns:a16="http://schemas.microsoft.com/office/drawing/2014/main" id="{57AF67DE-A6A0-FC37-AEE6-02E881F93CF5}"/>
               </a:ext>
             </a:extLst>
           </p:cNvPr>
@@ -4319,7 +4330,7 @@
           <a:p>
             <a:r>
               <a:rPr lang="ru-RU" dirty="0"/>
-              <a:t>Указатель</a:t>
+              <a:t>Ссылки</a:t>
             </a:r>
           </a:p>
         </p:txBody>
@@ -4329,7 +4340,7 @@
           <p:cNvPr id="3" name="Объект 2">
             <a:extLst>
               <a:ext uri="{FF2B5EF4-FFF2-40B4-BE49-F238E27FC236}">
-                <a16:creationId xmlns:a16="http://schemas.microsoft.com/office/drawing/2014/main" id="{F9259C7F-C03D-737B-1C5A-8D097E3E161A}"/>
+                <a16:creationId xmlns:a16="http://schemas.microsoft.com/office/drawing/2014/main" id="{E55E74EB-EFA2-9FA8-28C2-84082E91C29B}"/>
               </a:ext>
             </a:extLst>
           </p:cNvPr>
@@ -4345,57 +4356,50 @@
           <a:bodyPr/>
           <a:lstStyle/>
           <a:p>
-            <a:pPr marL="0" indent="0">
+            <a:pPr marL="0" indent="0" algn="l">
               <a:buNone/>
             </a:pPr>
             <a:r>
-              <a:rPr lang="en-US" b="0" i="0" u="none" strike="noStrike" dirty="0">
-                <a:solidFill>
-                  <a:srgbClr val="161616"/>
-                </a:solidFill>
+              <a:rPr lang="ru-RU" b="0" i="0" u="none" strike="noStrike" dirty="0">
                 <a:effectLst/>
-                <a:latin typeface="Segoe UI" panose="020B0502040204020203" pitchFamily="34" charset="0"/>
+                <a:latin typeface="YS Text"/>
               </a:rPr>
-              <a:t>	</a:t>
+              <a:t>	Ссылки (</a:t>
+            </a:r>
+            <a:r>
+              <a:rPr lang="ru-RU" b="0" i="0" u="none" strike="noStrike" dirty="0" err="1">
+                <a:effectLst/>
+                <a:latin typeface="YS Text"/>
+              </a:rPr>
+              <a:t>r</a:t>
+            </a:r>
+            <a:r>
+              <a:rPr lang="en-US" b="0" i="0" u="none" strike="noStrike" dirty="0" err="1">
+                <a:effectLst/>
+                <a:latin typeface="YS Text"/>
+              </a:rPr>
+              <a:t>eferences</a:t>
+            </a:r>
+            <a:r>
+              <a:rPr lang="en-US" dirty="0">
+                <a:latin typeface="YS Text"/>
+              </a:rPr>
+              <a:t>)</a:t>
             </a:r>
             <a:r>
               <a:rPr lang="ru-RU" b="0" i="0" u="none" strike="noStrike" dirty="0">
-                <a:solidFill>
-                  <a:srgbClr val="161616"/>
-                </a:solidFill>
                 <a:effectLst/>
-                <a:latin typeface="Segoe UI" panose="020B0502040204020203" pitchFamily="34" charset="0"/>
+                <a:latin typeface="YS Text"/>
               </a:rPr>
-              <a:t>Указатель</a:t>
-            </a:r>
-            <a:r>
-              <a:rPr lang="en-US" b="0" i="0" u="none" strike="noStrike" dirty="0">
-                <a:solidFill>
-                  <a:srgbClr val="161616"/>
-                </a:solidFill>
-                <a:effectLst/>
-                <a:latin typeface="Segoe UI" panose="020B0502040204020203" pitchFamily="34" charset="0"/>
-              </a:rPr>
-              <a:t> (pointer)</a:t>
-            </a:r>
-            <a:r>
-              <a:rPr lang="ru-RU" b="0" i="0" u="none" strike="noStrike" dirty="0">
-                <a:solidFill>
-                  <a:srgbClr val="161616"/>
-                </a:solidFill>
-                <a:effectLst/>
-                <a:latin typeface="Segoe UI" panose="020B0502040204020203" pitchFamily="34" charset="0"/>
-              </a:rPr>
-              <a:t> — это переменная, в которой хранится адрес памяти объекта.</a:t>
-            </a:r>
-            <a:endParaRPr lang="ru-RU" dirty="0"/>
+              <a:t>, с другой стороны, являются переменными, которые “ссылаются” на другие переменные. Когда мы создаем ссылку, она автоматически связывается с другим объектом, поэтому любое изменение в одном объекте будет отражаться в другом. Это позволяет нам использовать ссылки как псевдонимы для других переменных.</a:t>
+            </a:r>
           </a:p>
         </p:txBody>
       </p:sp>
     </p:spTree>
     <p:extLst>
       <p:ext uri="{BB962C8B-B14F-4D97-AF65-F5344CB8AC3E}">
-        <p14:creationId xmlns:p14="http://schemas.microsoft.com/office/powerpoint/2010/main" val="1239012817"/>
+        <p14:creationId xmlns:p14="http://schemas.microsoft.com/office/powerpoint/2010/main" val="996917712"/>
       </p:ext>
     </p:extLst>
   </p:cSld>
@@ -4427,7 +4431,7 @@
           <p:cNvPr id="2" name="Заголовок 1">
             <a:extLst>
               <a:ext uri="{FF2B5EF4-FFF2-40B4-BE49-F238E27FC236}">
-                <a16:creationId xmlns:a16="http://schemas.microsoft.com/office/drawing/2014/main" id="{B08FA1AB-B76E-E175-9CA0-907D97702841}"/>
+                <a16:creationId xmlns:a16="http://schemas.microsoft.com/office/drawing/2014/main" id="{57AF67DE-A6A0-FC37-AEE6-02E881F93CF5}"/>
               </a:ext>
             </a:extLst>
           </p:cNvPr>
@@ -4445,7 +4449,7 @@
           <a:p>
             <a:r>
               <a:rPr lang="ru-RU" dirty="0"/>
-              <a:t>Указатель</a:t>
+              <a:t>Ссылки</a:t>
             </a:r>
           </a:p>
         </p:txBody>
@@ -4455,7 +4459,7 @@
           <p:cNvPr id="3" name="Объект 2">
             <a:extLst>
               <a:ext uri="{FF2B5EF4-FFF2-40B4-BE49-F238E27FC236}">
-                <a16:creationId xmlns:a16="http://schemas.microsoft.com/office/drawing/2014/main" id="{F9259C7F-C03D-737B-1C5A-8D097E3E161A}"/>
+                <a16:creationId xmlns:a16="http://schemas.microsoft.com/office/drawing/2014/main" id="{E55E74EB-EFA2-9FA8-28C2-84082E91C29B}"/>
               </a:ext>
             </a:extLst>
           </p:cNvPr>
@@ -4469,132 +4473,69 @@
         <p:spPr/>
         <p:txBody>
           <a:bodyPr>
-            <a:normAutofit/>
+            <a:normAutofit lnSpcReduction="10000"/>
           </a:bodyPr>
           <a:lstStyle/>
-          <a:p>
-            <a:pPr marL="0" indent="0">
-              <a:buNone/>
-            </a:pPr>
-            <a:r>
-              <a:rPr lang="en-US" b="0" i="0" u="none" strike="noStrike" dirty="0">
-                <a:solidFill>
-                  <a:srgbClr val="161616"/>
-                </a:solidFill>
-                <a:effectLst/>
-                <a:latin typeface="Segoe UI" panose="020B0502040204020203" pitchFamily="34" charset="0"/>
-              </a:rPr>
-              <a:t>	</a:t>
-            </a:r>
-            <a:r>
-              <a:rPr lang="ru-RU" b="0" i="0" u="none" strike="noStrike" dirty="0">
-                <a:solidFill>
-                  <a:srgbClr val="161616"/>
-                </a:solidFill>
-                <a:effectLst/>
-                <a:latin typeface="Segoe UI" panose="020B0502040204020203" pitchFamily="34" charset="0"/>
-              </a:rPr>
-              <a:t>Указатель</a:t>
-            </a:r>
-            <a:r>
-              <a:rPr lang="en-US" b="0" i="0" u="none" strike="noStrike" dirty="0">
-                <a:solidFill>
-                  <a:srgbClr val="161616"/>
-                </a:solidFill>
-                <a:effectLst/>
-                <a:latin typeface="Segoe UI" panose="020B0502040204020203" pitchFamily="34" charset="0"/>
-              </a:rPr>
-              <a:t> (pointer)</a:t>
-            </a:r>
-            <a:r>
-              <a:rPr lang="ru-RU" b="0" i="0" u="none" strike="noStrike" dirty="0">
-                <a:solidFill>
-                  <a:srgbClr val="161616"/>
-                </a:solidFill>
-                <a:effectLst/>
-                <a:latin typeface="Segoe UI" panose="020B0502040204020203" pitchFamily="34" charset="0"/>
-              </a:rPr>
-              <a:t> — это переменная, в которой хранится адрес памяти объекта.</a:t>
-            </a:r>
-            <a:endParaRPr lang="en-US" b="0" i="0" u="none" strike="noStrike" dirty="0">
-              <a:solidFill>
-                <a:srgbClr val="161616"/>
-              </a:solidFill>
-              <a:effectLst/>
-              <a:latin typeface="Segoe UI" panose="020B0502040204020203" pitchFamily="34" charset="0"/>
-            </a:endParaRPr>
-          </a:p>
           <a:p>
             <a:pPr marL="0" indent="0" algn="l">
               <a:buNone/>
             </a:pPr>
             <a:r>
+              <a:rPr lang="ru-RU" b="0" i="0" u="none" strike="noStrike" dirty="0">
+                <a:effectLst/>
+                <a:latin typeface="YS Text"/>
+              </a:rPr>
+              <a:t>	Ссылки (</a:t>
+            </a:r>
+            <a:r>
+              <a:rPr lang="ru-RU" b="0" i="0" u="none" strike="noStrike" dirty="0" err="1">
+                <a:effectLst/>
+                <a:latin typeface="YS Text"/>
+              </a:rPr>
+              <a:t>r</a:t>
+            </a:r>
+            <a:r>
+              <a:rPr lang="en-US" b="0" i="0" u="none" strike="noStrike" dirty="0" err="1">
+                <a:effectLst/>
+                <a:latin typeface="YS Text"/>
+              </a:rPr>
+              <a:t>eferences</a:t>
+            </a:r>
+            <a:r>
+              <a:rPr lang="en-US" dirty="0">
+                <a:latin typeface="YS Text"/>
+              </a:rPr>
+              <a:t>)</a:t>
+            </a:r>
+            <a:r>
+              <a:rPr lang="ru-RU" b="0" i="0" u="none" strike="noStrike" dirty="0">
+                <a:effectLst/>
+                <a:latin typeface="YS Text"/>
+              </a:rPr>
+              <a:t>, с другой стороны, являются переменными, которые “ссылаются” на другие переменные. Когда мы создаем ссылку, она автоматически связывается с другим объектом, поэтому любое изменение в одном объекте будет отражаться в другом. Это позволяет нам использовать ссылки как псевдонимы для других переменных.</a:t>
+            </a:r>
+            <a:endParaRPr lang="en-US" b="0" i="0" u="none" strike="noStrike" dirty="0">
+              <a:effectLst/>
+              <a:latin typeface="YS Text"/>
+            </a:endParaRPr>
+          </a:p>
+          <a:p>
+            <a:pPr marL="0" indent="0" algn="l">
+              <a:buNone/>
+            </a:pPr>
+            <a:r>
               <a:rPr lang="en-US" b="0" i="0" u="none" strike="noStrike" dirty="0">
-                <a:solidFill>
-                  <a:srgbClr val="161616"/>
-                </a:solidFill>
                 <a:effectLst/>
-                <a:latin typeface="Segoe UI" panose="020B0502040204020203" pitchFamily="34" charset="0"/>
+                <a:latin typeface="YS Text"/>
               </a:rPr>
               <a:t>	</a:t>
             </a:r>
             <a:r>
               <a:rPr lang="ru-RU" b="0" i="0" u="none" strike="noStrike" dirty="0">
-                <a:solidFill>
-                  <a:srgbClr val="161616"/>
-                </a:solidFill>
                 <a:effectLst/>
-                <a:latin typeface="Segoe UI" panose="020B0502040204020203" pitchFamily="34" charset="0"/>
+                <a:latin typeface="YS Text"/>
               </a:rPr>
-              <a:t>Указатели широко используются для трех основных целей:</a:t>
-            </a:r>
-          </a:p>
-          <a:p>
-            <a:pPr algn="l">
-              <a:buFont typeface="Arial" panose="020B0604020202020204" pitchFamily="34" charset="0"/>
-              <a:buChar char="•"/>
-            </a:pPr>
-            <a:r>
-              <a:rPr lang="ru-RU" b="0" i="0" u="none" strike="noStrike" dirty="0">
-                <a:solidFill>
-                  <a:srgbClr val="161616"/>
-                </a:solidFill>
-                <a:effectLst/>
-                <a:latin typeface="Segoe UI" panose="020B0502040204020203" pitchFamily="34" charset="0"/>
-              </a:rPr>
-              <a:t>для выделения новых объектов в куче,</a:t>
-            </a:r>
-          </a:p>
-          <a:p>
-            <a:pPr algn="l">
-              <a:buFont typeface="Arial" panose="020B0604020202020204" pitchFamily="34" charset="0"/>
-              <a:buChar char="•"/>
-            </a:pPr>
-            <a:r>
-              <a:rPr lang="ru-RU" b="0" i="0" u="none" strike="noStrike" dirty="0">
-                <a:solidFill>
-                  <a:srgbClr val="161616"/>
-                </a:solidFill>
-                <a:effectLst/>
-                <a:latin typeface="Segoe UI" panose="020B0502040204020203" pitchFamily="34" charset="0"/>
-              </a:rPr>
-              <a:t>передача функций другим функциям</a:t>
-            </a:r>
-          </a:p>
-          <a:p>
-            <a:pPr algn="l">
-              <a:buFont typeface="Arial" panose="020B0604020202020204" pitchFamily="34" charset="0"/>
-              <a:buChar char="•"/>
-            </a:pPr>
-            <a:r>
-              <a:rPr lang="ru-RU" b="0" i="0" u="none" strike="noStrike" dirty="0">
-                <a:solidFill>
-                  <a:srgbClr val="161616"/>
-                </a:solidFill>
-                <a:effectLst/>
-                <a:latin typeface="Segoe UI" panose="020B0502040204020203" pitchFamily="34" charset="0"/>
-              </a:rPr>
-              <a:t>для итерации элементов в массивах или других структурах данных.</a:t>
+              <a:t>В реальных задачах указатели и ссылки могут использоваться для различных целей, таких как передача параметров в функции, работа с динамической памятью, реализация стеков, очередей и многое другое. Они также могут быть полезны при создании своих собственных структур данных, таких как связные списки и деревья.</a:t>
             </a:r>
           </a:p>
         </p:txBody>
@@ -4602,7 +4543,7 @@
     </p:spTree>
     <p:extLst>
       <p:ext uri="{BB962C8B-B14F-4D97-AF65-F5344CB8AC3E}">
-        <p14:creationId xmlns:p14="http://schemas.microsoft.com/office/powerpoint/2010/main" val="491734876"/>
+        <p14:creationId xmlns:p14="http://schemas.microsoft.com/office/powerpoint/2010/main" val="1210195010"/>
       </p:ext>
     </p:extLst>
   </p:cSld>
@@ -4634,7 +4575,7 @@
           <p:cNvPr id="2" name="Заголовок 1">
             <a:extLst>
               <a:ext uri="{FF2B5EF4-FFF2-40B4-BE49-F238E27FC236}">
-                <a16:creationId xmlns:a16="http://schemas.microsoft.com/office/drawing/2014/main" id="{5CEF95A9-380D-55CC-8BEE-15C8134214D5}"/>
+                <a16:creationId xmlns:a16="http://schemas.microsoft.com/office/drawing/2014/main" id="{6D46F079-287B-2588-7190-5401BB8E64B5}"/>
               </a:ext>
             </a:extLst>
           </p:cNvPr>
@@ -4651,8 +4592,16 @@
           <a:lstStyle/>
           <a:p>
             <a:r>
+              <a:rPr lang="en-US" dirty="0" err="1"/>
+              <a:t>О</a:t>
+            </a:r>
+            <a:r>
+              <a:rPr lang="ru-RU" dirty="0" err="1"/>
+              <a:t>бъявление</a:t>
+            </a:r>
+            <a:r>
               <a:rPr lang="ru-RU" dirty="0"/>
-              <a:t>Объявление указателя</a:t>
+              <a:t> ссылки</a:t>
             </a:r>
           </a:p>
         </p:txBody>
@@ -4662,7 +4611,7 @@
           <p:cNvPr id="3" name="Объект 2">
             <a:extLst>
               <a:ext uri="{FF2B5EF4-FFF2-40B4-BE49-F238E27FC236}">
-                <a16:creationId xmlns:a16="http://schemas.microsoft.com/office/drawing/2014/main" id="{76F66CF6-5C3F-B5F7-7362-B7DAF97BE29E}"/>
+                <a16:creationId xmlns:a16="http://schemas.microsoft.com/office/drawing/2014/main" id="{027A0675-948E-C404-3642-F43A07711D5C}"/>
               </a:ext>
             </a:extLst>
           </p:cNvPr>
@@ -4685,7 +4634,7 @@
     </p:spTree>
     <p:extLst>
       <p:ext uri="{BB962C8B-B14F-4D97-AF65-F5344CB8AC3E}">
-        <p14:creationId xmlns:p14="http://schemas.microsoft.com/office/powerpoint/2010/main" val="3267872051"/>
+        <p14:creationId xmlns:p14="http://schemas.microsoft.com/office/powerpoint/2010/main" val="2150178342"/>
       </p:ext>
     </p:extLst>
   </p:cSld>
@@ -4717,7 +4666,7 @@
           <p:cNvPr id="2" name="Заголовок 1">
             <a:extLst>
               <a:ext uri="{FF2B5EF4-FFF2-40B4-BE49-F238E27FC236}">
-                <a16:creationId xmlns:a16="http://schemas.microsoft.com/office/drawing/2014/main" id="{5CEF95A9-380D-55CC-8BEE-15C8134214D5}"/>
+                <a16:creationId xmlns:a16="http://schemas.microsoft.com/office/drawing/2014/main" id="{6D46F079-287B-2588-7190-5401BB8E64B5}"/>
               </a:ext>
             </a:extLst>
           </p:cNvPr>
@@ -4734,18 +4683,26 @@
           <a:lstStyle/>
           <a:p>
             <a:r>
+              <a:rPr lang="en-US" dirty="0" err="1"/>
+              <a:t>О</a:t>
+            </a:r>
+            <a:r>
+              <a:rPr lang="ru-RU" dirty="0" err="1"/>
+              <a:t>бъявление</a:t>
+            </a:r>
+            <a:r>
               <a:rPr lang="ru-RU" dirty="0"/>
-              <a:t>Объявление указателя</a:t>
+              <a:t> ссылки</a:t>
             </a:r>
           </a:p>
         </p:txBody>
       </p:sp>
       <p:pic>
         <p:nvPicPr>
-          <p:cNvPr id="7" name="Рисунок 6">
+          <p:cNvPr id="4" name="Рисунок 3">
             <a:extLst>
               <a:ext uri="{FF2B5EF4-FFF2-40B4-BE49-F238E27FC236}">
-                <a16:creationId xmlns:a16="http://schemas.microsoft.com/office/drawing/2014/main" id="{EB8DA9D9-A67E-FF5E-22A0-BE28D410CC47}"/>
+                <a16:creationId xmlns:a16="http://schemas.microsoft.com/office/drawing/2014/main" id="{FA2A55EC-D728-E941-23D2-2D7B121363EB}"/>
               </a:ext>
             </a:extLst>
           </p:cNvPr>
@@ -4762,8 +4719,8 @@
         </p:blipFill>
         <p:spPr>
           <a:xfrm>
-            <a:off x="547693" y="1257326"/>
-            <a:ext cx="11096613" cy="5371608"/>
+            <a:off x="838200" y="867228"/>
+            <a:ext cx="10515600" cy="6204949"/>
           </a:xfrm>
           <a:prstGeom prst="rect">
             <a:avLst/>
@@ -4773,7 +4730,7 @@
     </p:spTree>
     <p:extLst>
       <p:ext uri="{BB962C8B-B14F-4D97-AF65-F5344CB8AC3E}">
-        <p14:creationId xmlns:p14="http://schemas.microsoft.com/office/powerpoint/2010/main" val="2514457865"/>
+        <p14:creationId xmlns:p14="http://schemas.microsoft.com/office/powerpoint/2010/main" val="2200724495"/>
       </p:ext>
     </p:extLst>
   </p:cSld>
@@ -4784,6 +4741,410 @@
 </file>
 
 <file path=ppt/slides/slide16.xml><?xml version="1.0" encoding="utf-8"?>
+<p:sld xmlns:a="http://schemas.openxmlformats.org/drawingml/2006/main" xmlns:r="http://schemas.openxmlformats.org/officeDocument/2006/relationships" xmlns:p="http://schemas.openxmlformats.org/presentationml/2006/main">
+  <p:cSld>
+    <p:spTree>
+      <p:nvGrpSpPr>
+        <p:cNvPr id="1" name=""/>
+        <p:cNvGrpSpPr/>
+        <p:nvPr/>
+      </p:nvGrpSpPr>
+      <p:grpSpPr>
+        <a:xfrm>
+          <a:off x="0" y="0"/>
+          <a:ext cx="0" cy="0"/>
+          <a:chOff x="0" y="0"/>
+          <a:chExt cx="0" cy="0"/>
+        </a:xfrm>
+      </p:grpSpPr>
+      <p:sp>
+        <p:nvSpPr>
+          <p:cNvPr id="2" name="Заголовок 1">
+            <a:extLst>
+              <a:ext uri="{FF2B5EF4-FFF2-40B4-BE49-F238E27FC236}">
+                <a16:creationId xmlns:a16="http://schemas.microsoft.com/office/drawing/2014/main" id="{3F02AB8F-B790-A4CA-10EE-CA94345E3132}"/>
+              </a:ext>
+            </a:extLst>
+          </p:cNvPr>
+          <p:cNvSpPr>
+            <a:spLocks noGrp="1"/>
+          </p:cNvSpPr>
+          <p:nvPr>
+            <p:ph type="title"/>
+          </p:nvPr>
+        </p:nvSpPr>
+        <p:spPr/>
+        <p:txBody>
+          <a:bodyPr/>
+          <a:lstStyle/>
+          <a:p>
+            <a:r>
+              <a:rPr lang="ru-RU" dirty="0"/>
+              <a:t>Оператор адреса (</a:t>
+            </a:r>
+            <a:r>
+              <a:rPr lang="en-US" dirty="0"/>
+              <a:t>&amp;)</a:t>
+            </a:r>
+            <a:endParaRPr lang="ru-RU" dirty="0"/>
+          </a:p>
+        </p:txBody>
+      </p:sp>
+      <p:sp>
+        <p:nvSpPr>
+          <p:cNvPr id="3" name="Объект 2">
+            <a:extLst>
+              <a:ext uri="{FF2B5EF4-FFF2-40B4-BE49-F238E27FC236}">
+                <a16:creationId xmlns:a16="http://schemas.microsoft.com/office/drawing/2014/main" id="{90A9CDB4-4278-D4E3-0629-FDEB1405C684}"/>
+              </a:ext>
+            </a:extLst>
+          </p:cNvPr>
+          <p:cNvSpPr>
+            <a:spLocks noGrp="1"/>
+          </p:cNvSpPr>
+          <p:nvPr>
+            <p:ph idx="1"/>
+          </p:nvPr>
+        </p:nvSpPr>
+        <p:spPr/>
+        <p:txBody>
+          <a:bodyPr/>
+          <a:lstStyle/>
+          <a:p>
+            <a:pPr marL="0" indent="0">
+              <a:buNone/>
+            </a:pPr>
+            <a:endParaRPr lang="ru-RU" dirty="0"/>
+          </a:p>
+        </p:txBody>
+      </p:sp>
+    </p:spTree>
+    <p:extLst>
+      <p:ext uri="{BB962C8B-B14F-4D97-AF65-F5344CB8AC3E}">
+        <p14:creationId xmlns:p14="http://schemas.microsoft.com/office/powerpoint/2010/main" val="3732440504"/>
+      </p:ext>
+    </p:extLst>
+  </p:cSld>
+  <p:clrMapOvr>
+    <a:masterClrMapping/>
+  </p:clrMapOvr>
+</p:sld>
+</file>
+
+<file path=ppt/slides/slide17.xml><?xml version="1.0" encoding="utf-8"?>
+<p:sld xmlns:a="http://schemas.openxmlformats.org/drawingml/2006/main" xmlns:r="http://schemas.openxmlformats.org/officeDocument/2006/relationships" xmlns:p="http://schemas.openxmlformats.org/presentationml/2006/main">
+  <p:cSld>
+    <p:spTree>
+      <p:nvGrpSpPr>
+        <p:cNvPr id="1" name=""/>
+        <p:cNvGrpSpPr/>
+        <p:nvPr/>
+      </p:nvGrpSpPr>
+      <p:grpSpPr>
+        <a:xfrm>
+          <a:off x="0" y="0"/>
+          <a:ext cx="0" cy="0"/>
+          <a:chOff x="0" y="0"/>
+          <a:chExt cx="0" cy="0"/>
+        </a:xfrm>
+      </p:grpSpPr>
+      <p:sp>
+        <p:nvSpPr>
+          <p:cNvPr id="2" name="Заголовок 1">
+            <a:extLst>
+              <a:ext uri="{FF2B5EF4-FFF2-40B4-BE49-F238E27FC236}">
+                <a16:creationId xmlns:a16="http://schemas.microsoft.com/office/drawing/2014/main" id="{3F02AB8F-B790-A4CA-10EE-CA94345E3132}"/>
+              </a:ext>
+            </a:extLst>
+          </p:cNvPr>
+          <p:cNvSpPr>
+            <a:spLocks noGrp="1"/>
+          </p:cNvSpPr>
+          <p:nvPr>
+            <p:ph type="title"/>
+          </p:nvPr>
+        </p:nvSpPr>
+        <p:spPr/>
+        <p:txBody>
+          <a:bodyPr/>
+          <a:lstStyle/>
+          <a:p>
+            <a:r>
+              <a:rPr lang="ru-RU" dirty="0"/>
+              <a:t>Оператор адреса (</a:t>
+            </a:r>
+            <a:r>
+              <a:rPr lang="en-US" dirty="0"/>
+              <a:t>&amp;)</a:t>
+            </a:r>
+            <a:endParaRPr lang="ru-RU" dirty="0"/>
+          </a:p>
+        </p:txBody>
+      </p:sp>
+      <p:sp>
+        <p:nvSpPr>
+          <p:cNvPr id="3" name="Объект 2">
+            <a:extLst>
+              <a:ext uri="{FF2B5EF4-FFF2-40B4-BE49-F238E27FC236}">
+                <a16:creationId xmlns:a16="http://schemas.microsoft.com/office/drawing/2014/main" id="{90A9CDB4-4278-D4E3-0629-FDEB1405C684}"/>
+              </a:ext>
+            </a:extLst>
+          </p:cNvPr>
+          <p:cNvSpPr>
+            <a:spLocks noGrp="1"/>
+          </p:cNvSpPr>
+          <p:nvPr>
+            <p:ph idx="1"/>
+          </p:nvPr>
+        </p:nvSpPr>
+        <p:spPr/>
+        <p:txBody>
+          <a:bodyPr/>
+          <a:lstStyle/>
+          <a:p>
+            <a:pPr marL="0" indent="0">
+              <a:buNone/>
+            </a:pPr>
+            <a:r>
+              <a:rPr lang="en" dirty="0" err="1"/>
+              <a:t>myvar</a:t>
+            </a:r>
+            <a:r>
+              <a:rPr lang="en" dirty="0"/>
+              <a:t> = 25;</a:t>
+            </a:r>
+          </a:p>
+          <a:p>
+            <a:pPr marL="0" indent="0">
+              <a:buNone/>
+            </a:pPr>
+            <a:r>
+              <a:rPr lang="en" dirty="0"/>
+              <a:t>foo = &amp;</a:t>
+            </a:r>
+            <a:r>
+              <a:rPr lang="en" dirty="0" err="1"/>
+              <a:t>myvar</a:t>
+            </a:r>
+            <a:r>
+              <a:rPr lang="en" dirty="0"/>
+              <a:t>;</a:t>
+            </a:r>
+          </a:p>
+          <a:p>
+            <a:pPr marL="0" indent="0">
+              <a:buNone/>
+            </a:pPr>
+            <a:r>
+              <a:rPr lang="en" dirty="0"/>
+              <a:t>bar = </a:t>
+            </a:r>
+            <a:r>
+              <a:rPr lang="en" dirty="0" err="1"/>
+              <a:t>myvar</a:t>
+            </a:r>
+            <a:r>
+              <a:rPr lang="en" dirty="0"/>
+              <a:t>;</a:t>
+            </a:r>
+            <a:endParaRPr lang="ru-RU" dirty="0"/>
+          </a:p>
+        </p:txBody>
+      </p:sp>
+    </p:spTree>
+    <p:extLst>
+      <p:ext uri="{BB962C8B-B14F-4D97-AF65-F5344CB8AC3E}">
+        <p14:creationId xmlns:p14="http://schemas.microsoft.com/office/powerpoint/2010/main" val="2225362365"/>
+      </p:ext>
+    </p:extLst>
+  </p:cSld>
+  <p:clrMapOvr>
+    <a:masterClrMapping/>
+  </p:clrMapOvr>
+</p:sld>
+</file>
+
+<file path=ppt/slides/slide18.xml><?xml version="1.0" encoding="utf-8"?>
+<p:sld xmlns:a="http://schemas.openxmlformats.org/drawingml/2006/main" xmlns:r="http://schemas.openxmlformats.org/officeDocument/2006/relationships" xmlns:p="http://schemas.openxmlformats.org/presentationml/2006/main">
+  <p:cSld>
+    <p:spTree>
+      <p:nvGrpSpPr>
+        <p:cNvPr id="1" name=""/>
+        <p:cNvGrpSpPr/>
+        <p:nvPr/>
+      </p:nvGrpSpPr>
+      <p:grpSpPr>
+        <a:xfrm>
+          <a:off x="0" y="0"/>
+          <a:ext cx="0" cy="0"/>
+          <a:chOff x="0" y="0"/>
+          <a:chExt cx="0" cy="0"/>
+        </a:xfrm>
+      </p:grpSpPr>
+      <p:sp>
+        <p:nvSpPr>
+          <p:cNvPr id="2" name="Заголовок 1">
+            <a:extLst>
+              <a:ext uri="{FF2B5EF4-FFF2-40B4-BE49-F238E27FC236}">
+                <a16:creationId xmlns:a16="http://schemas.microsoft.com/office/drawing/2014/main" id="{3F02AB8F-B790-A4CA-10EE-CA94345E3132}"/>
+              </a:ext>
+            </a:extLst>
+          </p:cNvPr>
+          <p:cNvSpPr>
+            <a:spLocks noGrp="1"/>
+          </p:cNvSpPr>
+          <p:nvPr>
+            <p:ph type="title"/>
+          </p:nvPr>
+        </p:nvSpPr>
+        <p:spPr/>
+        <p:txBody>
+          <a:bodyPr/>
+          <a:lstStyle/>
+          <a:p>
+            <a:r>
+              <a:rPr lang="ru-RU" dirty="0"/>
+              <a:t>Оператор адреса (</a:t>
+            </a:r>
+            <a:r>
+              <a:rPr lang="en-US" dirty="0"/>
+              <a:t>&amp;)</a:t>
+            </a:r>
+            <a:endParaRPr lang="ru-RU" dirty="0"/>
+          </a:p>
+        </p:txBody>
+      </p:sp>
+      <p:sp>
+        <p:nvSpPr>
+          <p:cNvPr id="3" name="Объект 2">
+            <a:extLst>
+              <a:ext uri="{FF2B5EF4-FFF2-40B4-BE49-F238E27FC236}">
+                <a16:creationId xmlns:a16="http://schemas.microsoft.com/office/drawing/2014/main" id="{90A9CDB4-4278-D4E3-0629-FDEB1405C684}"/>
+              </a:ext>
+            </a:extLst>
+          </p:cNvPr>
+          <p:cNvSpPr>
+            <a:spLocks noGrp="1"/>
+          </p:cNvSpPr>
+          <p:nvPr>
+            <p:ph idx="1"/>
+          </p:nvPr>
+        </p:nvSpPr>
+        <p:spPr/>
+        <p:txBody>
+          <a:bodyPr/>
+          <a:lstStyle/>
+          <a:p>
+            <a:pPr marL="0" indent="0">
+              <a:buNone/>
+            </a:pPr>
+            <a:r>
+              <a:rPr lang="en" dirty="0" err="1"/>
+              <a:t>myvar</a:t>
+            </a:r>
+            <a:r>
+              <a:rPr lang="en" dirty="0"/>
+              <a:t> = 25;</a:t>
+            </a:r>
+          </a:p>
+          <a:p>
+            <a:pPr marL="0" indent="0">
+              <a:buNone/>
+            </a:pPr>
+            <a:r>
+              <a:rPr lang="en" dirty="0"/>
+              <a:t>foo = &amp;</a:t>
+            </a:r>
+            <a:r>
+              <a:rPr lang="en" dirty="0" err="1"/>
+              <a:t>myvar</a:t>
+            </a:r>
+            <a:r>
+              <a:rPr lang="en" dirty="0"/>
+              <a:t>;</a:t>
+            </a:r>
+          </a:p>
+          <a:p>
+            <a:pPr marL="0" indent="0">
+              <a:buNone/>
+            </a:pPr>
+            <a:r>
+              <a:rPr lang="en" dirty="0"/>
+              <a:t>bar = </a:t>
+            </a:r>
+            <a:r>
+              <a:rPr lang="en" dirty="0" err="1"/>
+              <a:t>myvar</a:t>
+            </a:r>
+            <a:r>
+              <a:rPr lang="en" dirty="0"/>
+              <a:t>;</a:t>
+            </a:r>
+            <a:endParaRPr lang="ru-RU" dirty="0"/>
+          </a:p>
+        </p:txBody>
+      </p:sp>
+      <p:pic>
+        <p:nvPicPr>
+          <p:cNvPr id="1026" name="Picture 2">
+            <a:extLst>
+              <a:ext uri="{FF2B5EF4-FFF2-40B4-BE49-F238E27FC236}">
+                <a16:creationId xmlns:a16="http://schemas.microsoft.com/office/drawing/2014/main" id="{6020DF09-C173-68D6-8FC0-ADABF9E8CEA8}"/>
+              </a:ext>
+            </a:extLst>
+          </p:cNvPr>
+          <p:cNvPicPr>
+            <a:picLocks noChangeAspect="1" noChangeArrowheads="1"/>
+          </p:cNvPicPr>
+          <p:nvPr/>
+        </p:nvPicPr>
+        <p:blipFill>
+          <a:blip r:embed="rId2">
+            <a:extLst>
+              <a:ext uri="{28A0092B-C50C-407E-A947-70E740481C1C}">
+                <a14:useLocalDpi xmlns:a14="http://schemas.microsoft.com/office/drawing/2010/main" val="0"/>
+              </a:ext>
+            </a:extLst>
+          </a:blip>
+          <a:srcRect/>
+          <a:stretch>
+            <a:fillRect/>
+          </a:stretch>
+        </p:blipFill>
+        <p:spPr bwMode="auto">
+          <a:xfrm>
+            <a:off x="1866186" y="3415730"/>
+            <a:ext cx="8202487" cy="2761233"/>
+          </a:xfrm>
+          <a:prstGeom prst="rect">
+            <a:avLst/>
+          </a:prstGeom>
+          <a:noFill/>
+          <a:extLst>
+            <a:ext uri="{909E8E84-426E-40DD-AFC4-6F175D3DCCD1}">
+              <a14:hiddenFill xmlns:a14="http://schemas.microsoft.com/office/drawing/2010/main">
+                <a:solidFill>
+                  <a:srgbClr val="FFFFFF"/>
+                </a:solidFill>
+              </a14:hiddenFill>
+            </a:ext>
+          </a:extLst>
+        </p:spPr>
+      </p:pic>
+    </p:spTree>
+    <p:extLst>
+      <p:ext uri="{BB962C8B-B14F-4D97-AF65-F5344CB8AC3E}">
+        <p14:creationId xmlns:p14="http://schemas.microsoft.com/office/powerpoint/2010/main" val="3946683981"/>
+      </p:ext>
+    </p:extLst>
+  </p:cSld>
+  <p:clrMapOvr>
+    <a:masterClrMapping/>
+  </p:clrMapOvr>
+</p:sld>
+</file>
+
+<file path=ppt/slides/slide19.xml><?xml version="1.0" encoding="utf-8"?>
 <p:sld xmlns:a="http://schemas.openxmlformats.org/drawingml/2006/main" xmlns:r="http://schemas.openxmlformats.org/officeDocument/2006/relationships" xmlns:p="http://schemas.openxmlformats.org/presentationml/2006/main">
   <p:cSld>
     <p:bg>
@@ -4824,8 +5185,8 @@
         </p:nvSpPr>
         <p:spPr>
           <a:xfrm>
-            <a:off x="4812345" y="3137837"/>
-            <a:ext cx="2567310" cy="582326"/>
+            <a:off x="4468191" y="3137837"/>
+            <a:ext cx="3255618" cy="582326"/>
           </a:xfrm>
           <a:prstGeom prst="rect">
             <a:avLst/>
@@ -4856,6 +5217,16 @@
           </a:lstStyle>
           <a:p>
             <a:r>
+              <a:rPr lang="en-US" sz="4800" b="1" dirty="0" err="1">
+                <a:solidFill>
+                  <a:schemeClr val="bg1"/>
+                </a:solidFill>
+                <a:latin typeface="Arial" panose="020B0604020202020204" pitchFamily="34" charset="0"/>
+                <a:cs typeface="Arial" panose="020B0604020202020204" pitchFamily="34" charset="0"/>
+              </a:rPr>
+              <a:t>У</a:t>
+            </a:r>
+            <a:r>
               <a:rPr lang="ru-RU" sz="4800" b="1" dirty="0">
                 <a:solidFill>
                   <a:schemeClr val="bg1"/>
@@ -4863,7 +5234,7 @@
                 <a:latin typeface="Arial" panose="020B0604020202020204" pitchFamily="34" charset="0"/>
                 <a:cs typeface="Arial" panose="020B0604020202020204" pitchFamily="34" charset="0"/>
               </a:rPr>
-              <a:t>Ссылки</a:t>
+              <a:t>казатели</a:t>
             </a:r>
           </a:p>
         </p:txBody>
@@ -4871,353 +5242,7 @@
     </p:spTree>
     <p:extLst>
       <p:ext uri="{BB962C8B-B14F-4D97-AF65-F5344CB8AC3E}">
-        <p14:creationId xmlns:p14="http://schemas.microsoft.com/office/powerpoint/2010/main" val="3532935633"/>
-      </p:ext>
-    </p:extLst>
-  </p:cSld>
-  <p:clrMapOvr>
-    <a:masterClrMapping/>
-  </p:clrMapOvr>
-</p:sld>
-</file>
-
-<file path=ppt/slides/slide17.xml><?xml version="1.0" encoding="utf-8"?>
-<p:sld xmlns:a="http://schemas.openxmlformats.org/drawingml/2006/main" xmlns:r="http://schemas.openxmlformats.org/officeDocument/2006/relationships" xmlns:p="http://schemas.openxmlformats.org/presentationml/2006/main">
-  <p:cSld>
-    <p:spTree>
-      <p:nvGrpSpPr>
-        <p:cNvPr id="1" name=""/>
-        <p:cNvGrpSpPr/>
-        <p:nvPr/>
-      </p:nvGrpSpPr>
-      <p:grpSpPr>
-        <a:xfrm>
-          <a:off x="0" y="0"/>
-          <a:ext cx="0" cy="0"/>
-          <a:chOff x="0" y="0"/>
-          <a:chExt cx="0" cy="0"/>
-        </a:xfrm>
-      </p:grpSpPr>
-      <p:sp>
-        <p:nvSpPr>
-          <p:cNvPr id="2" name="Заголовок 1">
-            <a:extLst>
-              <a:ext uri="{FF2B5EF4-FFF2-40B4-BE49-F238E27FC236}">
-                <a16:creationId xmlns:a16="http://schemas.microsoft.com/office/drawing/2014/main" id="{57AF67DE-A6A0-FC37-AEE6-02E881F93CF5}"/>
-              </a:ext>
-            </a:extLst>
-          </p:cNvPr>
-          <p:cNvSpPr>
-            <a:spLocks noGrp="1"/>
-          </p:cNvSpPr>
-          <p:nvPr>
-            <p:ph type="title"/>
-          </p:nvPr>
-        </p:nvSpPr>
-        <p:spPr/>
-        <p:txBody>
-          <a:bodyPr/>
-          <a:lstStyle/>
-          <a:p>
-            <a:r>
-              <a:rPr lang="ru-RU" dirty="0"/>
-              <a:t>Ссылки</a:t>
-            </a:r>
-          </a:p>
-        </p:txBody>
-      </p:sp>
-      <p:sp>
-        <p:nvSpPr>
-          <p:cNvPr id="3" name="Объект 2">
-            <a:extLst>
-              <a:ext uri="{FF2B5EF4-FFF2-40B4-BE49-F238E27FC236}">
-                <a16:creationId xmlns:a16="http://schemas.microsoft.com/office/drawing/2014/main" id="{E55E74EB-EFA2-9FA8-28C2-84082E91C29B}"/>
-              </a:ext>
-            </a:extLst>
-          </p:cNvPr>
-          <p:cNvSpPr>
-            <a:spLocks noGrp="1"/>
-          </p:cNvSpPr>
-          <p:nvPr>
-            <p:ph idx="1"/>
-          </p:nvPr>
-        </p:nvSpPr>
-        <p:spPr/>
-        <p:txBody>
-          <a:bodyPr/>
-          <a:lstStyle/>
-          <a:p>
-            <a:endParaRPr lang="ru-RU"/>
-          </a:p>
-        </p:txBody>
-      </p:sp>
-    </p:spTree>
-    <p:extLst>
-      <p:ext uri="{BB962C8B-B14F-4D97-AF65-F5344CB8AC3E}">
-        <p14:creationId xmlns:p14="http://schemas.microsoft.com/office/powerpoint/2010/main" val="881307483"/>
-      </p:ext>
-    </p:extLst>
-  </p:cSld>
-  <p:clrMapOvr>
-    <a:masterClrMapping/>
-  </p:clrMapOvr>
-</p:sld>
-</file>
-
-<file path=ppt/slides/slide18.xml><?xml version="1.0" encoding="utf-8"?>
-<p:sld xmlns:a="http://schemas.openxmlformats.org/drawingml/2006/main" xmlns:r="http://schemas.openxmlformats.org/officeDocument/2006/relationships" xmlns:p="http://schemas.openxmlformats.org/presentationml/2006/main">
-  <p:cSld>
-    <p:spTree>
-      <p:nvGrpSpPr>
-        <p:cNvPr id="1" name=""/>
-        <p:cNvGrpSpPr/>
-        <p:nvPr/>
-      </p:nvGrpSpPr>
-      <p:grpSpPr>
-        <a:xfrm>
-          <a:off x="0" y="0"/>
-          <a:ext cx="0" cy="0"/>
-          <a:chOff x="0" y="0"/>
-          <a:chExt cx="0" cy="0"/>
-        </a:xfrm>
-      </p:grpSpPr>
-      <p:sp>
-        <p:nvSpPr>
-          <p:cNvPr id="2" name="Заголовок 1">
-            <a:extLst>
-              <a:ext uri="{FF2B5EF4-FFF2-40B4-BE49-F238E27FC236}">
-                <a16:creationId xmlns:a16="http://schemas.microsoft.com/office/drawing/2014/main" id="{57AF67DE-A6A0-FC37-AEE6-02E881F93CF5}"/>
-              </a:ext>
-            </a:extLst>
-          </p:cNvPr>
-          <p:cNvSpPr>
-            <a:spLocks noGrp="1"/>
-          </p:cNvSpPr>
-          <p:nvPr>
-            <p:ph type="title"/>
-          </p:nvPr>
-        </p:nvSpPr>
-        <p:spPr/>
-        <p:txBody>
-          <a:bodyPr/>
-          <a:lstStyle/>
-          <a:p>
-            <a:r>
-              <a:rPr lang="ru-RU" dirty="0"/>
-              <a:t>Ссылки</a:t>
-            </a:r>
-          </a:p>
-        </p:txBody>
-      </p:sp>
-      <p:sp>
-        <p:nvSpPr>
-          <p:cNvPr id="3" name="Объект 2">
-            <a:extLst>
-              <a:ext uri="{FF2B5EF4-FFF2-40B4-BE49-F238E27FC236}">
-                <a16:creationId xmlns:a16="http://schemas.microsoft.com/office/drawing/2014/main" id="{E55E74EB-EFA2-9FA8-28C2-84082E91C29B}"/>
-              </a:ext>
-            </a:extLst>
-          </p:cNvPr>
-          <p:cNvSpPr>
-            <a:spLocks noGrp="1"/>
-          </p:cNvSpPr>
-          <p:nvPr>
-            <p:ph idx="1"/>
-          </p:nvPr>
-        </p:nvSpPr>
-        <p:spPr/>
-        <p:txBody>
-          <a:bodyPr/>
-          <a:lstStyle/>
-          <a:p>
-            <a:pPr marL="0" indent="0" algn="l">
-              <a:buNone/>
-            </a:pPr>
-            <a:r>
-              <a:rPr lang="ru-RU" b="0" i="0" u="none" strike="noStrike" dirty="0">
-                <a:effectLst/>
-                <a:latin typeface="YS Text"/>
-              </a:rPr>
-              <a:t>	Ссылки (</a:t>
-            </a:r>
-            <a:r>
-              <a:rPr lang="ru-RU" b="0" i="0" u="none" strike="noStrike" dirty="0" err="1">
-                <a:effectLst/>
-                <a:latin typeface="YS Text"/>
-              </a:rPr>
-              <a:t>r</a:t>
-            </a:r>
-            <a:r>
-              <a:rPr lang="en-US" b="0" i="0" u="none" strike="noStrike" dirty="0" err="1">
-                <a:effectLst/>
-                <a:latin typeface="YS Text"/>
-              </a:rPr>
-              <a:t>eferences</a:t>
-            </a:r>
-            <a:r>
-              <a:rPr lang="en-US" dirty="0">
-                <a:latin typeface="YS Text"/>
-              </a:rPr>
-              <a:t>)</a:t>
-            </a:r>
-            <a:r>
-              <a:rPr lang="ru-RU" b="0" i="0" u="none" strike="noStrike" dirty="0">
-                <a:effectLst/>
-                <a:latin typeface="YS Text"/>
-              </a:rPr>
-              <a:t>, с другой стороны, являются переменными, которые “ссылаются” на другие переменные. Когда мы создаем ссылку, она автоматически связывается с другим объектом, поэтому любое изменение в одном объекте будет отражаться в другом. Это позволяет нам использовать ссылки как псевдонимы для других переменных.</a:t>
-            </a:r>
-          </a:p>
-        </p:txBody>
-      </p:sp>
-    </p:spTree>
-    <p:extLst>
-      <p:ext uri="{BB962C8B-B14F-4D97-AF65-F5344CB8AC3E}">
-        <p14:creationId xmlns:p14="http://schemas.microsoft.com/office/powerpoint/2010/main" val="996917712"/>
-      </p:ext>
-    </p:extLst>
-  </p:cSld>
-  <p:clrMapOvr>
-    <a:masterClrMapping/>
-  </p:clrMapOvr>
-</p:sld>
-</file>
-
-<file path=ppt/slides/slide19.xml><?xml version="1.0" encoding="utf-8"?>
-<p:sld xmlns:a="http://schemas.openxmlformats.org/drawingml/2006/main" xmlns:r="http://schemas.openxmlformats.org/officeDocument/2006/relationships" xmlns:p="http://schemas.openxmlformats.org/presentationml/2006/main">
-  <p:cSld>
-    <p:spTree>
-      <p:nvGrpSpPr>
-        <p:cNvPr id="1" name=""/>
-        <p:cNvGrpSpPr/>
-        <p:nvPr/>
-      </p:nvGrpSpPr>
-      <p:grpSpPr>
-        <a:xfrm>
-          <a:off x="0" y="0"/>
-          <a:ext cx="0" cy="0"/>
-          <a:chOff x="0" y="0"/>
-          <a:chExt cx="0" cy="0"/>
-        </a:xfrm>
-      </p:grpSpPr>
-      <p:sp>
-        <p:nvSpPr>
-          <p:cNvPr id="2" name="Заголовок 1">
-            <a:extLst>
-              <a:ext uri="{FF2B5EF4-FFF2-40B4-BE49-F238E27FC236}">
-                <a16:creationId xmlns:a16="http://schemas.microsoft.com/office/drawing/2014/main" id="{57AF67DE-A6A0-FC37-AEE6-02E881F93CF5}"/>
-              </a:ext>
-            </a:extLst>
-          </p:cNvPr>
-          <p:cNvSpPr>
-            <a:spLocks noGrp="1"/>
-          </p:cNvSpPr>
-          <p:nvPr>
-            <p:ph type="title"/>
-          </p:nvPr>
-        </p:nvSpPr>
-        <p:spPr/>
-        <p:txBody>
-          <a:bodyPr/>
-          <a:lstStyle/>
-          <a:p>
-            <a:r>
-              <a:rPr lang="ru-RU" dirty="0"/>
-              <a:t>Ссылки</a:t>
-            </a:r>
-          </a:p>
-        </p:txBody>
-      </p:sp>
-      <p:sp>
-        <p:nvSpPr>
-          <p:cNvPr id="3" name="Объект 2">
-            <a:extLst>
-              <a:ext uri="{FF2B5EF4-FFF2-40B4-BE49-F238E27FC236}">
-                <a16:creationId xmlns:a16="http://schemas.microsoft.com/office/drawing/2014/main" id="{E55E74EB-EFA2-9FA8-28C2-84082E91C29B}"/>
-              </a:ext>
-            </a:extLst>
-          </p:cNvPr>
-          <p:cNvSpPr>
-            <a:spLocks noGrp="1"/>
-          </p:cNvSpPr>
-          <p:nvPr>
-            <p:ph idx="1"/>
-          </p:nvPr>
-        </p:nvSpPr>
-        <p:spPr/>
-        <p:txBody>
-          <a:bodyPr>
-            <a:normAutofit lnSpcReduction="10000"/>
-          </a:bodyPr>
-          <a:lstStyle/>
-          <a:p>
-            <a:pPr marL="0" indent="0" algn="l">
-              <a:buNone/>
-            </a:pPr>
-            <a:r>
-              <a:rPr lang="ru-RU" b="0" i="0" u="none" strike="noStrike" dirty="0">
-                <a:effectLst/>
-                <a:latin typeface="YS Text"/>
-              </a:rPr>
-              <a:t>	Ссылки (</a:t>
-            </a:r>
-            <a:r>
-              <a:rPr lang="ru-RU" b="0" i="0" u="none" strike="noStrike" dirty="0" err="1">
-                <a:effectLst/>
-                <a:latin typeface="YS Text"/>
-              </a:rPr>
-              <a:t>r</a:t>
-            </a:r>
-            <a:r>
-              <a:rPr lang="en-US" b="0" i="0" u="none" strike="noStrike" dirty="0" err="1">
-                <a:effectLst/>
-                <a:latin typeface="YS Text"/>
-              </a:rPr>
-              <a:t>eferences</a:t>
-            </a:r>
-            <a:r>
-              <a:rPr lang="en-US" dirty="0">
-                <a:latin typeface="YS Text"/>
-              </a:rPr>
-              <a:t>)</a:t>
-            </a:r>
-            <a:r>
-              <a:rPr lang="ru-RU" b="0" i="0" u="none" strike="noStrike" dirty="0">
-                <a:effectLst/>
-                <a:latin typeface="YS Text"/>
-              </a:rPr>
-              <a:t>, с другой стороны, являются переменными, которые “ссылаются” на другие переменные. Когда мы создаем ссылку, она автоматически связывается с другим объектом, поэтому любое изменение в одном объекте будет отражаться в другом. Это позволяет нам использовать ссылки как псевдонимы для других переменных.</a:t>
-            </a:r>
-            <a:endParaRPr lang="en-US" b="0" i="0" u="none" strike="noStrike" dirty="0">
-              <a:effectLst/>
-              <a:latin typeface="YS Text"/>
-            </a:endParaRPr>
-          </a:p>
-          <a:p>
-            <a:pPr marL="0" indent="0" algn="l">
-              <a:buNone/>
-            </a:pPr>
-            <a:r>
-              <a:rPr lang="en-US" b="0" i="0" u="none" strike="noStrike" dirty="0">
-                <a:effectLst/>
-                <a:latin typeface="YS Text"/>
-              </a:rPr>
-              <a:t>	</a:t>
-            </a:r>
-            <a:r>
-              <a:rPr lang="ru-RU" b="0" i="0" u="none" strike="noStrike" dirty="0">
-                <a:effectLst/>
-                <a:latin typeface="YS Text"/>
-              </a:rPr>
-              <a:t>В реальных задачах указатели и ссылки могут использоваться для различных целей, таких как передача параметров в функции, работа с динамической памятью, реализация стеков, очередей и многое другое. Они также могут быть полезны при создании своих собственных структур данных, таких как связные списки и деревья.</a:t>
-            </a:r>
-          </a:p>
-        </p:txBody>
-      </p:sp>
-    </p:spTree>
-    <p:extLst>
-      <p:ext uri="{BB962C8B-B14F-4D97-AF65-F5344CB8AC3E}">
-        <p14:creationId xmlns:p14="http://schemas.microsoft.com/office/powerpoint/2010/main" val="1210195010"/>
+        <p14:creationId xmlns:p14="http://schemas.microsoft.com/office/powerpoint/2010/main" val="1774536905"/>
       </p:ext>
     </p:extLst>
   </p:cSld>
@@ -5347,7 +5372,7 @@
           <p:cNvPr id="2" name="Заголовок 1">
             <a:extLst>
               <a:ext uri="{FF2B5EF4-FFF2-40B4-BE49-F238E27FC236}">
-                <a16:creationId xmlns:a16="http://schemas.microsoft.com/office/drawing/2014/main" id="{6D46F079-287B-2588-7190-5401BB8E64B5}"/>
+                <a16:creationId xmlns:a16="http://schemas.microsoft.com/office/drawing/2014/main" id="{B08FA1AB-B76E-E175-9CA0-907D97702841}"/>
               </a:ext>
             </a:extLst>
           </p:cNvPr>
@@ -5364,16 +5389,8 @@
           <a:lstStyle/>
           <a:p>
             <a:r>
-              <a:rPr lang="en-US" dirty="0" err="1"/>
-              <a:t>О</a:t>
-            </a:r>
-            <a:r>
-              <a:rPr lang="ru-RU" dirty="0" err="1"/>
-              <a:t>бъявление</a:t>
-            </a:r>
-            <a:r>
               <a:rPr lang="ru-RU" dirty="0"/>
-              <a:t> ссылки</a:t>
+              <a:t>Указатель</a:t>
             </a:r>
           </a:p>
         </p:txBody>
@@ -5383,7 +5400,7 @@
           <p:cNvPr id="3" name="Объект 2">
             <a:extLst>
               <a:ext uri="{FF2B5EF4-FFF2-40B4-BE49-F238E27FC236}">
-                <a16:creationId xmlns:a16="http://schemas.microsoft.com/office/drawing/2014/main" id="{027A0675-948E-C404-3642-F43A07711D5C}"/>
+                <a16:creationId xmlns:a16="http://schemas.microsoft.com/office/drawing/2014/main" id="{F9259C7F-C03D-737B-1C5A-8D097E3E161A}"/>
               </a:ext>
             </a:extLst>
           </p:cNvPr>
@@ -5406,7 +5423,7 @@
     </p:spTree>
     <p:extLst>
       <p:ext uri="{BB962C8B-B14F-4D97-AF65-F5344CB8AC3E}">
-        <p14:creationId xmlns:p14="http://schemas.microsoft.com/office/powerpoint/2010/main" val="2150178342"/>
+        <p14:creationId xmlns:p14="http://schemas.microsoft.com/office/powerpoint/2010/main" val="804891839"/>
       </p:ext>
     </p:extLst>
   </p:cSld>
@@ -5438,7 +5455,7 @@
           <p:cNvPr id="2" name="Заголовок 1">
             <a:extLst>
               <a:ext uri="{FF2B5EF4-FFF2-40B4-BE49-F238E27FC236}">
-                <a16:creationId xmlns:a16="http://schemas.microsoft.com/office/drawing/2014/main" id="{6D46F079-287B-2588-7190-5401BB8E64B5}"/>
+                <a16:creationId xmlns:a16="http://schemas.microsoft.com/office/drawing/2014/main" id="{B08FA1AB-B76E-E175-9CA0-907D97702841}"/>
               </a:ext>
             </a:extLst>
           </p:cNvPr>
@@ -5455,26 +5472,434 @@
           <a:lstStyle/>
           <a:p>
             <a:r>
-              <a:rPr lang="en-US" dirty="0" err="1"/>
-              <a:t>О</a:t>
-            </a:r>
-            <a:r>
-              <a:rPr lang="ru-RU" dirty="0" err="1"/>
-              <a:t>бъявление</a:t>
-            </a:r>
-            <a:r>
               <a:rPr lang="ru-RU" dirty="0"/>
-              <a:t> ссылки</a:t>
+              <a:t>Указатель</a:t>
+            </a:r>
+          </a:p>
+        </p:txBody>
+      </p:sp>
+      <p:sp>
+        <p:nvSpPr>
+          <p:cNvPr id="3" name="Объект 2">
+            <a:extLst>
+              <a:ext uri="{FF2B5EF4-FFF2-40B4-BE49-F238E27FC236}">
+                <a16:creationId xmlns:a16="http://schemas.microsoft.com/office/drawing/2014/main" id="{F9259C7F-C03D-737B-1C5A-8D097E3E161A}"/>
+              </a:ext>
+            </a:extLst>
+          </p:cNvPr>
+          <p:cNvSpPr>
+            <a:spLocks noGrp="1"/>
+          </p:cNvSpPr>
+          <p:nvPr>
+            <p:ph idx="1"/>
+          </p:nvPr>
+        </p:nvSpPr>
+        <p:spPr/>
+        <p:txBody>
+          <a:bodyPr/>
+          <a:lstStyle/>
+          <a:p>
+            <a:pPr marL="0" indent="0">
+              <a:buNone/>
+            </a:pPr>
+            <a:r>
+              <a:rPr lang="en-US" b="0" i="0" u="none" strike="noStrike" dirty="0">
+                <a:solidFill>
+                  <a:srgbClr val="161616"/>
+                </a:solidFill>
+                <a:effectLst/>
+                <a:latin typeface="Segoe UI" panose="020B0502040204020203" pitchFamily="34" charset="0"/>
+              </a:rPr>
+              <a:t>	</a:t>
+            </a:r>
+            <a:r>
+              <a:rPr lang="ru-RU" b="0" i="0" u="none" strike="noStrike" dirty="0">
+                <a:solidFill>
+                  <a:srgbClr val="161616"/>
+                </a:solidFill>
+                <a:effectLst/>
+                <a:latin typeface="Segoe UI" panose="020B0502040204020203" pitchFamily="34" charset="0"/>
+              </a:rPr>
+              <a:t>Указатель</a:t>
+            </a:r>
+            <a:r>
+              <a:rPr lang="en-US" b="0" i="0" u="none" strike="noStrike" dirty="0">
+                <a:solidFill>
+                  <a:srgbClr val="161616"/>
+                </a:solidFill>
+                <a:effectLst/>
+                <a:latin typeface="Segoe UI" panose="020B0502040204020203" pitchFamily="34" charset="0"/>
+              </a:rPr>
+              <a:t> (pointer)</a:t>
+            </a:r>
+            <a:r>
+              <a:rPr lang="ru-RU" b="0" i="0" u="none" strike="noStrike" dirty="0">
+                <a:solidFill>
+                  <a:srgbClr val="161616"/>
+                </a:solidFill>
+                <a:effectLst/>
+                <a:latin typeface="Segoe UI" panose="020B0502040204020203" pitchFamily="34" charset="0"/>
+              </a:rPr>
+              <a:t> — это переменная, в которой хранится адрес памяти объекта.</a:t>
+            </a:r>
+            <a:endParaRPr lang="ru-RU" dirty="0"/>
+          </a:p>
+        </p:txBody>
+      </p:sp>
+    </p:spTree>
+    <p:extLst>
+      <p:ext uri="{BB962C8B-B14F-4D97-AF65-F5344CB8AC3E}">
+        <p14:creationId xmlns:p14="http://schemas.microsoft.com/office/powerpoint/2010/main" val="1239012817"/>
+      </p:ext>
+    </p:extLst>
+  </p:cSld>
+  <p:clrMapOvr>
+    <a:masterClrMapping/>
+  </p:clrMapOvr>
+</p:sld>
+</file>
+
+<file path=ppt/slides/slide22.xml><?xml version="1.0" encoding="utf-8"?>
+<p:sld xmlns:a="http://schemas.openxmlformats.org/drawingml/2006/main" xmlns:r="http://schemas.openxmlformats.org/officeDocument/2006/relationships" xmlns:p="http://schemas.openxmlformats.org/presentationml/2006/main">
+  <p:cSld>
+    <p:spTree>
+      <p:nvGrpSpPr>
+        <p:cNvPr id="1" name=""/>
+        <p:cNvGrpSpPr/>
+        <p:nvPr/>
+      </p:nvGrpSpPr>
+      <p:grpSpPr>
+        <a:xfrm>
+          <a:off x="0" y="0"/>
+          <a:ext cx="0" cy="0"/>
+          <a:chOff x="0" y="0"/>
+          <a:chExt cx="0" cy="0"/>
+        </a:xfrm>
+      </p:grpSpPr>
+      <p:sp>
+        <p:nvSpPr>
+          <p:cNvPr id="2" name="Заголовок 1">
+            <a:extLst>
+              <a:ext uri="{FF2B5EF4-FFF2-40B4-BE49-F238E27FC236}">
+                <a16:creationId xmlns:a16="http://schemas.microsoft.com/office/drawing/2014/main" id="{B08FA1AB-B76E-E175-9CA0-907D97702841}"/>
+              </a:ext>
+            </a:extLst>
+          </p:cNvPr>
+          <p:cNvSpPr>
+            <a:spLocks noGrp="1"/>
+          </p:cNvSpPr>
+          <p:nvPr>
+            <p:ph type="title"/>
+          </p:nvPr>
+        </p:nvSpPr>
+        <p:spPr/>
+        <p:txBody>
+          <a:bodyPr/>
+          <a:lstStyle/>
+          <a:p>
+            <a:r>
+              <a:rPr lang="ru-RU" dirty="0"/>
+              <a:t>Указатель</a:t>
+            </a:r>
+          </a:p>
+        </p:txBody>
+      </p:sp>
+      <p:sp>
+        <p:nvSpPr>
+          <p:cNvPr id="3" name="Объект 2">
+            <a:extLst>
+              <a:ext uri="{FF2B5EF4-FFF2-40B4-BE49-F238E27FC236}">
+                <a16:creationId xmlns:a16="http://schemas.microsoft.com/office/drawing/2014/main" id="{F9259C7F-C03D-737B-1C5A-8D097E3E161A}"/>
+              </a:ext>
+            </a:extLst>
+          </p:cNvPr>
+          <p:cNvSpPr>
+            <a:spLocks noGrp="1"/>
+          </p:cNvSpPr>
+          <p:nvPr>
+            <p:ph idx="1"/>
+          </p:nvPr>
+        </p:nvSpPr>
+        <p:spPr/>
+        <p:txBody>
+          <a:bodyPr>
+            <a:normAutofit/>
+          </a:bodyPr>
+          <a:lstStyle/>
+          <a:p>
+            <a:pPr marL="0" indent="0">
+              <a:buNone/>
+            </a:pPr>
+            <a:r>
+              <a:rPr lang="en-US" b="0" i="0" u="none" strike="noStrike" dirty="0">
+                <a:solidFill>
+                  <a:srgbClr val="161616"/>
+                </a:solidFill>
+                <a:effectLst/>
+                <a:latin typeface="Segoe UI" panose="020B0502040204020203" pitchFamily="34" charset="0"/>
+              </a:rPr>
+              <a:t>	</a:t>
+            </a:r>
+            <a:r>
+              <a:rPr lang="ru-RU" b="0" i="0" u="none" strike="noStrike" dirty="0">
+                <a:solidFill>
+                  <a:srgbClr val="161616"/>
+                </a:solidFill>
+                <a:effectLst/>
+                <a:latin typeface="Segoe UI" panose="020B0502040204020203" pitchFamily="34" charset="0"/>
+              </a:rPr>
+              <a:t>Указатель</a:t>
+            </a:r>
+            <a:r>
+              <a:rPr lang="en-US" b="0" i="0" u="none" strike="noStrike" dirty="0">
+                <a:solidFill>
+                  <a:srgbClr val="161616"/>
+                </a:solidFill>
+                <a:effectLst/>
+                <a:latin typeface="Segoe UI" panose="020B0502040204020203" pitchFamily="34" charset="0"/>
+              </a:rPr>
+              <a:t> (pointer)</a:t>
+            </a:r>
+            <a:r>
+              <a:rPr lang="ru-RU" b="0" i="0" u="none" strike="noStrike" dirty="0">
+                <a:solidFill>
+                  <a:srgbClr val="161616"/>
+                </a:solidFill>
+                <a:effectLst/>
+                <a:latin typeface="Segoe UI" panose="020B0502040204020203" pitchFamily="34" charset="0"/>
+              </a:rPr>
+              <a:t> — это переменная, в которой хранится адрес памяти объекта.</a:t>
+            </a:r>
+            <a:endParaRPr lang="en-US" b="0" i="0" u="none" strike="noStrike" dirty="0">
+              <a:solidFill>
+                <a:srgbClr val="161616"/>
+              </a:solidFill>
+              <a:effectLst/>
+              <a:latin typeface="Segoe UI" panose="020B0502040204020203" pitchFamily="34" charset="0"/>
+            </a:endParaRPr>
+          </a:p>
+          <a:p>
+            <a:pPr marL="0" indent="0" algn="l">
+              <a:buNone/>
+            </a:pPr>
+            <a:r>
+              <a:rPr lang="en-US" b="0" i="0" u="none" strike="noStrike" dirty="0">
+                <a:solidFill>
+                  <a:srgbClr val="161616"/>
+                </a:solidFill>
+                <a:effectLst/>
+                <a:latin typeface="Segoe UI" panose="020B0502040204020203" pitchFamily="34" charset="0"/>
+              </a:rPr>
+              <a:t>	</a:t>
+            </a:r>
+            <a:r>
+              <a:rPr lang="ru-RU" b="0" i="0" u="none" strike="noStrike" dirty="0">
+                <a:solidFill>
+                  <a:srgbClr val="161616"/>
+                </a:solidFill>
+                <a:effectLst/>
+                <a:latin typeface="Segoe UI" panose="020B0502040204020203" pitchFamily="34" charset="0"/>
+              </a:rPr>
+              <a:t>Указатели широко используются для трех основных целей:</a:t>
+            </a:r>
+          </a:p>
+          <a:p>
+            <a:pPr algn="l">
+              <a:buFont typeface="Arial" panose="020B0604020202020204" pitchFamily="34" charset="0"/>
+              <a:buChar char="•"/>
+            </a:pPr>
+            <a:r>
+              <a:rPr lang="ru-RU" b="0" i="0" u="none" strike="noStrike" dirty="0">
+                <a:solidFill>
+                  <a:srgbClr val="161616"/>
+                </a:solidFill>
+                <a:effectLst/>
+                <a:latin typeface="Segoe UI" panose="020B0502040204020203" pitchFamily="34" charset="0"/>
+              </a:rPr>
+              <a:t>для выделения новых объектов в куче,</a:t>
+            </a:r>
+          </a:p>
+          <a:p>
+            <a:pPr algn="l">
+              <a:buFont typeface="Arial" panose="020B0604020202020204" pitchFamily="34" charset="0"/>
+              <a:buChar char="•"/>
+            </a:pPr>
+            <a:r>
+              <a:rPr lang="ru-RU" b="0" i="0" u="none" strike="noStrike" dirty="0">
+                <a:solidFill>
+                  <a:srgbClr val="161616"/>
+                </a:solidFill>
+                <a:effectLst/>
+                <a:latin typeface="Segoe UI" panose="020B0502040204020203" pitchFamily="34" charset="0"/>
+              </a:rPr>
+              <a:t>передача функций другим функциям</a:t>
+            </a:r>
+          </a:p>
+          <a:p>
+            <a:pPr algn="l">
+              <a:buFont typeface="Arial" panose="020B0604020202020204" pitchFamily="34" charset="0"/>
+              <a:buChar char="•"/>
+            </a:pPr>
+            <a:r>
+              <a:rPr lang="ru-RU" b="0" i="0" u="none" strike="noStrike" dirty="0">
+                <a:solidFill>
+                  <a:srgbClr val="161616"/>
+                </a:solidFill>
+                <a:effectLst/>
+                <a:latin typeface="Segoe UI" panose="020B0502040204020203" pitchFamily="34" charset="0"/>
+              </a:rPr>
+              <a:t>для итерации элементов в массивах или других структурах данных.</a:t>
+            </a:r>
+          </a:p>
+        </p:txBody>
+      </p:sp>
+    </p:spTree>
+    <p:extLst>
+      <p:ext uri="{BB962C8B-B14F-4D97-AF65-F5344CB8AC3E}">
+        <p14:creationId xmlns:p14="http://schemas.microsoft.com/office/powerpoint/2010/main" val="491734876"/>
+      </p:ext>
+    </p:extLst>
+  </p:cSld>
+  <p:clrMapOvr>
+    <a:masterClrMapping/>
+  </p:clrMapOvr>
+</p:sld>
+</file>
+
+<file path=ppt/slides/slide23.xml><?xml version="1.0" encoding="utf-8"?>
+<p:sld xmlns:a="http://schemas.openxmlformats.org/drawingml/2006/main" xmlns:r="http://schemas.openxmlformats.org/officeDocument/2006/relationships" xmlns:p="http://schemas.openxmlformats.org/presentationml/2006/main">
+  <p:cSld>
+    <p:spTree>
+      <p:nvGrpSpPr>
+        <p:cNvPr id="1" name=""/>
+        <p:cNvGrpSpPr/>
+        <p:nvPr/>
+      </p:nvGrpSpPr>
+      <p:grpSpPr>
+        <a:xfrm>
+          <a:off x="0" y="0"/>
+          <a:ext cx="0" cy="0"/>
+          <a:chOff x="0" y="0"/>
+          <a:chExt cx="0" cy="0"/>
+        </a:xfrm>
+      </p:grpSpPr>
+      <p:sp>
+        <p:nvSpPr>
+          <p:cNvPr id="2" name="Заголовок 1">
+            <a:extLst>
+              <a:ext uri="{FF2B5EF4-FFF2-40B4-BE49-F238E27FC236}">
+                <a16:creationId xmlns:a16="http://schemas.microsoft.com/office/drawing/2014/main" id="{5CEF95A9-380D-55CC-8BEE-15C8134214D5}"/>
+              </a:ext>
+            </a:extLst>
+          </p:cNvPr>
+          <p:cNvSpPr>
+            <a:spLocks noGrp="1"/>
+          </p:cNvSpPr>
+          <p:nvPr>
+            <p:ph type="title"/>
+          </p:nvPr>
+        </p:nvSpPr>
+        <p:spPr/>
+        <p:txBody>
+          <a:bodyPr/>
+          <a:lstStyle/>
+          <a:p>
+            <a:r>
+              <a:rPr lang="ru-RU" dirty="0"/>
+              <a:t>Объявление указателя</a:t>
+            </a:r>
+          </a:p>
+        </p:txBody>
+      </p:sp>
+      <p:sp>
+        <p:nvSpPr>
+          <p:cNvPr id="3" name="Объект 2">
+            <a:extLst>
+              <a:ext uri="{FF2B5EF4-FFF2-40B4-BE49-F238E27FC236}">
+                <a16:creationId xmlns:a16="http://schemas.microsoft.com/office/drawing/2014/main" id="{76F66CF6-5C3F-B5F7-7362-B7DAF97BE29E}"/>
+              </a:ext>
+            </a:extLst>
+          </p:cNvPr>
+          <p:cNvSpPr>
+            <a:spLocks noGrp="1"/>
+          </p:cNvSpPr>
+          <p:nvPr>
+            <p:ph idx="1"/>
+          </p:nvPr>
+        </p:nvSpPr>
+        <p:spPr/>
+        <p:txBody>
+          <a:bodyPr/>
+          <a:lstStyle/>
+          <a:p>
+            <a:endParaRPr lang="ru-RU" dirty="0"/>
+          </a:p>
+        </p:txBody>
+      </p:sp>
+    </p:spTree>
+    <p:extLst>
+      <p:ext uri="{BB962C8B-B14F-4D97-AF65-F5344CB8AC3E}">
+        <p14:creationId xmlns:p14="http://schemas.microsoft.com/office/powerpoint/2010/main" val="3267872051"/>
+      </p:ext>
+    </p:extLst>
+  </p:cSld>
+  <p:clrMapOvr>
+    <a:masterClrMapping/>
+  </p:clrMapOvr>
+</p:sld>
+</file>
+
+<file path=ppt/slides/slide24.xml><?xml version="1.0" encoding="utf-8"?>
+<p:sld xmlns:a="http://schemas.openxmlformats.org/drawingml/2006/main" xmlns:r="http://schemas.openxmlformats.org/officeDocument/2006/relationships" xmlns:p="http://schemas.openxmlformats.org/presentationml/2006/main">
+  <p:cSld>
+    <p:spTree>
+      <p:nvGrpSpPr>
+        <p:cNvPr id="1" name=""/>
+        <p:cNvGrpSpPr/>
+        <p:nvPr/>
+      </p:nvGrpSpPr>
+      <p:grpSpPr>
+        <a:xfrm>
+          <a:off x="0" y="0"/>
+          <a:ext cx="0" cy="0"/>
+          <a:chOff x="0" y="0"/>
+          <a:chExt cx="0" cy="0"/>
+        </a:xfrm>
+      </p:grpSpPr>
+      <p:sp>
+        <p:nvSpPr>
+          <p:cNvPr id="2" name="Заголовок 1">
+            <a:extLst>
+              <a:ext uri="{FF2B5EF4-FFF2-40B4-BE49-F238E27FC236}">
+                <a16:creationId xmlns:a16="http://schemas.microsoft.com/office/drawing/2014/main" id="{5CEF95A9-380D-55CC-8BEE-15C8134214D5}"/>
+              </a:ext>
+            </a:extLst>
+          </p:cNvPr>
+          <p:cNvSpPr>
+            <a:spLocks noGrp="1"/>
+          </p:cNvSpPr>
+          <p:nvPr>
+            <p:ph type="title"/>
+          </p:nvPr>
+        </p:nvSpPr>
+        <p:spPr/>
+        <p:txBody>
+          <a:bodyPr/>
+          <a:lstStyle/>
+          <a:p>
+            <a:r>
+              <a:rPr lang="ru-RU" dirty="0"/>
+              <a:t>Объявление указателя</a:t>
             </a:r>
           </a:p>
         </p:txBody>
       </p:sp>
       <p:pic>
         <p:nvPicPr>
-          <p:cNvPr id="4" name="Рисунок 3">
+          <p:cNvPr id="7" name="Рисунок 6">
             <a:extLst>
               <a:ext uri="{FF2B5EF4-FFF2-40B4-BE49-F238E27FC236}">
-                <a16:creationId xmlns:a16="http://schemas.microsoft.com/office/drawing/2014/main" id="{FA2A55EC-D728-E941-23D2-2D7B121363EB}"/>
+                <a16:creationId xmlns:a16="http://schemas.microsoft.com/office/drawing/2014/main" id="{EB8DA9D9-A67E-FF5E-22A0-BE28D410CC47}"/>
               </a:ext>
             </a:extLst>
           </p:cNvPr>
@@ -5491,8 +5916,8 @@
         </p:blipFill>
         <p:spPr>
           <a:xfrm>
-            <a:off x="838200" y="867228"/>
-            <a:ext cx="10515600" cy="6204949"/>
+            <a:off x="547693" y="1257326"/>
+            <a:ext cx="11096613" cy="5371608"/>
           </a:xfrm>
           <a:prstGeom prst="rect">
             <a:avLst/>
@@ -5502,7 +5927,7 @@
     </p:spTree>
     <p:extLst>
       <p:ext uri="{BB962C8B-B14F-4D97-AF65-F5344CB8AC3E}">
-        <p14:creationId xmlns:p14="http://schemas.microsoft.com/office/powerpoint/2010/main" val="2200724495"/>
+        <p14:creationId xmlns:p14="http://schemas.microsoft.com/office/powerpoint/2010/main" val="2514457865"/>
       </p:ext>
     </p:extLst>
   </p:cSld>
@@ -5512,7 +5937,4290 @@
 </p:sld>
 </file>
 
-<file path=ppt/slides/slide22.xml><?xml version="1.0" encoding="utf-8"?>
+<file path=ppt/slides/slide25.xml><?xml version="1.0" encoding="utf-8"?>
+<p:sld xmlns:a="http://schemas.openxmlformats.org/drawingml/2006/main" xmlns:r="http://schemas.openxmlformats.org/officeDocument/2006/relationships" xmlns:p="http://schemas.openxmlformats.org/presentationml/2006/main">
+  <p:cSld>
+    <p:spTree>
+      <p:nvGrpSpPr>
+        <p:cNvPr id="1" name=""/>
+        <p:cNvGrpSpPr/>
+        <p:nvPr/>
+      </p:nvGrpSpPr>
+      <p:grpSpPr>
+        <a:xfrm>
+          <a:off x="0" y="0"/>
+          <a:ext cx="0" cy="0"/>
+          <a:chOff x="0" y="0"/>
+          <a:chExt cx="0" cy="0"/>
+        </a:xfrm>
+      </p:grpSpPr>
+      <p:sp>
+        <p:nvSpPr>
+          <p:cNvPr id="2" name="Заголовок 1">
+            <a:extLst>
+              <a:ext uri="{FF2B5EF4-FFF2-40B4-BE49-F238E27FC236}">
+                <a16:creationId xmlns:a16="http://schemas.microsoft.com/office/drawing/2014/main" id="{E3CAF365-A13E-5629-F561-6B4ACC5CAC00}"/>
+              </a:ext>
+            </a:extLst>
+          </p:cNvPr>
+          <p:cNvSpPr>
+            <a:spLocks noGrp="1"/>
+          </p:cNvSpPr>
+          <p:nvPr>
+            <p:ph type="title"/>
+          </p:nvPr>
+        </p:nvSpPr>
+        <p:spPr/>
+        <p:txBody>
+          <a:bodyPr/>
+          <a:lstStyle/>
+          <a:p>
+            <a:r>
+              <a:rPr lang="ru-RU" dirty="0"/>
+              <a:t>Оператор разыменования (*)</a:t>
+            </a:r>
+          </a:p>
+        </p:txBody>
+      </p:sp>
+      <p:sp>
+        <p:nvSpPr>
+          <p:cNvPr id="3" name="Объект 2">
+            <a:extLst>
+              <a:ext uri="{FF2B5EF4-FFF2-40B4-BE49-F238E27FC236}">
+                <a16:creationId xmlns:a16="http://schemas.microsoft.com/office/drawing/2014/main" id="{E43A0EA4-0F20-9E4C-4C13-D52B8EED75C0}"/>
+              </a:ext>
+            </a:extLst>
+          </p:cNvPr>
+          <p:cNvSpPr>
+            <a:spLocks noGrp="1"/>
+          </p:cNvSpPr>
+          <p:nvPr>
+            <p:ph idx="1"/>
+          </p:nvPr>
+        </p:nvSpPr>
+        <p:spPr/>
+        <p:txBody>
+          <a:bodyPr/>
+          <a:lstStyle/>
+          <a:p>
+            <a:endParaRPr lang="ru-RU" dirty="0"/>
+          </a:p>
+        </p:txBody>
+      </p:sp>
+    </p:spTree>
+    <p:extLst>
+      <p:ext uri="{BB962C8B-B14F-4D97-AF65-F5344CB8AC3E}">
+        <p14:creationId xmlns:p14="http://schemas.microsoft.com/office/powerpoint/2010/main" val="582590360"/>
+      </p:ext>
+    </p:extLst>
+  </p:cSld>
+  <p:clrMapOvr>
+    <a:masterClrMapping/>
+  </p:clrMapOvr>
+</p:sld>
+</file>
+
+<file path=ppt/slides/slide26.xml><?xml version="1.0" encoding="utf-8"?>
+<p:sld xmlns:a="http://schemas.openxmlformats.org/drawingml/2006/main" xmlns:r="http://schemas.openxmlformats.org/officeDocument/2006/relationships" xmlns:p="http://schemas.openxmlformats.org/presentationml/2006/main">
+  <p:cSld>
+    <p:spTree>
+      <p:nvGrpSpPr>
+        <p:cNvPr id="1" name=""/>
+        <p:cNvGrpSpPr/>
+        <p:nvPr/>
+      </p:nvGrpSpPr>
+      <p:grpSpPr>
+        <a:xfrm>
+          <a:off x="0" y="0"/>
+          <a:ext cx="0" cy="0"/>
+          <a:chOff x="0" y="0"/>
+          <a:chExt cx="0" cy="0"/>
+        </a:xfrm>
+      </p:grpSpPr>
+      <p:sp>
+        <p:nvSpPr>
+          <p:cNvPr id="2" name="Заголовок 1">
+            <a:extLst>
+              <a:ext uri="{FF2B5EF4-FFF2-40B4-BE49-F238E27FC236}">
+                <a16:creationId xmlns:a16="http://schemas.microsoft.com/office/drawing/2014/main" id="{E3CAF365-A13E-5629-F561-6B4ACC5CAC00}"/>
+              </a:ext>
+            </a:extLst>
+          </p:cNvPr>
+          <p:cNvSpPr>
+            <a:spLocks noGrp="1"/>
+          </p:cNvSpPr>
+          <p:nvPr>
+            <p:ph type="title"/>
+          </p:nvPr>
+        </p:nvSpPr>
+        <p:spPr/>
+        <p:txBody>
+          <a:bodyPr/>
+          <a:lstStyle/>
+          <a:p>
+            <a:r>
+              <a:rPr lang="ru-RU" dirty="0"/>
+              <a:t>Оператор разыменования (*)</a:t>
+            </a:r>
+          </a:p>
+        </p:txBody>
+      </p:sp>
+      <p:sp>
+        <p:nvSpPr>
+          <p:cNvPr id="3" name="Объект 2">
+            <a:extLst>
+              <a:ext uri="{FF2B5EF4-FFF2-40B4-BE49-F238E27FC236}">
+                <a16:creationId xmlns:a16="http://schemas.microsoft.com/office/drawing/2014/main" id="{E43A0EA4-0F20-9E4C-4C13-D52B8EED75C0}"/>
+              </a:ext>
+            </a:extLst>
+          </p:cNvPr>
+          <p:cNvSpPr>
+            <a:spLocks noGrp="1"/>
+          </p:cNvSpPr>
+          <p:nvPr>
+            <p:ph idx="1"/>
+          </p:nvPr>
+        </p:nvSpPr>
+        <p:spPr/>
+        <p:txBody>
+          <a:bodyPr/>
+          <a:lstStyle/>
+          <a:p>
+            <a:pPr marL="0" indent="0">
+              <a:buNone/>
+            </a:pPr>
+            <a:r>
+              <a:rPr lang="en-US" b="0" i="0" u="none" strike="noStrike" dirty="0">
+                <a:solidFill>
+                  <a:srgbClr val="000000"/>
+                </a:solidFill>
+                <a:effectLst/>
+                <a:latin typeface="Roboto" panose="02000000000000000000" pitchFamily="2" charset="0"/>
+              </a:rPr>
+              <a:t>	</a:t>
+            </a:r>
+            <a:r>
+              <a:rPr lang="ru-RU" b="0" i="0" u="none" strike="noStrike" dirty="0">
+                <a:solidFill>
+                  <a:srgbClr val="000000"/>
+                </a:solidFill>
+                <a:effectLst/>
+                <a:latin typeface="Roboto" panose="02000000000000000000" pitchFamily="2" charset="0"/>
+              </a:rPr>
+              <a:t>Говорят, что указатели "указывают на" переменную, адрес которой они хранят</a:t>
+            </a:r>
+            <a:endParaRPr lang="ru-RU" dirty="0"/>
+          </a:p>
+        </p:txBody>
+      </p:sp>
+    </p:spTree>
+    <p:extLst>
+      <p:ext uri="{BB962C8B-B14F-4D97-AF65-F5344CB8AC3E}">
+        <p14:creationId xmlns:p14="http://schemas.microsoft.com/office/powerpoint/2010/main" val="4082155930"/>
+      </p:ext>
+    </p:extLst>
+  </p:cSld>
+  <p:clrMapOvr>
+    <a:masterClrMapping/>
+  </p:clrMapOvr>
+</p:sld>
+</file>
+
+<file path=ppt/slides/slide27.xml><?xml version="1.0" encoding="utf-8"?>
+<p:sld xmlns:a="http://schemas.openxmlformats.org/drawingml/2006/main" xmlns:r="http://schemas.openxmlformats.org/officeDocument/2006/relationships" xmlns:p="http://schemas.openxmlformats.org/presentationml/2006/main">
+  <p:cSld>
+    <p:spTree>
+      <p:nvGrpSpPr>
+        <p:cNvPr id="1" name=""/>
+        <p:cNvGrpSpPr/>
+        <p:nvPr/>
+      </p:nvGrpSpPr>
+      <p:grpSpPr>
+        <a:xfrm>
+          <a:off x="0" y="0"/>
+          <a:ext cx="0" cy="0"/>
+          <a:chOff x="0" y="0"/>
+          <a:chExt cx="0" cy="0"/>
+        </a:xfrm>
+      </p:grpSpPr>
+      <p:sp>
+        <p:nvSpPr>
+          <p:cNvPr id="2" name="Заголовок 1">
+            <a:extLst>
+              <a:ext uri="{FF2B5EF4-FFF2-40B4-BE49-F238E27FC236}">
+                <a16:creationId xmlns:a16="http://schemas.microsoft.com/office/drawing/2014/main" id="{E3CAF365-A13E-5629-F561-6B4ACC5CAC00}"/>
+              </a:ext>
+            </a:extLst>
+          </p:cNvPr>
+          <p:cNvSpPr>
+            <a:spLocks noGrp="1"/>
+          </p:cNvSpPr>
+          <p:nvPr>
+            <p:ph type="title"/>
+          </p:nvPr>
+        </p:nvSpPr>
+        <p:spPr/>
+        <p:txBody>
+          <a:bodyPr/>
+          <a:lstStyle/>
+          <a:p>
+            <a:r>
+              <a:rPr lang="ru-RU" dirty="0"/>
+              <a:t>Оператор разыменования (*)</a:t>
+            </a:r>
+          </a:p>
+        </p:txBody>
+      </p:sp>
+      <p:sp>
+        <p:nvSpPr>
+          <p:cNvPr id="3" name="Объект 2">
+            <a:extLst>
+              <a:ext uri="{FF2B5EF4-FFF2-40B4-BE49-F238E27FC236}">
+                <a16:creationId xmlns:a16="http://schemas.microsoft.com/office/drawing/2014/main" id="{E43A0EA4-0F20-9E4C-4C13-D52B8EED75C0}"/>
+              </a:ext>
+            </a:extLst>
+          </p:cNvPr>
+          <p:cNvSpPr>
+            <a:spLocks noGrp="1"/>
+          </p:cNvSpPr>
+          <p:nvPr>
+            <p:ph idx="1"/>
+          </p:nvPr>
+        </p:nvSpPr>
+        <p:spPr/>
+        <p:txBody>
+          <a:bodyPr/>
+          <a:lstStyle/>
+          <a:p>
+            <a:pPr marL="0" indent="0">
+              <a:buNone/>
+            </a:pPr>
+            <a:r>
+              <a:rPr lang="en-US" b="0" i="0" u="none" strike="noStrike" dirty="0">
+                <a:solidFill>
+                  <a:srgbClr val="000000"/>
+                </a:solidFill>
+                <a:effectLst/>
+                <a:latin typeface="Roboto" panose="02000000000000000000" pitchFamily="2" charset="0"/>
+              </a:rPr>
+              <a:t>	</a:t>
+            </a:r>
+            <a:r>
+              <a:rPr lang="ru-RU" b="0" i="0" u="none" strike="noStrike" dirty="0">
+                <a:solidFill>
+                  <a:srgbClr val="000000"/>
+                </a:solidFill>
+                <a:effectLst/>
+                <a:latin typeface="Roboto" panose="02000000000000000000" pitchFamily="2" charset="0"/>
+              </a:rPr>
+              <a:t>Говорят, что указатели "указывают на" переменную, адрес которой они хранят</a:t>
+            </a:r>
+            <a:r>
+              <a:rPr lang="en-US" b="0" i="0" u="none" strike="noStrike" dirty="0">
+                <a:solidFill>
+                  <a:srgbClr val="000000"/>
+                </a:solidFill>
+                <a:effectLst/>
+                <a:latin typeface="Roboto" panose="02000000000000000000" pitchFamily="2" charset="0"/>
+              </a:rPr>
+              <a:t>.</a:t>
+            </a:r>
+          </a:p>
+          <a:p>
+            <a:pPr marL="0" indent="0">
+              <a:buNone/>
+            </a:pPr>
+            <a:endParaRPr lang="en-US" b="0" i="0" u="none" strike="noStrike" dirty="0">
+              <a:solidFill>
+                <a:srgbClr val="000000"/>
+              </a:solidFill>
+              <a:effectLst/>
+              <a:latin typeface="Roboto" panose="02000000000000000000" pitchFamily="2" charset="0"/>
+            </a:endParaRPr>
+          </a:p>
+          <a:p>
+            <a:pPr marL="0" indent="0">
+              <a:buNone/>
+            </a:pPr>
+            <a:r>
+              <a:rPr lang="en" b="0" dirty="0">
+                <a:solidFill>
+                  <a:srgbClr val="569CD6"/>
+                </a:solidFill>
+                <a:effectLst/>
+                <a:latin typeface="Menlo" panose="020B0609030804020204" pitchFamily="49" charset="0"/>
+              </a:rPr>
+              <a:t>int</a:t>
+            </a:r>
+            <a:r>
+              <a:rPr lang="en" b="0" dirty="0">
+                <a:solidFill>
+                  <a:srgbClr val="D4D4D4"/>
+                </a:solidFill>
+                <a:effectLst/>
+                <a:latin typeface="Menlo" panose="020B0609030804020204" pitchFamily="49" charset="0"/>
+              </a:rPr>
+              <a:t> *</a:t>
+            </a:r>
+            <a:r>
+              <a:rPr lang="en" b="0" dirty="0">
+                <a:solidFill>
+                  <a:srgbClr val="9CDCFE"/>
+                </a:solidFill>
+                <a:effectLst/>
+                <a:latin typeface="Menlo" panose="020B0609030804020204" pitchFamily="49" charset="0"/>
+              </a:rPr>
+              <a:t>a</a:t>
+            </a:r>
+            <a:r>
+              <a:rPr lang="en" b="0" dirty="0">
+                <a:solidFill>
+                  <a:srgbClr val="D4D4D4"/>
+                </a:solidFill>
+                <a:effectLst/>
+                <a:latin typeface="Menlo" panose="020B0609030804020204" pitchFamily="49" charset="0"/>
+              </a:rPr>
+              <a:t>; </a:t>
+            </a:r>
+            <a:r>
+              <a:rPr lang="ru-RU" b="0" dirty="0">
+                <a:solidFill>
+                  <a:srgbClr val="6A9955"/>
+                </a:solidFill>
+                <a:effectLst/>
+                <a:latin typeface="Menlo" panose="020B0609030804020204" pitchFamily="49" charset="0"/>
+              </a:rPr>
+              <a:t>// Указатель на </a:t>
+            </a:r>
+            <a:r>
+              <a:rPr lang="en" b="0" dirty="0">
+                <a:solidFill>
+                  <a:srgbClr val="6A9955"/>
+                </a:solidFill>
+                <a:effectLst/>
+                <a:latin typeface="Menlo" panose="020B0609030804020204" pitchFamily="49" charset="0"/>
+              </a:rPr>
+              <a:t>int</a:t>
+            </a:r>
+            <a:endParaRPr lang="en-US" b="0" i="0" u="none" strike="noStrike" dirty="0">
+              <a:solidFill>
+                <a:srgbClr val="000000"/>
+              </a:solidFill>
+              <a:effectLst/>
+              <a:latin typeface="Roboto" panose="02000000000000000000" pitchFamily="2" charset="0"/>
+            </a:endParaRPr>
+          </a:p>
+          <a:p>
+            <a:pPr marL="0" indent="0">
+              <a:buNone/>
+            </a:pPr>
+            <a:endParaRPr lang="ru-RU" dirty="0"/>
+          </a:p>
+        </p:txBody>
+      </p:sp>
+    </p:spTree>
+    <p:extLst>
+      <p:ext uri="{BB962C8B-B14F-4D97-AF65-F5344CB8AC3E}">
+        <p14:creationId xmlns:p14="http://schemas.microsoft.com/office/powerpoint/2010/main" val="2633351835"/>
+      </p:ext>
+    </p:extLst>
+  </p:cSld>
+  <p:clrMapOvr>
+    <a:masterClrMapping/>
+  </p:clrMapOvr>
+</p:sld>
+</file>
+
+<file path=ppt/slides/slide28.xml><?xml version="1.0" encoding="utf-8"?>
+<p:sld xmlns:a="http://schemas.openxmlformats.org/drawingml/2006/main" xmlns:r="http://schemas.openxmlformats.org/officeDocument/2006/relationships" xmlns:p="http://schemas.openxmlformats.org/presentationml/2006/main">
+  <p:cSld>
+    <p:spTree>
+      <p:nvGrpSpPr>
+        <p:cNvPr id="1" name=""/>
+        <p:cNvGrpSpPr/>
+        <p:nvPr/>
+      </p:nvGrpSpPr>
+      <p:grpSpPr>
+        <a:xfrm>
+          <a:off x="0" y="0"/>
+          <a:ext cx="0" cy="0"/>
+          <a:chOff x="0" y="0"/>
+          <a:chExt cx="0" cy="0"/>
+        </a:xfrm>
+      </p:grpSpPr>
+      <p:sp>
+        <p:nvSpPr>
+          <p:cNvPr id="2" name="Заголовок 1">
+            <a:extLst>
+              <a:ext uri="{FF2B5EF4-FFF2-40B4-BE49-F238E27FC236}">
+                <a16:creationId xmlns:a16="http://schemas.microsoft.com/office/drawing/2014/main" id="{E3CAF365-A13E-5629-F561-6B4ACC5CAC00}"/>
+              </a:ext>
+            </a:extLst>
+          </p:cNvPr>
+          <p:cNvSpPr>
+            <a:spLocks noGrp="1"/>
+          </p:cNvSpPr>
+          <p:nvPr>
+            <p:ph type="title"/>
+          </p:nvPr>
+        </p:nvSpPr>
+        <p:spPr/>
+        <p:txBody>
+          <a:bodyPr/>
+          <a:lstStyle/>
+          <a:p>
+            <a:r>
+              <a:rPr lang="ru-RU" dirty="0"/>
+              <a:t>Оператор разыменования (*)</a:t>
+            </a:r>
+          </a:p>
+        </p:txBody>
+      </p:sp>
+      <p:sp>
+        <p:nvSpPr>
+          <p:cNvPr id="3" name="Объект 2">
+            <a:extLst>
+              <a:ext uri="{FF2B5EF4-FFF2-40B4-BE49-F238E27FC236}">
+                <a16:creationId xmlns:a16="http://schemas.microsoft.com/office/drawing/2014/main" id="{E43A0EA4-0F20-9E4C-4C13-D52B8EED75C0}"/>
+              </a:ext>
+            </a:extLst>
+          </p:cNvPr>
+          <p:cNvSpPr>
+            <a:spLocks noGrp="1"/>
+          </p:cNvSpPr>
+          <p:nvPr>
+            <p:ph idx="1"/>
+          </p:nvPr>
+        </p:nvSpPr>
+        <p:spPr/>
+        <p:txBody>
+          <a:bodyPr/>
+          <a:lstStyle/>
+          <a:p>
+            <a:pPr marL="0" indent="0">
+              <a:buNone/>
+            </a:pPr>
+            <a:r>
+              <a:rPr lang="en-US" b="0" i="0" u="none" strike="noStrike" dirty="0">
+                <a:solidFill>
+                  <a:srgbClr val="000000"/>
+                </a:solidFill>
+                <a:effectLst/>
+                <a:latin typeface="Roboto" panose="02000000000000000000" pitchFamily="2" charset="0"/>
+              </a:rPr>
+              <a:t>	</a:t>
+            </a:r>
+            <a:r>
+              <a:rPr lang="ru-RU" b="0" i="0" u="none" strike="noStrike" dirty="0">
+                <a:solidFill>
+                  <a:srgbClr val="000000"/>
+                </a:solidFill>
+                <a:effectLst/>
+                <a:latin typeface="Roboto" panose="02000000000000000000" pitchFamily="2" charset="0"/>
+              </a:rPr>
+              <a:t>Говорят, что указатели "указывают на" переменную, адрес которой они хранят</a:t>
+            </a:r>
+            <a:r>
+              <a:rPr lang="en-US" b="0" i="0" u="none" strike="noStrike" dirty="0">
+                <a:solidFill>
+                  <a:srgbClr val="000000"/>
+                </a:solidFill>
+                <a:effectLst/>
+                <a:latin typeface="Roboto" panose="02000000000000000000" pitchFamily="2" charset="0"/>
+              </a:rPr>
+              <a:t>.</a:t>
+            </a:r>
+          </a:p>
+          <a:p>
+            <a:pPr marL="0" indent="0">
+              <a:buNone/>
+            </a:pPr>
+            <a:endParaRPr lang="en-US" b="0" i="0" u="none" strike="noStrike" dirty="0">
+              <a:solidFill>
+                <a:srgbClr val="000000"/>
+              </a:solidFill>
+              <a:effectLst/>
+              <a:latin typeface="Roboto" panose="02000000000000000000" pitchFamily="2" charset="0"/>
+            </a:endParaRPr>
+          </a:p>
+          <a:p>
+            <a:pPr marL="0" indent="0">
+              <a:buNone/>
+            </a:pPr>
+            <a:r>
+              <a:rPr lang="en" b="0" dirty="0">
+                <a:solidFill>
+                  <a:srgbClr val="569CD6"/>
+                </a:solidFill>
+                <a:effectLst/>
+                <a:latin typeface="Menlo" panose="020B0609030804020204" pitchFamily="49" charset="0"/>
+              </a:rPr>
+              <a:t>int</a:t>
+            </a:r>
+            <a:r>
+              <a:rPr lang="en" b="0" dirty="0">
+                <a:solidFill>
+                  <a:srgbClr val="D4D4D4"/>
+                </a:solidFill>
+                <a:effectLst/>
+                <a:latin typeface="Menlo" panose="020B0609030804020204" pitchFamily="49" charset="0"/>
+              </a:rPr>
+              <a:t> *</a:t>
+            </a:r>
+            <a:r>
+              <a:rPr lang="en" b="0" dirty="0">
+                <a:solidFill>
+                  <a:srgbClr val="9CDCFE"/>
+                </a:solidFill>
+                <a:effectLst/>
+                <a:latin typeface="Menlo" panose="020B0609030804020204" pitchFamily="49" charset="0"/>
+              </a:rPr>
+              <a:t>a</a:t>
+            </a:r>
+            <a:r>
+              <a:rPr lang="en" b="0" dirty="0">
+                <a:solidFill>
+                  <a:srgbClr val="D4D4D4"/>
+                </a:solidFill>
+                <a:effectLst/>
+                <a:latin typeface="Menlo" panose="020B0609030804020204" pitchFamily="49" charset="0"/>
+              </a:rPr>
+              <a:t>; </a:t>
+            </a:r>
+            <a:r>
+              <a:rPr lang="ru-RU" b="0" dirty="0">
+                <a:solidFill>
+                  <a:srgbClr val="6A9955"/>
+                </a:solidFill>
+                <a:effectLst/>
+                <a:latin typeface="Menlo" panose="020B0609030804020204" pitchFamily="49" charset="0"/>
+              </a:rPr>
+              <a:t>// Указатель на </a:t>
+            </a:r>
+            <a:r>
+              <a:rPr lang="en" b="0" dirty="0">
+                <a:solidFill>
+                  <a:srgbClr val="6A9955"/>
+                </a:solidFill>
+                <a:effectLst/>
+                <a:latin typeface="Menlo" panose="020B0609030804020204" pitchFamily="49" charset="0"/>
+              </a:rPr>
+              <a:t>int</a:t>
+            </a:r>
+            <a:endParaRPr lang="en-US" b="0" i="0" u="none" strike="noStrike" dirty="0">
+              <a:solidFill>
+                <a:srgbClr val="000000"/>
+              </a:solidFill>
+              <a:effectLst/>
+              <a:latin typeface="Roboto" panose="02000000000000000000" pitchFamily="2" charset="0"/>
+            </a:endParaRPr>
+          </a:p>
+          <a:p>
+            <a:pPr marL="0" indent="0">
+              <a:buNone/>
+            </a:pPr>
+            <a:r>
+              <a:rPr lang="en" dirty="0" err="1"/>
+              <a:t>baz</a:t>
+            </a:r>
+            <a:r>
+              <a:rPr lang="en" dirty="0"/>
+              <a:t> = *foo;</a:t>
+            </a:r>
+            <a:endParaRPr lang="ru-RU" dirty="0"/>
+          </a:p>
+        </p:txBody>
+      </p:sp>
+    </p:spTree>
+    <p:extLst>
+      <p:ext uri="{BB962C8B-B14F-4D97-AF65-F5344CB8AC3E}">
+        <p14:creationId xmlns:p14="http://schemas.microsoft.com/office/powerpoint/2010/main" val="4205546035"/>
+      </p:ext>
+    </p:extLst>
+  </p:cSld>
+  <p:clrMapOvr>
+    <a:masterClrMapping/>
+  </p:clrMapOvr>
+</p:sld>
+</file>
+
+<file path=ppt/slides/slide29.xml><?xml version="1.0" encoding="utf-8"?>
+<p:sld xmlns:a="http://schemas.openxmlformats.org/drawingml/2006/main" xmlns:r="http://schemas.openxmlformats.org/officeDocument/2006/relationships" xmlns:p="http://schemas.openxmlformats.org/presentationml/2006/main">
+  <p:cSld>
+    <p:spTree>
+      <p:nvGrpSpPr>
+        <p:cNvPr id="1" name=""/>
+        <p:cNvGrpSpPr/>
+        <p:nvPr/>
+      </p:nvGrpSpPr>
+      <p:grpSpPr>
+        <a:xfrm>
+          <a:off x="0" y="0"/>
+          <a:ext cx="0" cy="0"/>
+          <a:chOff x="0" y="0"/>
+          <a:chExt cx="0" cy="0"/>
+        </a:xfrm>
+      </p:grpSpPr>
+      <p:sp>
+        <p:nvSpPr>
+          <p:cNvPr id="2" name="Заголовок 1">
+            <a:extLst>
+              <a:ext uri="{FF2B5EF4-FFF2-40B4-BE49-F238E27FC236}">
+                <a16:creationId xmlns:a16="http://schemas.microsoft.com/office/drawing/2014/main" id="{E3CAF365-A13E-5629-F561-6B4ACC5CAC00}"/>
+              </a:ext>
+            </a:extLst>
+          </p:cNvPr>
+          <p:cNvSpPr>
+            <a:spLocks noGrp="1"/>
+          </p:cNvSpPr>
+          <p:nvPr>
+            <p:ph type="title"/>
+          </p:nvPr>
+        </p:nvSpPr>
+        <p:spPr/>
+        <p:txBody>
+          <a:bodyPr/>
+          <a:lstStyle/>
+          <a:p>
+            <a:r>
+              <a:rPr lang="ru-RU" dirty="0"/>
+              <a:t>Оператор разыменования (*)</a:t>
+            </a:r>
+          </a:p>
+        </p:txBody>
+      </p:sp>
+      <p:sp>
+        <p:nvSpPr>
+          <p:cNvPr id="3" name="Объект 2">
+            <a:extLst>
+              <a:ext uri="{FF2B5EF4-FFF2-40B4-BE49-F238E27FC236}">
+                <a16:creationId xmlns:a16="http://schemas.microsoft.com/office/drawing/2014/main" id="{E43A0EA4-0F20-9E4C-4C13-D52B8EED75C0}"/>
+              </a:ext>
+            </a:extLst>
+          </p:cNvPr>
+          <p:cNvSpPr>
+            <a:spLocks noGrp="1"/>
+          </p:cNvSpPr>
+          <p:nvPr>
+            <p:ph idx="1"/>
+          </p:nvPr>
+        </p:nvSpPr>
+        <p:spPr/>
+        <p:txBody>
+          <a:bodyPr/>
+          <a:lstStyle/>
+          <a:p>
+            <a:pPr marL="0" indent="0">
+              <a:buNone/>
+            </a:pPr>
+            <a:r>
+              <a:rPr lang="en-US" b="0" i="0" u="none" strike="noStrike" dirty="0">
+                <a:solidFill>
+                  <a:srgbClr val="000000"/>
+                </a:solidFill>
+                <a:effectLst/>
+                <a:latin typeface="Roboto" panose="02000000000000000000" pitchFamily="2" charset="0"/>
+              </a:rPr>
+              <a:t>	</a:t>
+            </a:r>
+            <a:r>
+              <a:rPr lang="ru-RU" b="0" i="0" u="none" strike="noStrike" dirty="0">
+                <a:solidFill>
+                  <a:srgbClr val="000000"/>
+                </a:solidFill>
+                <a:effectLst/>
+                <a:latin typeface="Roboto" panose="02000000000000000000" pitchFamily="2" charset="0"/>
+              </a:rPr>
+              <a:t>Говорят, что указатели "указывают на" переменную, адрес которой они хранят</a:t>
+            </a:r>
+            <a:r>
+              <a:rPr lang="en-US" b="0" i="0" u="none" strike="noStrike" dirty="0">
+                <a:solidFill>
+                  <a:srgbClr val="000000"/>
+                </a:solidFill>
+                <a:effectLst/>
+                <a:latin typeface="Roboto" panose="02000000000000000000" pitchFamily="2" charset="0"/>
+              </a:rPr>
+              <a:t>.</a:t>
+            </a:r>
+          </a:p>
+          <a:p>
+            <a:pPr marL="0" indent="0">
+              <a:buNone/>
+            </a:pPr>
+            <a:endParaRPr lang="en-US" b="0" i="0" u="none" strike="noStrike" dirty="0">
+              <a:solidFill>
+                <a:srgbClr val="000000"/>
+              </a:solidFill>
+              <a:effectLst/>
+              <a:latin typeface="Roboto" panose="02000000000000000000" pitchFamily="2" charset="0"/>
+            </a:endParaRPr>
+          </a:p>
+          <a:p>
+            <a:pPr marL="0" indent="0">
+              <a:buNone/>
+            </a:pPr>
+            <a:r>
+              <a:rPr lang="en" b="0" dirty="0">
+                <a:solidFill>
+                  <a:srgbClr val="569CD6"/>
+                </a:solidFill>
+                <a:effectLst/>
+                <a:latin typeface="Menlo" panose="020B0609030804020204" pitchFamily="49" charset="0"/>
+              </a:rPr>
+              <a:t>int</a:t>
+            </a:r>
+            <a:r>
+              <a:rPr lang="en" b="0" dirty="0">
+                <a:solidFill>
+                  <a:srgbClr val="D4D4D4"/>
+                </a:solidFill>
+                <a:effectLst/>
+                <a:latin typeface="Menlo" panose="020B0609030804020204" pitchFamily="49" charset="0"/>
+              </a:rPr>
+              <a:t> *</a:t>
+            </a:r>
+            <a:r>
+              <a:rPr lang="en" b="0" dirty="0">
+                <a:solidFill>
+                  <a:srgbClr val="9CDCFE"/>
+                </a:solidFill>
+                <a:effectLst/>
+                <a:latin typeface="Menlo" panose="020B0609030804020204" pitchFamily="49" charset="0"/>
+              </a:rPr>
+              <a:t>a</a:t>
+            </a:r>
+            <a:r>
+              <a:rPr lang="en" b="0" dirty="0">
+                <a:solidFill>
+                  <a:srgbClr val="D4D4D4"/>
+                </a:solidFill>
+                <a:effectLst/>
+                <a:latin typeface="Menlo" panose="020B0609030804020204" pitchFamily="49" charset="0"/>
+              </a:rPr>
+              <a:t>; </a:t>
+            </a:r>
+            <a:r>
+              <a:rPr lang="ru-RU" b="0" dirty="0">
+                <a:solidFill>
+                  <a:srgbClr val="6A9955"/>
+                </a:solidFill>
+                <a:effectLst/>
+                <a:latin typeface="Menlo" panose="020B0609030804020204" pitchFamily="49" charset="0"/>
+              </a:rPr>
+              <a:t>// Указатель на </a:t>
+            </a:r>
+            <a:r>
+              <a:rPr lang="en" b="0" dirty="0">
+                <a:solidFill>
+                  <a:srgbClr val="6A9955"/>
+                </a:solidFill>
+                <a:effectLst/>
+                <a:latin typeface="Menlo" panose="020B0609030804020204" pitchFamily="49" charset="0"/>
+              </a:rPr>
+              <a:t>int</a:t>
+            </a:r>
+            <a:endParaRPr lang="en-US" b="0" i="0" u="none" strike="noStrike" dirty="0">
+              <a:solidFill>
+                <a:srgbClr val="000000"/>
+              </a:solidFill>
+              <a:effectLst/>
+              <a:latin typeface="Roboto" panose="02000000000000000000" pitchFamily="2" charset="0"/>
+            </a:endParaRPr>
+          </a:p>
+          <a:p>
+            <a:pPr marL="0" indent="0">
+              <a:buNone/>
+            </a:pPr>
+            <a:r>
+              <a:rPr lang="en" dirty="0" err="1"/>
+              <a:t>baz</a:t>
+            </a:r>
+            <a:r>
+              <a:rPr lang="en" dirty="0"/>
+              <a:t> = *foo;</a:t>
+            </a:r>
+            <a:endParaRPr lang="ru-RU" dirty="0"/>
+          </a:p>
+        </p:txBody>
+      </p:sp>
+      <p:pic>
+        <p:nvPicPr>
+          <p:cNvPr id="2052" name="Picture 4">
+            <a:extLst>
+              <a:ext uri="{FF2B5EF4-FFF2-40B4-BE49-F238E27FC236}">
+                <a16:creationId xmlns:a16="http://schemas.microsoft.com/office/drawing/2014/main" id="{AEFF4AA8-BA4E-709D-62CD-94F59E0AE47C}"/>
+              </a:ext>
+            </a:extLst>
+          </p:cNvPr>
+          <p:cNvPicPr>
+            <a:picLocks noChangeAspect="1" noChangeArrowheads="1"/>
+          </p:cNvPicPr>
+          <p:nvPr/>
+        </p:nvPicPr>
+        <p:blipFill>
+          <a:blip r:embed="rId2">
+            <a:extLst>
+              <a:ext uri="{28A0092B-C50C-407E-A947-70E740481C1C}">
+                <a14:useLocalDpi xmlns:a14="http://schemas.microsoft.com/office/drawing/2010/main" val="0"/>
+              </a:ext>
+            </a:extLst>
+          </a:blip>
+          <a:srcRect/>
+          <a:stretch>
+            <a:fillRect/>
+          </a:stretch>
+        </p:blipFill>
+        <p:spPr bwMode="auto">
+          <a:xfrm>
+            <a:off x="3327482" y="3810000"/>
+            <a:ext cx="6083300" cy="2501900"/>
+          </a:xfrm>
+          <a:prstGeom prst="rect">
+            <a:avLst/>
+          </a:prstGeom>
+          <a:noFill/>
+          <a:extLst>
+            <a:ext uri="{909E8E84-426E-40DD-AFC4-6F175D3DCCD1}">
+              <a14:hiddenFill xmlns:a14="http://schemas.microsoft.com/office/drawing/2010/main">
+                <a:solidFill>
+                  <a:srgbClr val="FFFFFF"/>
+                </a:solidFill>
+              </a14:hiddenFill>
+            </a:ext>
+          </a:extLst>
+        </p:spPr>
+      </p:pic>
+    </p:spTree>
+    <p:extLst>
+      <p:ext uri="{BB962C8B-B14F-4D97-AF65-F5344CB8AC3E}">
+        <p14:creationId xmlns:p14="http://schemas.microsoft.com/office/powerpoint/2010/main" val="3317529360"/>
+      </p:ext>
+    </p:extLst>
+  </p:cSld>
+  <p:clrMapOvr>
+    <a:masterClrMapping/>
+  </p:clrMapOvr>
+</p:sld>
+</file>
+
+<file path=ppt/slides/slide3.xml><?xml version="1.0" encoding="utf-8"?>
+<p:sld xmlns:a="http://schemas.openxmlformats.org/drawingml/2006/main" xmlns:r="http://schemas.openxmlformats.org/officeDocument/2006/relationships" xmlns:p="http://schemas.openxmlformats.org/presentationml/2006/main">
+  <p:cSld>
+    <p:spTree>
+      <p:nvGrpSpPr>
+        <p:cNvPr id="1" name=""/>
+        <p:cNvGrpSpPr/>
+        <p:nvPr/>
+      </p:nvGrpSpPr>
+      <p:grpSpPr>
+        <a:xfrm>
+          <a:off x="0" y="0"/>
+          <a:ext cx="0" cy="0"/>
+          <a:chOff x="0" y="0"/>
+          <a:chExt cx="0" cy="0"/>
+        </a:xfrm>
+      </p:grpSpPr>
+    </p:spTree>
+    <p:extLst>
+      <p:ext uri="{BB962C8B-B14F-4D97-AF65-F5344CB8AC3E}">
+        <p14:creationId xmlns:p14="http://schemas.microsoft.com/office/powerpoint/2010/main" val="2399197205"/>
+      </p:ext>
+    </p:extLst>
+  </p:cSld>
+  <p:clrMapOvr>
+    <a:masterClrMapping/>
+  </p:clrMapOvr>
+</p:sld>
+</file>
+
+<file path=ppt/slides/slide30.xml><?xml version="1.0" encoding="utf-8"?>
+<p:sld xmlns:a="http://schemas.openxmlformats.org/drawingml/2006/main" xmlns:r="http://schemas.openxmlformats.org/officeDocument/2006/relationships" xmlns:p="http://schemas.openxmlformats.org/presentationml/2006/main">
+  <p:cSld>
+    <p:bg>
+      <p:bgPr>
+        <a:solidFill>
+          <a:schemeClr val="tx1"/>
+        </a:solidFill>
+        <a:effectLst/>
+      </p:bgPr>
+    </p:bg>
+    <p:spTree>
+      <p:nvGrpSpPr>
+        <p:cNvPr id="1" name=""/>
+        <p:cNvGrpSpPr/>
+        <p:nvPr/>
+      </p:nvGrpSpPr>
+      <p:grpSpPr>
+        <a:xfrm>
+          <a:off x="0" y="0"/>
+          <a:ext cx="0" cy="0"/>
+          <a:chOff x="0" y="0"/>
+          <a:chExt cx="0" cy="0"/>
+        </a:xfrm>
+      </p:grpSpPr>
+      <p:pic>
+        <p:nvPicPr>
+          <p:cNvPr id="4" name="Рисунок 3">
+            <a:extLst>
+              <a:ext uri="{FF2B5EF4-FFF2-40B4-BE49-F238E27FC236}">
+                <a16:creationId xmlns:a16="http://schemas.microsoft.com/office/drawing/2014/main" id="{D07C3371-94F3-CD93-D75F-AB323AE7DA8A}"/>
+              </a:ext>
+            </a:extLst>
+          </p:cNvPr>
+          <p:cNvPicPr>
+            <a:picLocks noChangeAspect="1"/>
+          </p:cNvPicPr>
+          <p:nvPr/>
+        </p:nvPicPr>
+        <p:blipFill rotWithShape="1">
+          <a:blip r:embed="rId2"/>
+          <a:srcRect l="5290" t="7652" r="5483" b="7452"/>
+          <a:stretch/>
+        </p:blipFill>
+        <p:spPr>
+          <a:xfrm>
+            <a:off x="1187669" y="97220"/>
+            <a:ext cx="9816662" cy="6663559"/>
+          </a:xfrm>
+          <a:prstGeom prst="rect">
+            <a:avLst/>
+          </a:prstGeom>
+        </p:spPr>
+      </p:pic>
+    </p:spTree>
+    <p:extLst>
+      <p:ext uri="{BB962C8B-B14F-4D97-AF65-F5344CB8AC3E}">
+        <p14:creationId xmlns:p14="http://schemas.microsoft.com/office/powerpoint/2010/main" val="4070998159"/>
+      </p:ext>
+    </p:extLst>
+  </p:cSld>
+  <p:clrMapOvr>
+    <a:masterClrMapping/>
+  </p:clrMapOvr>
+</p:sld>
+</file>
+
+<file path=ppt/slides/slide31.xml><?xml version="1.0" encoding="utf-8"?>
+<p:sld xmlns:a="http://schemas.openxmlformats.org/drawingml/2006/main" xmlns:r="http://schemas.openxmlformats.org/officeDocument/2006/relationships" xmlns:p="http://schemas.openxmlformats.org/presentationml/2006/main">
+  <p:cSld>
+    <p:bg>
+      <p:bgPr>
+        <a:solidFill>
+          <a:schemeClr val="tx1"/>
+        </a:solidFill>
+        <a:effectLst/>
+      </p:bgPr>
+    </p:bg>
+    <p:spTree>
+      <p:nvGrpSpPr>
+        <p:cNvPr id="1" name=""/>
+        <p:cNvGrpSpPr/>
+        <p:nvPr/>
+      </p:nvGrpSpPr>
+      <p:grpSpPr>
+        <a:xfrm>
+          <a:off x="0" y="0"/>
+          <a:ext cx="0" cy="0"/>
+          <a:chOff x="0" y="0"/>
+          <a:chExt cx="0" cy="0"/>
+        </a:xfrm>
+      </p:grpSpPr>
+      <p:pic>
+        <p:nvPicPr>
+          <p:cNvPr id="4" name="Рисунок 3">
+            <a:extLst>
+              <a:ext uri="{FF2B5EF4-FFF2-40B4-BE49-F238E27FC236}">
+                <a16:creationId xmlns:a16="http://schemas.microsoft.com/office/drawing/2014/main" id="{D07C3371-94F3-CD93-D75F-AB323AE7DA8A}"/>
+              </a:ext>
+            </a:extLst>
+          </p:cNvPr>
+          <p:cNvPicPr>
+            <a:picLocks noChangeAspect="1"/>
+          </p:cNvPicPr>
+          <p:nvPr/>
+        </p:nvPicPr>
+        <p:blipFill rotWithShape="1">
+          <a:blip r:embed="rId2">
+            <a:alphaModFix amt="14000"/>
+          </a:blip>
+          <a:srcRect l="5290" t="7652" r="5483" b="7452"/>
+          <a:stretch/>
+        </p:blipFill>
+        <p:spPr>
+          <a:xfrm>
+            <a:off x="1187669" y="97220"/>
+            <a:ext cx="9816662" cy="6663559"/>
+          </a:xfrm>
+          <a:prstGeom prst="rect">
+            <a:avLst/>
+          </a:prstGeom>
+          <a:noFill/>
+        </p:spPr>
+      </p:pic>
+      <p:pic>
+        <p:nvPicPr>
+          <p:cNvPr id="6" name="Рисунок 5">
+            <a:extLst>
+              <a:ext uri="{FF2B5EF4-FFF2-40B4-BE49-F238E27FC236}">
+                <a16:creationId xmlns:a16="http://schemas.microsoft.com/office/drawing/2014/main" id="{1ED4FF9F-C7DE-EF56-F289-1C406442FBCC}"/>
+              </a:ext>
+            </a:extLst>
+          </p:cNvPr>
+          <p:cNvPicPr>
+            <a:picLocks noChangeAspect="1"/>
+          </p:cNvPicPr>
+          <p:nvPr/>
+        </p:nvPicPr>
+        <p:blipFill>
+          <a:blip r:embed="rId3"/>
+          <a:stretch>
+            <a:fillRect/>
+          </a:stretch>
+        </p:blipFill>
+        <p:spPr>
+          <a:xfrm>
+            <a:off x="422061" y="2407690"/>
+            <a:ext cx="11347877" cy="2042618"/>
+          </a:xfrm>
+          <a:prstGeom prst="rect">
+            <a:avLst/>
+          </a:prstGeom>
+        </p:spPr>
+      </p:pic>
+    </p:spTree>
+    <p:extLst>
+      <p:ext uri="{BB962C8B-B14F-4D97-AF65-F5344CB8AC3E}">
+        <p14:creationId xmlns:p14="http://schemas.microsoft.com/office/powerpoint/2010/main" val="2985778919"/>
+      </p:ext>
+    </p:extLst>
+  </p:cSld>
+  <p:clrMapOvr>
+    <a:masterClrMapping/>
+  </p:clrMapOvr>
+</p:sld>
+</file>
+
+<file path=ppt/slides/slide32.xml><?xml version="1.0" encoding="utf-8"?>
+<p:sld xmlns:a="http://schemas.openxmlformats.org/drawingml/2006/main" xmlns:r="http://schemas.openxmlformats.org/officeDocument/2006/relationships" xmlns:p="http://schemas.openxmlformats.org/presentationml/2006/main">
+  <p:cSld>
+    <p:spTree>
+      <p:nvGrpSpPr>
+        <p:cNvPr id="1" name=""/>
+        <p:cNvGrpSpPr/>
+        <p:nvPr/>
+      </p:nvGrpSpPr>
+      <p:grpSpPr>
+        <a:xfrm>
+          <a:off x="0" y="0"/>
+          <a:ext cx="0" cy="0"/>
+          <a:chOff x="0" y="0"/>
+          <a:chExt cx="0" cy="0"/>
+        </a:xfrm>
+      </p:grpSpPr>
+      <p:sp>
+        <p:nvSpPr>
+          <p:cNvPr id="2" name="Заголовок 1">
+            <a:extLst>
+              <a:ext uri="{FF2B5EF4-FFF2-40B4-BE49-F238E27FC236}">
+                <a16:creationId xmlns:a16="http://schemas.microsoft.com/office/drawing/2014/main" id="{A9854FC2-9FE8-DBEA-AD8C-A2FFFA7BD8EB}"/>
+              </a:ext>
+            </a:extLst>
+          </p:cNvPr>
+          <p:cNvSpPr>
+            <a:spLocks noGrp="1"/>
+          </p:cNvSpPr>
+          <p:nvPr>
+            <p:ph type="title"/>
+          </p:nvPr>
+        </p:nvSpPr>
+        <p:spPr/>
+        <p:txBody>
+          <a:bodyPr/>
+          <a:lstStyle/>
+          <a:p>
+            <a:r>
+              <a:rPr lang="ru-RU" dirty="0"/>
+              <a:t>Указатель на функцию</a:t>
+            </a:r>
+          </a:p>
+        </p:txBody>
+      </p:sp>
+      <p:sp>
+        <p:nvSpPr>
+          <p:cNvPr id="3" name="Объект 2">
+            <a:extLst>
+              <a:ext uri="{FF2B5EF4-FFF2-40B4-BE49-F238E27FC236}">
+                <a16:creationId xmlns:a16="http://schemas.microsoft.com/office/drawing/2014/main" id="{1FD5267C-4AEA-F689-DF6C-45189DE6F8DB}"/>
+              </a:ext>
+            </a:extLst>
+          </p:cNvPr>
+          <p:cNvSpPr>
+            <a:spLocks noGrp="1"/>
+          </p:cNvSpPr>
+          <p:nvPr>
+            <p:ph idx="1"/>
+          </p:nvPr>
+        </p:nvSpPr>
+        <p:spPr/>
+        <p:txBody>
+          <a:bodyPr/>
+          <a:lstStyle/>
+          <a:p>
+            <a:endParaRPr lang="ru-RU"/>
+          </a:p>
+        </p:txBody>
+      </p:sp>
+    </p:spTree>
+    <p:extLst>
+      <p:ext uri="{BB962C8B-B14F-4D97-AF65-F5344CB8AC3E}">
+        <p14:creationId xmlns:p14="http://schemas.microsoft.com/office/powerpoint/2010/main" val="1641613438"/>
+      </p:ext>
+    </p:extLst>
+  </p:cSld>
+  <p:clrMapOvr>
+    <a:masterClrMapping/>
+  </p:clrMapOvr>
+</p:sld>
+</file>
+
+<file path=ppt/slides/slide33.xml><?xml version="1.0" encoding="utf-8"?>
+<p:sld xmlns:a="http://schemas.openxmlformats.org/drawingml/2006/main" xmlns:r="http://schemas.openxmlformats.org/officeDocument/2006/relationships" xmlns:p="http://schemas.openxmlformats.org/presentationml/2006/main">
+  <p:cSld>
+    <p:spTree>
+      <p:nvGrpSpPr>
+        <p:cNvPr id="1" name=""/>
+        <p:cNvGrpSpPr/>
+        <p:nvPr/>
+      </p:nvGrpSpPr>
+      <p:grpSpPr>
+        <a:xfrm>
+          <a:off x="0" y="0"/>
+          <a:ext cx="0" cy="0"/>
+          <a:chOff x="0" y="0"/>
+          <a:chExt cx="0" cy="0"/>
+        </a:xfrm>
+      </p:grpSpPr>
+      <p:sp>
+        <p:nvSpPr>
+          <p:cNvPr id="2" name="Заголовок 1">
+            <a:extLst>
+              <a:ext uri="{FF2B5EF4-FFF2-40B4-BE49-F238E27FC236}">
+                <a16:creationId xmlns:a16="http://schemas.microsoft.com/office/drawing/2014/main" id="{A9854FC2-9FE8-DBEA-AD8C-A2FFFA7BD8EB}"/>
+              </a:ext>
+            </a:extLst>
+          </p:cNvPr>
+          <p:cNvSpPr>
+            <a:spLocks noGrp="1"/>
+          </p:cNvSpPr>
+          <p:nvPr>
+            <p:ph type="title"/>
+          </p:nvPr>
+        </p:nvSpPr>
+        <p:spPr/>
+        <p:txBody>
+          <a:bodyPr/>
+          <a:lstStyle/>
+          <a:p>
+            <a:r>
+              <a:rPr lang="ru-RU" dirty="0"/>
+              <a:t>Указатель на функцию</a:t>
+            </a:r>
+          </a:p>
+        </p:txBody>
+      </p:sp>
+      <p:sp>
+        <p:nvSpPr>
+          <p:cNvPr id="3" name="Объект 2">
+            <a:extLst>
+              <a:ext uri="{FF2B5EF4-FFF2-40B4-BE49-F238E27FC236}">
+                <a16:creationId xmlns:a16="http://schemas.microsoft.com/office/drawing/2014/main" id="{1FD5267C-4AEA-F689-DF6C-45189DE6F8DB}"/>
+              </a:ext>
+            </a:extLst>
+          </p:cNvPr>
+          <p:cNvSpPr>
+            <a:spLocks noGrp="1"/>
+          </p:cNvSpPr>
+          <p:nvPr>
+            <p:ph idx="1"/>
+          </p:nvPr>
+        </p:nvSpPr>
+        <p:spPr/>
+        <p:txBody>
+          <a:bodyPr/>
+          <a:lstStyle/>
+          <a:p>
+            <a:pPr marL="0" indent="0">
+              <a:buNone/>
+            </a:pPr>
+            <a:r>
+              <a:rPr lang="ru-RU" b="0" i="0" u="none" strike="noStrike" dirty="0">
+                <a:solidFill>
+                  <a:srgbClr val="C9D1D9"/>
+                </a:solidFill>
+                <a:effectLst/>
+                <a:latin typeface=""/>
+              </a:rPr>
+              <a:t>	</a:t>
+            </a:r>
+            <a:r>
+              <a:rPr lang="ru-RU" b="0" i="0" u="none" strike="noStrike" dirty="0">
+                <a:effectLst/>
+                <a:latin typeface=""/>
+              </a:rPr>
+              <a:t>Указатель на функцию в </a:t>
+            </a:r>
+            <a:r>
+              <a:rPr lang="en" b="0" i="0" u="none" strike="noStrike" dirty="0">
+                <a:effectLst/>
+                <a:latin typeface=""/>
+              </a:rPr>
+              <a:t>C++ </a:t>
+            </a:r>
+            <a:r>
+              <a:rPr lang="ru-RU" b="0" i="0" u="none" strike="noStrike" dirty="0">
+                <a:effectLst/>
+                <a:latin typeface=""/>
+              </a:rPr>
+              <a:t>представляет собой переменную, которая содержит адрес функции. Он позволяет передавать функции в качестве аргументов других функций или сохранять указатель на функцию в структурах данных для последующего вызова.</a:t>
+            </a:r>
+            <a:endParaRPr lang="ru-RU" dirty="0">
+              <a:latin typeface=""/>
+            </a:endParaRPr>
+          </a:p>
+        </p:txBody>
+      </p:sp>
+    </p:spTree>
+    <p:extLst>
+      <p:ext uri="{BB962C8B-B14F-4D97-AF65-F5344CB8AC3E}">
+        <p14:creationId xmlns:p14="http://schemas.microsoft.com/office/powerpoint/2010/main" val="3036669054"/>
+      </p:ext>
+    </p:extLst>
+  </p:cSld>
+  <p:clrMapOvr>
+    <a:masterClrMapping/>
+  </p:clrMapOvr>
+</p:sld>
+</file>
+
+<file path=ppt/slides/slide34.xml><?xml version="1.0" encoding="utf-8"?>
+<p:sld xmlns:a="http://schemas.openxmlformats.org/drawingml/2006/main" xmlns:r="http://schemas.openxmlformats.org/officeDocument/2006/relationships" xmlns:p="http://schemas.openxmlformats.org/presentationml/2006/main">
+  <p:cSld>
+    <p:spTree>
+      <p:nvGrpSpPr>
+        <p:cNvPr id="1" name=""/>
+        <p:cNvGrpSpPr/>
+        <p:nvPr/>
+      </p:nvGrpSpPr>
+      <p:grpSpPr>
+        <a:xfrm>
+          <a:off x="0" y="0"/>
+          <a:ext cx="0" cy="0"/>
+          <a:chOff x="0" y="0"/>
+          <a:chExt cx="0" cy="0"/>
+        </a:xfrm>
+      </p:grpSpPr>
+      <p:sp>
+        <p:nvSpPr>
+          <p:cNvPr id="2" name="Заголовок 1">
+            <a:extLst>
+              <a:ext uri="{FF2B5EF4-FFF2-40B4-BE49-F238E27FC236}">
+                <a16:creationId xmlns:a16="http://schemas.microsoft.com/office/drawing/2014/main" id="{A9854FC2-9FE8-DBEA-AD8C-A2FFFA7BD8EB}"/>
+              </a:ext>
+            </a:extLst>
+          </p:cNvPr>
+          <p:cNvSpPr>
+            <a:spLocks noGrp="1"/>
+          </p:cNvSpPr>
+          <p:nvPr>
+            <p:ph type="title"/>
+          </p:nvPr>
+        </p:nvSpPr>
+        <p:spPr/>
+        <p:txBody>
+          <a:bodyPr/>
+          <a:lstStyle/>
+          <a:p>
+            <a:r>
+              <a:rPr lang="ru-RU" dirty="0"/>
+              <a:t>Указатель на функцию</a:t>
+            </a:r>
+          </a:p>
+        </p:txBody>
+      </p:sp>
+      <p:sp>
+        <p:nvSpPr>
+          <p:cNvPr id="3" name="Объект 2">
+            <a:extLst>
+              <a:ext uri="{FF2B5EF4-FFF2-40B4-BE49-F238E27FC236}">
+                <a16:creationId xmlns:a16="http://schemas.microsoft.com/office/drawing/2014/main" id="{1FD5267C-4AEA-F689-DF6C-45189DE6F8DB}"/>
+              </a:ext>
+            </a:extLst>
+          </p:cNvPr>
+          <p:cNvSpPr>
+            <a:spLocks noGrp="1"/>
+          </p:cNvSpPr>
+          <p:nvPr>
+            <p:ph idx="1"/>
+          </p:nvPr>
+        </p:nvSpPr>
+        <p:spPr/>
+        <p:txBody>
+          <a:bodyPr/>
+          <a:lstStyle/>
+          <a:p>
+            <a:pPr marL="0" indent="0">
+              <a:buNone/>
+            </a:pPr>
+            <a:r>
+              <a:rPr lang="ru-RU" b="0" i="0" u="none" strike="noStrike" dirty="0">
+                <a:solidFill>
+                  <a:srgbClr val="C9D1D9"/>
+                </a:solidFill>
+                <a:effectLst/>
+                <a:latin typeface=""/>
+              </a:rPr>
+              <a:t>	</a:t>
+            </a:r>
+            <a:r>
+              <a:rPr lang="ru-RU" b="0" i="0" u="none" strike="noStrike" dirty="0">
+                <a:effectLst/>
+                <a:latin typeface=""/>
+              </a:rPr>
+              <a:t>Указатель на функцию в </a:t>
+            </a:r>
+            <a:r>
+              <a:rPr lang="en" b="0" i="0" u="none" strike="noStrike" dirty="0">
+                <a:effectLst/>
+                <a:latin typeface=""/>
+              </a:rPr>
+              <a:t>C++ </a:t>
+            </a:r>
+            <a:r>
+              <a:rPr lang="ru-RU" b="0" i="0" u="none" strike="noStrike" dirty="0">
+                <a:effectLst/>
+                <a:latin typeface=""/>
+              </a:rPr>
+              <a:t>представляет собой переменную, которая содержит адрес функции. Он позволяет передавать функции в качестве аргументов других функций или сохранять указатель на функцию в структурах данных для последующего вызова.</a:t>
+            </a:r>
+            <a:endParaRPr lang="en-US" b="0" i="0" u="none" strike="noStrike" dirty="0">
+              <a:effectLst/>
+              <a:latin typeface=""/>
+            </a:endParaRPr>
+          </a:p>
+          <a:p>
+            <a:pPr marL="0" indent="0">
+              <a:buNone/>
+            </a:pPr>
+            <a:endParaRPr lang="en-US" b="0" i="0" u="none" strike="noStrike" dirty="0">
+              <a:effectLst/>
+              <a:latin typeface=""/>
+            </a:endParaRPr>
+          </a:p>
+          <a:p>
+            <a:pPr marL="0" indent="0">
+              <a:buNone/>
+            </a:pPr>
+            <a:r>
+              <a:rPr lang="en" b="0" dirty="0" err="1">
+                <a:solidFill>
+                  <a:srgbClr val="4EC9B0"/>
+                </a:solidFill>
+                <a:effectLst/>
+                <a:latin typeface="Menlo" panose="020B0609030804020204" pitchFamily="49" charset="0"/>
+              </a:rPr>
+              <a:t>return_type</a:t>
+            </a:r>
+            <a:r>
+              <a:rPr lang="en" b="0" dirty="0">
+                <a:solidFill>
+                  <a:srgbClr val="D4D4D4"/>
+                </a:solidFill>
+                <a:effectLst/>
+                <a:latin typeface="Menlo" panose="020B0609030804020204" pitchFamily="49" charset="0"/>
+              </a:rPr>
+              <a:t> (*</a:t>
+            </a:r>
+            <a:r>
+              <a:rPr lang="en" b="0" dirty="0" err="1">
+                <a:solidFill>
+                  <a:srgbClr val="9CDCFE"/>
+                </a:solidFill>
+                <a:effectLst/>
+                <a:latin typeface="Menlo" panose="020B0609030804020204" pitchFamily="49" charset="0"/>
+              </a:rPr>
+              <a:t>pointer_name</a:t>
+            </a:r>
+            <a:r>
+              <a:rPr lang="en" b="0" dirty="0">
+                <a:solidFill>
+                  <a:srgbClr val="D4D4D4"/>
+                </a:solidFill>
+                <a:effectLst/>
+                <a:latin typeface="Menlo" panose="020B0609030804020204" pitchFamily="49" charset="0"/>
+              </a:rPr>
+              <a:t>)(</a:t>
+            </a:r>
+            <a:r>
+              <a:rPr lang="en" b="0" dirty="0" err="1">
+                <a:solidFill>
+                  <a:srgbClr val="4EC9B0"/>
+                </a:solidFill>
+                <a:effectLst/>
+                <a:latin typeface="Menlo" panose="020B0609030804020204" pitchFamily="49" charset="0"/>
+              </a:rPr>
+              <a:t>parameter_list</a:t>
+            </a:r>
+            <a:r>
+              <a:rPr lang="en" b="0" dirty="0">
+                <a:solidFill>
+                  <a:srgbClr val="D4D4D4"/>
+                </a:solidFill>
+                <a:effectLst/>
+                <a:latin typeface="Menlo" panose="020B0609030804020204" pitchFamily="49" charset="0"/>
+              </a:rPr>
+              <a:t>);</a:t>
+            </a:r>
+          </a:p>
+        </p:txBody>
+      </p:sp>
+    </p:spTree>
+    <p:extLst>
+      <p:ext uri="{BB962C8B-B14F-4D97-AF65-F5344CB8AC3E}">
+        <p14:creationId xmlns:p14="http://schemas.microsoft.com/office/powerpoint/2010/main" val="1563016571"/>
+      </p:ext>
+    </p:extLst>
+  </p:cSld>
+  <p:clrMapOvr>
+    <a:masterClrMapping/>
+  </p:clrMapOvr>
+</p:sld>
+</file>
+
+<file path=ppt/slides/slide35.xml><?xml version="1.0" encoding="utf-8"?>
+<p:sld xmlns:a="http://schemas.openxmlformats.org/drawingml/2006/main" xmlns:r="http://schemas.openxmlformats.org/officeDocument/2006/relationships" xmlns:p="http://schemas.openxmlformats.org/presentationml/2006/main">
+  <p:cSld>
+    <p:spTree>
+      <p:nvGrpSpPr>
+        <p:cNvPr id="1" name=""/>
+        <p:cNvGrpSpPr/>
+        <p:nvPr/>
+      </p:nvGrpSpPr>
+      <p:grpSpPr>
+        <a:xfrm>
+          <a:off x="0" y="0"/>
+          <a:ext cx="0" cy="0"/>
+          <a:chOff x="0" y="0"/>
+          <a:chExt cx="0" cy="0"/>
+        </a:xfrm>
+      </p:grpSpPr>
+      <p:sp>
+        <p:nvSpPr>
+          <p:cNvPr id="2" name="Заголовок 1">
+            <a:extLst>
+              <a:ext uri="{FF2B5EF4-FFF2-40B4-BE49-F238E27FC236}">
+                <a16:creationId xmlns:a16="http://schemas.microsoft.com/office/drawing/2014/main" id="{A9854FC2-9FE8-DBEA-AD8C-A2FFFA7BD8EB}"/>
+              </a:ext>
+            </a:extLst>
+          </p:cNvPr>
+          <p:cNvSpPr>
+            <a:spLocks noGrp="1"/>
+          </p:cNvSpPr>
+          <p:nvPr>
+            <p:ph type="title"/>
+          </p:nvPr>
+        </p:nvSpPr>
+        <p:spPr/>
+        <p:txBody>
+          <a:bodyPr/>
+          <a:lstStyle/>
+          <a:p>
+            <a:r>
+              <a:rPr lang="ru-RU" dirty="0"/>
+              <a:t>Указатель на функцию</a:t>
+            </a:r>
+          </a:p>
+        </p:txBody>
+      </p:sp>
+      <p:sp>
+        <p:nvSpPr>
+          <p:cNvPr id="3" name="Объект 2">
+            <a:extLst>
+              <a:ext uri="{FF2B5EF4-FFF2-40B4-BE49-F238E27FC236}">
+                <a16:creationId xmlns:a16="http://schemas.microsoft.com/office/drawing/2014/main" id="{1FD5267C-4AEA-F689-DF6C-45189DE6F8DB}"/>
+              </a:ext>
+            </a:extLst>
+          </p:cNvPr>
+          <p:cNvSpPr>
+            <a:spLocks noGrp="1"/>
+          </p:cNvSpPr>
+          <p:nvPr>
+            <p:ph idx="1"/>
+          </p:nvPr>
+        </p:nvSpPr>
+        <p:spPr>
+          <a:effectLst>
+            <a:reflection stA="0" endPos="65000" dist="50800" dir="5400000" sy="-100000" algn="bl" rotWithShape="0"/>
+          </a:effectLst>
+        </p:spPr>
+        <p:txBody>
+          <a:bodyPr/>
+          <a:lstStyle/>
+          <a:p>
+            <a:pPr marL="0" indent="0">
+              <a:buNone/>
+            </a:pPr>
+            <a:r>
+              <a:rPr lang="ru-RU" b="0" i="0" u="none" strike="noStrike" dirty="0">
+                <a:solidFill>
+                  <a:srgbClr val="C9D1D9"/>
+                </a:solidFill>
+                <a:effectLst/>
+                <a:latin typeface=""/>
+              </a:rPr>
+              <a:t>	</a:t>
+            </a:r>
+            <a:r>
+              <a:rPr lang="ru-RU" b="0" i="0" u="none" strike="noStrike" dirty="0">
+                <a:effectLst/>
+                <a:latin typeface=""/>
+              </a:rPr>
+              <a:t>Указатель на функцию в </a:t>
+            </a:r>
+            <a:r>
+              <a:rPr lang="en" b="0" i="0" u="none" strike="noStrike" dirty="0">
+                <a:effectLst/>
+                <a:latin typeface=""/>
+              </a:rPr>
+              <a:t>C++ </a:t>
+            </a:r>
+            <a:r>
+              <a:rPr lang="ru-RU" b="0" i="0" u="none" strike="noStrike" dirty="0">
+                <a:effectLst/>
+                <a:latin typeface=""/>
+              </a:rPr>
+              <a:t>представляет собой переменную, которая содержит адрес функции. Он позволяет передавать функции в качестве аргументов других функций или сохранять указатель на функцию в структурах данных для последующего вызова.</a:t>
+            </a:r>
+            <a:endParaRPr lang="en-US" b="0" i="0" u="none" strike="noStrike" dirty="0">
+              <a:effectLst/>
+              <a:latin typeface=""/>
+            </a:endParaRPr>
+          </a:p>
+          <a:p>
+            <a:pPr marL="0" indent="0">
+              <a:buNone/>
+            </a:pPr>
+            <a:endParaRPr lang="en-US" b="0" i="0" u="none" strike="noStrike" dirty="0">
+              <a:effectLst/>
+              <a:latin typeface=""/>
+            </a:endParaRPr>
+          </a:p>
+          <a:p>
+            <a:pPr marL="0" indent="0">
+              <a:buNone/>
+            </a:pPr>
+            <a:r>
+              <a:rPr lang="en" b="0" dirty="0" err="1">
+                <a:solidFill>
+                  <a:srgbClr val="4EC9B0"/>
+                </a:solidFill>
+                <a:effectLst/>
+                <a:latin typeface="Menlo" panose="020B0609030804020204" pitchFamily="49" charset="0"/>
+              </a:rPr>
+              <a:t>return_type</a:t>
+            </a:r>
+            <a:r>
+              <a:rPr lang="en" b="0" dirty="0">
+                <a:solidFill>
+                  <a:srgbClr val="D4D4D4"/>
+                </a:solidFill>
+                <a:effectLst/>
+                <a:latin typeface="Menlo" panose="020B0609030804020204" pitchFamily="49" charset="0"/>
+              </a:rPr>
+              <a:t> (*</a:t>
+            </a:r>
+            <a:r>
+              <a:rPr lang="en" b="0" dirty="0" err="1">
+                <a:solidFill>
+                  <a:srgbClr val="9CDCFE"/>
+                </a:solidFill>
+                <a:effectLst/>
+                <a:latin typeface="Menlo" panose="020B0609030804020204" pitchFamily="49" charset="0"/>
+              </a:rPr>
+              <a:t>pointer_name</a:t>
+            </a:r>
+            <a:r>
+              <a:rPr lang="en" b="0" dirty="0">
+                <a:solidFill>
+                  <a:srgbClr val="D4D4D4"/>
+                </a:solidFill>
+                <a:effectLst/>
+                <a:latin typeface="Menlo" panose="020B0609030804020204" pitchFamily="49" charset="0"/>
+              </a:rPr>
+              <a:t>)(</a:t>
+            </a:r>
+            <a:r>
+              <a:rPr lang="en" b="0" dirty="0" err="1">
+                <a:solidFill>
+                  <a:srgbClr val="4EC9B0"/>
+                </a:solidFill>
+                <a:effectLst/>
+                <a:latin typeface="Menlo" panose="020B0609030804020204" pitchFamily="49" charset="0"/>
+              </a:rPr>
+              <a:t>parameter_list</a:t>
+            </a:r>
+            <a:r>
+              <a:rPr lang="en" b="0" dirty="0">
+                <a:solidFill>
+                  <a:srgbClr val="D4D4D4"/>
+                </a:solidFill>
+                <a:effectLst/>
+                <a:latin typeface="Menlo" panose="020B0609030804020204" pitchFamily="49" charset="0"/>
+              </a:rPr>
+              <a:t>);</a:t>
+            </a:r>
+          </a:p>
+          <a:p>
+            <a:pPr marL="0" indent="0">
+              <a:buNone/>
+            </a:pPr>
+            <a:endParaRPr lang="en" dirty="0">
+              <a:solidFill>
+                <a:srgbClr val="D4D4D4"/>
+              </a:solidFill>
+              <a:latin typeface="Menlo" panose="020B0609030804020204" pitchFamily="49" charset="0"/>
+            </a:endParaRPr>
+          </a:p>
+          <a:p>
+            <a:pPr marL="0" indent="0">
+              <a:buNone/>
+            </a:pPr>
+            <a:r>
+              <a:rPr lang="ru-RU" b="0" dirty="0">
+                <a:effectLst/>
+                <a:latin typeface="Menlo" panose="020B0609030804020204" pitchFamily="49" charset="0"/>
+              </a:rPr>
+              <a:t>Тип функции</a:t>
+            </a:r>
+            <a:endParaRPr lang="en" b="0" dirty="0">
+              <a:effectLst/>
+              <a:latin typeface="Menlo" panose="020B0609030804020204" pitchFamily="49" charset="0"/>
+            </a:endParaRPr>
+          </a:p>
+        </p:txBody>
+      </p:sp>
+      <p:cxnSp>
+        <p:nvCxnSpPr>
+          <p:cNvPr id="5" name="Прямая со стрелкой 4">
+            <a:extLst>
+              <a:ext uri="{FF2B5EF4-FFF2-40B4-BE49-F238E27FC236}">
+                <a16:creationId xmlns:a16="http://schemas.microsoft.com/office/drawing/2014/main" id="{FC2A6AFD-E1A3-FCA6-2C76-169EA0E9C6B2}"/>
+              </a:ext>
+            </a:extLst>
+          </p:cNvPr>
+          <p:cNvCxnSpPr>
+            <a:cxnSpLocks/>
+          </p:cNvCxnSpPr>
+          <p:nvPr/>
+        </p:nvCxnSpPr>
+        <p:spPr>
+          <a:xfrm flipV="1">
+            <a:off x="1946031" y="4900246"/>
+            <a:ext cx="398584" cy="550985"/>
+          </a:xfrm>
+          <a:prstGeom prst="straightConnector1">
+            <a:avLst/>
+          </a:prstGeom>
+          <a:ln w="38100">
+            <a:tailEnd type="triangle"/>
+          </a:ln>
+        </p:spPr>
+        <p:style>
+          <a:lnRef idx="1">
+            <a:schemeClr val="accent1"/>
+          </a:lnRef>
+          <a:fillRef idx="0">
+            <a:schemeClr val="accent1"/>
+          </a:fillRef>
+          <a:effectRef idx="0">
+            <a:schemeClr val="accent1"/>
+          </a:effectRef>
+          <a:fontRef idx="minor">
+            <a:schemeClr val="tx1"/>
+          </a:fontRef>
+        </p:style>
+      </p:cxnSp>
+    </p:spTree>
+    <p:extLst>
+      <p:ext uri="{BB962C8B-B14F-4D97-AF65-F5344CB8AC3E}">
+        <p14:creationId xmlns:p14="http://schemas.microsoft.com/office/powerpoint/2010/main" val="3047849440"/>
+      </p:ext>
+    </p:extLst>
+  </p:cSld>
+  <p:clrMapOvr>
+    <a:masterClrMapping/>
+  </p:clrMapOvr>
+</p:sld>
+</file>
+
+<file path=ppt/slides/slide36.xml><?xml version="1.0" encoding="utf-8"?>
+<p:sld xmlns:a="http://schemas.openxmlformats.org/drawingml/2006/main" xmlns:r="http://schemas.openxmlformats.org/officeDocument/2006/relationships" xmlns:p="http://schemas.openxmlformats.org/presentationml/2006/main">
+  <p:cSld>
+    <p:spTree>
+      <p:nvGrpSpPr>
+        <p:cNvPr id="1" name=""/>
+        <p:cNvGrpSpPr/>
+        <p:nvPr/>
+      </p:nvGrpSpPr>
+      <p:grpSpPr>
+        <a:xfrm>
+          <a:off x="0" y="0"/>
+          <a:ext cx="0" cy="0"/>
+          <a:chOff x="0" y="0"/>
+          <a:chExt cx="0" cy="0"/>
+        </a:xfrm>
+      </p:grpSpPr>
+      <p:sp>
+        <p:nvSpPr>
+          <p:cNvPr id="2" name="Заголовок 1">
+            <a:extLst>
+              <a:ext uri="{FF2B5EF4-FFF2-40B4-BE49-F238E27FC236}">
+                <a16:creationId xmlns:a16="http://schemas.microsoft.com/office/drawing/2014/main" id="{A9854FC2-9FE8-DBEA-AD8C-A2FFFA7BD8EB}"/>
+              </a:ext>
+            </a:extLst>
+          </p:cNvPr>
+          <p:cNvSpPr>
+            <a:spLocks noGrp="1"/>
+          </p:cNvSpPr>
+          <p:nvPr>
+            <p:ph type="title"/>
+          </p:nvPr>
+        </p:nvSpPr>
+        <p:spPr/>
+        <p:txBody>
+          <a:bodyPr/>
+          <a:lstStyle/>
+          <a:p>
+            <a:r>
+              <a:rPr lang="ru-RU" dirty="0"/>
+              <a:t>Указатель на функцию</a:t>
+            </a:r>
+          </a:p>
+        </p:txBody>
+      </p:sp>
+      <p:sp>
+        <p:nvSpPr>
+          <p:cNvPr id="3" name="Объект 2">
+            <a:extLst>
+              <a:ext uri="{FF2B5EF4-FFF2-40B4-BE49-F238E27FC236}">
+                <a16:creationId xmlns:a16="http://schemas.microsoft.com/office/drawing/2014/main" id="{1FD5267C-4AEA-F689-DF6C-45189DE6F8DB}"/>
+              </a:ext>
+            </a:extLst>
+          </p:cNvPr>
+          <p:cNvSpPr>
+            <a:spLocks noGrp="1"/>
+          </p:cNvSpPr>
+          <p:nvPr>
+            <p:ph idx="1"/>
+          </p:nvPr>
+        </p:nvSpPr>
+        <p:spPr/>
+        <p:txBody>
+          <a:bodyPr/>
+          <a:lstStyle/>
+          <a:p>
+            <a:pPr marL="0" indent="0">
+              <a:buNone/>
+            </a:pPr>
+            <a:r>
+              <a:rPr lang="ru-RU" b="0" i="0" u="none" strike="noStrike" dirty="0">
+                <a:solidFill>
+                  <a:srgbClr val="C9D1D9"/>
+                </a:solidFill>
+                <a:effectLst/>
+                <a:latin typeface=""/>
+              </a:rPr>
+              <a:t>	</a:t>
+            </a:r>
+            <a:r>
+              <a:rPr lang="ru-RU" b="0" i="0" u="none" strike="noStrike" dirty="0">
+                <a:effectLst/>
+                <a:latin typeface=""/>
+              </a:rPr>
+              <a:t>Указатель на функцию в </a:t>
+            </a:r>
+            <a:r>
+              <a:rPr lang="en" b="0" i="0" u="none" strike="noStrike" dirty="0">
+                <a:effectLst/>
+                <a:latin typeface=""/>
+              </a:rPr>
+              <a:t>C++ </a:t>
+            </a:r>
+            <a:r>
+              <a:rPr lang="ru-RU" b="0" i="0" u="none" strike="noStrike" dirty="0">
+                <a:effectLst/>
+                <a:latin typeface=""/>
+              </a:rPr>
+              <a:t>представляет собой переменную, которая содержит адрес функции. Он позволяет передавать функции в качестве аргументов других функций или сохранять указатель на функцию в структурах данных для последующего вызова.</a:t>
+            </a:r>
+            <a:endParaRPr lang="en-US" b="0" i="0" u="none" strike="noStrike" dirty="0">
+              <a:effectLst/>
+              <a:latin typeface=""/>
+            </a:endParaRPr>
+          </a:p>
+          <a:p>
+            <a:pPr marL="0" indent="0">
+              <a:buNone/>
+            </a:pPr>
+            <a:endParaRPr lang="en-US" b="0" i="0" u="none" strike="noStrike" dirty="0">
+              <a:effectLst/>
+              <a:latin typeface=""/>
+            </a:endParaRPr>
+          </a:p>
+          <a:p>
+            <a:pPr marL="0" indent="0">
+              <a:buNone/>
+            </a:pPr>
+            <a:r>
+              <a:rPr lang="en" b="0" dirty="0" err="1">
+                <a:solidFill>
+                  <a:srgbClr val="4EC9B0"/>
+                </a:solidFill>
+                <a:effectLst/>
+                <a:latin typeface="Menlo" panose="020B0609030804020204" pitchFamily="49" charset="0"/>
+              </a:rPr>
+              <a:t>return_type</a:t>
+            </a:r>
+            <a:r>
+              <a:rPr lang="en" b="0" dirty="0">
+                <a:solidFill>
+                  <a:srgbClr val="D4D4D4"/>
+                </a:solidFill>
+                <a:effectLst/>
+                <a:latin typeface="Menlo" panose="020B0609030804020204" pitchFamily="49" charset="0"/>
+              </a:rPr>
+              <a:t> (*</a:t>
+            </a:r>
+            <a:r>
+              <a:rPr lang="en" b="0" dirty="0" err="1">
+                <a:solidFill>
+                  <a:srgbClr val="9CDCFE"/>
+                </a:solidFill>
+                <a:effectLst/>
+                <a:latin typeface="Menlo" panose="020B0609030804020204" pitchFamily="49" charset="0"/>
+              </a:rPr>
+              <a:t>pointer_name</a:t>
+            </a:r>
+            <a:r>
+              <a:rPr lang="en" b="0" dirty="0">
+                <a:solidFill>
+                  <a:srgbClr val="D4D4D4"/>
+                </a:solidFill>
+                <a:effectLst/>
+                <a:latin typeface="Menlo" panose="020B0609030804020204" pitchFamily="49" charset="0"/>
+              </a:rPr>
+              <a:t>)(</a:t>
+            </a:r>
+            <a:r>
+              <a:rPr lang="en" b="0" dirty="0" err="1">
+                <a:solidFill>
+                  <a:srgbClr val="4EC9B0"/>
+                </a:solidFill>
+                <a:effectLst/>
+                <a:latin typeface="Menlo" panose="020B0609030804020204" pitchFamily="49" charset="0"/>
+              </a:rPr>
+              <a:t>parameter_list</a:t>
+            </a:r>
+            <a:r>
+              <a:rPr lang="en" b="0" dirty="0">
+                <a:solidFill>
+                  <a:srgbClr val="D4D4D4"/>
+                </a:solidFill>
+                <a:effectLst/>
+                <a:latin typeface="Menlo" panose="020B0609030804020204" pitchFamily="49" charset="0"/>
+              </a:rPr>
+              <a:t>);</a:t>
+            </a:r>
+            <a:endParaRPr lang="ru-RU" b="0" dirty="0">
+              <a:solidFill>
+                <a:srgbClr val="D4D4D4"/>
+              </a:solidFill>
+              <a:effectLst/>
+              <a:latin typeface="Menlo" panose="020B0609030804020204" pitchFamily="49" charset="0"/>
+            </a:endParaRPr>
+          </a:p>
+          <a:p>
+            <a:pPr marL="0" indent="0">
+              <a:buNone/>
+            </a:pPr>
+            <a:endParaRPr lang="ru-RU" dirty="0">
+              <a:solidFill>
+                <a:srgbClr val="D4D4D4"/>
+              </a:solidFill>
+              <a:latin typeface="Menlo" panose="020B0609030804020204" pitchFamily="49" charset="0"/>
+            </a:endParaRPr>
+          </a:p>
+          <a:p>
+            <a:pPr marL="0" indent="0">
+              <a:buNone/>
+            </a:pPr>
+            <a:r>
+              <a:rPr lang="ru-RU" b="0" dirty="0">
+                <a:effectLst/>
+                <a:latin typeface="Menlo" panose="020B0609030804020204" pitchFamily="49" charset="0"/>
+              </a:rPr>
+              <a:t>Тип функции   Название</a:t>
+            </a:r>
+            <a:endParaRPr lang="en" b="0" dirty="0">
+              <a:effectLst/>
+              <a:latin typeface="Menlo" panose="020B0609030804020204" pitchFamily="49" charset="0"/>
+            </a:endParaRPr>
+          </a:p>
+        </p:txBody>
+      </p:sp>
+      <p:cxnSp>
+        <p:nvCxnSpPr>
+          <p:cNvPr id="5" name="Прямая со стрелкой 4">
+            <a:extLst>
+              <a:ext uri="{FF2B5EF4-FFF2-40B4-BE49-F238E27FC236}">
+                <a16:creationId xmlns:a16="http://schemas.microsoft.com/office/drawing/2014/main" id="{FC2A6AFD-E1A3-FCA6-2C76-169EA0E9C6B2}"/>
+              </a:ext>
+            </a:extLst>
+          </p:cNvPr>
+          <p:cNvCxnSpPr>
+            <a:cxnSpLocks/>
+          </p:cNvCxnSpPr>
+          <p:nvPr/>
+        </p:nvCxnSpPr>
+        <p:spPr>
+          <a:xfrm flipV="1">
+            <a:off x="1946031" y="4900246"/>
+            <a:ext cx="398584" cy="550985"/>
+          </a:xfrm>
+          <a:prstGeom prst="straightConnector1">
+            <a:avLst/>
+          </a:prstGeom>
+          <a:ln w="38100">
+            <a:tailEnd type="triangle"/>
+          </a:ln>
+        </p:spPr>
+        <p:style>
+          <a:lnRef idx="1">
+            <a:schemeClr val="accent1"/>
+          </a:lnRef>
+          <a:fillRef idx="0">
+            <a:schemeClr val="accent1"/>
+          </a:fillRef>
+          <a:effectRef idx="0">
+            <a:schemeClr val="accent1"/>
+          </a:effectRef>
+          <a:fontRef idx="minor">
+            <a:schemeClr val="tx1"/>
+          </a:fontRef>
+        </p:style>
+      </p:cxnSp>
+      <p:cxnSp>
+        <p:nvCxnSpPr>
+          <p:cNvPr id="8" name="Прямая со стрелкой 7">
+            <a:extLst>
+              <a:ext uri="{FF2B5EF4-FFF2-40B4-BE49-F238E27FC236}">
+                <a16:creationId xmlns:a16="http://schemas.microsoft.com/office/drawing/2014/main" id="{542B5188-048F-379A-253B-D2FF35430337}"/>
+              </a:ext>
+            </a:extLst>
+          </p:cNvPr>
+          <p:cNvCxnSpPr>
+            <a:cxnSpLocks/>
+          </p:cNvCxnSpPr>
+          <p:nvPr/>
+        </p:nvCxnSpPr>
+        <p:spPr>
+          <a:xfrm flipV="1">
+            <a:off x="4900246" y="4900246"/>
+            <a:ext cx="0" cy="550985"/>
+          </a:xfrm>
+          <a:prstGeom prst="straightConnector1">
+            <a:avLst/>
+          </a:prstGeom>
+          <a:ln w="38100">
+            <a:tailEnd type="triangle"/>
+          </a:ln>
+        </p:spPr>
+        <p:style>
+          <a:lnRef idx="1">
+            <a:schemeClr val="accent1"/>
+          </a:lnRef>
+          <a:fillRef idx="0">
+            <a:schemeClr val="accent1"/>
+          </a:fillRef>
+          <a:effectRef idx="0">
+            <a:schemeClr val="accent1"/>
+          </a:effectRef>
+          <a:fontRef idx="minor">
+            <a:schemeClr val="tx1"/>
+          </a:fontRef>
+        </p:style>
+      </p:cxnSp>
+    </p:spTree>
+    <p:extLst>
+      <p:ext uri="{BB962C8B-B14F-4D97-AF65-F5344CB8AC3E}">
+        <p14:creationId xmlns:p14="http://schemas.microsoft.com/office/powerpoint/2010/main" val="267871715"/>
+      </p:ext>
+    </p:extLst>
+  </p:cSld>
+  <p:clrMapOvr>
+    <a:masterClrMapping/>
+  </p:clrMapOvr>
+</p:sld>
+</file>
+
+<file path=ppt/slides/slide37.xml><?xml version="1.0" encoding="utf-8"?>
+<p:sld xmlns:a="http://schemas.openxmlformats.org/drawingml/2006/main" xmlns:r="http://schemas.openxmlformats.org/officeDocument/2006/relationships" xmlns:p="http://schemas.openxmlformats.org/presentationml/2006/main">
+  <p:cSld>
+    <p:spTree>
+      <p:nvGrpSpPr>
+        <p:cNvPr id="1" name=""/>
+        <p:cNvGrpSpPr/>
+        <p:nvPr/>
+      </p:nvGrpSpPr>
+      <p:grpSpPr>
+        <a:xfrm>
+          <a:off x="0" y="0"/>
+          <a:ext cx="0" cy="0"/>
+          <a:chOff x="0" y="0"/>
+          <a:chExt cx="0" cy="0"/>
+        </a:xfrm>
+      </p:grpSpPr>
+      <p:sp>
+        <p:nvSpPr>
+          <p:cNvPr id="2" name="Заголовок 1">
+            <a:extLst>
+              <a:ext uri="{FF2B5EF4-FFF2-40B4-BE49-F238E27FC236}">
+                <a16:creationId xmlns:a16="http://schemas.microsoft.com/office/drawing/2014/main" id="{A9854FC2-9FE8-DBEA-AD8C-A2FFFA7BD8EB}"/>
+              </a:ext>
+            </a:extLst>
+          </p:cNvPr>
+          <p:cNvSpPr>
+            <a:spLocks noGrp="1"/>
+          </p:cNvSpPr>
+          <p:nvPr>
+            <p:ph type="title"/>
+          </p:nvPr>
+        </p:nvSpPr>
+        <p:spPr/>
+        <p:txBody>
+          <a:bodyPr/>
+          <a:lstStyle/>
+          <a:p>
+            <a:r>
+              <a:rPr lang="ru-RU" dirty="0"/>
+              <a:t>Указатель на функцию</a:t>
+            </a:r>
+          </a:p>
+        </p:txBody>
+      </p:sp>
+      <p:sp>
+        <p:nvSpPr>
+          <p:cNvPr id="3" name="Объект 2">
+            <a:extLst>
+              <a:ext uri="{FF2B5EF4-FFF2-40B4-BE49-F238E27FC236}">
+                <a16:creationId xmlns:a16="http://schemas.microsoft.com/office/drawing/2014/main" id="{1FD5267C-4AEA-F689-DF6C-45189DE6F8DB}"/>
+              </a:ext>
+            </a:extLst>
+          </p:cNvPr>
+          <p:cNvSpPr>
+            <a:spLocks noGrp="1"/>
+          </p:cNvSpPr>
+          <p:nvPr>
+            <p:ph idx="1"/>
+          </p:nvPr>
+        </p:nvSpPr>
+        <p:spPr/>
+        <p:txBody>
+          <a:bodyPr>
+            <a:normAutofit/>
+          </a:bodyPr>
+          <a:lstStyle/>
+          <a:p>
+            <a:pPr marL="0" indent="0">
+              <a:buNone/>
+            </a:pPr>
+            <a:r>
+              <a:rPr lang="ru-RU" b="0" i="0" u="none" strike="noStrike" dirty="0">
+                <a:solidFill>
+                  <a:srgbClr val="C9D1D9"/>
+                </a:solidFill>
+                <a:effectLst/>
+                <a:latin typeface=""/>
+              </a:rPr>
+              <a:t>	</a:t>
+            </a:r>
+            <a:r>
+              <a:rPr lang="ru-RU" b="0" i="0" u="none" strike="noStrike" dirty="0">
+                <a:effectLst/>
+                <a:latin typeface=""/>
+              </a:rPr>
+              <a:t>Указатель на функцию в </a:t>
+            </a:r>
+            <a:r>
+              <a:rPr lang="en" b="0" i="0" u="none" strike="noStrike" dirty="0">
+                <a:effectLst/>
+                <a:latin typeface=""/>
+              </a:rPr>
+              <a:t>C++ </a:t>
+            </a:r>
+            <a:r>
+              <a:rPr lang="ru-RU" b="0" i="0" u="none" strike="noStrike" dirty="0">
+                <a:effectLst/>
+                <a:latin typeface=""/>
+              </a:rPr>
+              <a:t>представляет собой переменную, которая содержит адрес функции. Он позволяет передавать функции в качестве аргументов других функций или сохранять указатель на функцию в структурах данных для последующего вызова.</a:t>
+            </a:r>
+            <a:endParaRPr lang="en-US" b="0" i="0" u="none" strike="noStrike" dirty="0">
+              <a:effectLst/>
+              <a:latin typeface=""/>
+            </a:endParaRPr>
+          </a:p>
+          <a:p>
+            <a:pPr marL="0" indent="0">
+              <a:buNone/>
+            </a:pPr>
+            <a:endParaRPr lang="en-US" b="0" i="0" u="none" strike="noStrike" dirty="0">
+              <a:effectLst/>
+              <a:latin typeface=""/>
+            </a:endParaRPr>
+          </a:p>
+          <a:p>
+            <a:pPr marL="0" indent="0">
+              <a:buNone/>
+            </a:pPr>
+            <a:r>
+              <a:rPr lang="en" b="0" dirty="0" err="1">
+                <a:solidFill>
+                  <a:srgbClr val="4EC9B0"/>
+                </a:solidFill>
+                <a:effectLst/>
+                <a:latin typeface="Menlo" panose="020B0609030804020204" pitchFamily="49" charset="0"/>
+              </a:rPr>
+              <a:t>return_type</a:t>
+            </a:r>
+            <a:r>
+              <a:rPr lang="en" b="0" dirty="0">
+                <a:solidFill>
+                  <a:srgbClr val="D4D4D4"/>
+                </a:solidFill>
+                <a:effectLst/>
+                <a:latin typeface="Menlo" panose="020B0609030804020204" pitchFamily="49" charset="0"/>
+              </a:rPr>
+              <a:t> (*</a:t>
+            </a:r>
+            <a:r>
+              <a:rPr lang="en" b="0" dirty="0" err="1">
+                <a:solidFill>
+                  <a:srgbClr val="9CDCFE"/>
+                </a:solidFill>
+                <a:effectLst/>
+                <a:latin typeface="Menlo" panose="020B0609030804020204" pitchFamily="49" charset="0"/>
+              </a:rPr>
+              <a:t>pointer_name</a:t>
+            </a:r>
+            <a:r>
+              <a:rPr lang="en" b="0" dirty="0">
+                <a:solidFill>
+                  <a:srgbClr val="D4D4D4"/>
+                </a:solidFill>
+                <a:effectLst/>
+                <a:latin typeface="Menlo" panose="020B0609030804020204" pitchFamily="49" charset="0"/>
+              </a:rPr>
+              <a:t>)(</a:t>
+            </a:r>
+            <a:r>
+              <a:rPr lang="en" b="0" dirty="0" err="1">
+                <a:solidFill>
+                  <a:srgbClr val="4EC9B0"/>
+                </a:solidFill>
+                <a:effectLst/>
+                <a:latin typeface="Menlo" panose="020B0609030804020204" pitchFamily="49" charset="0"/>
+              </a:rPr>
+              <a:t>parameter_list</a:t>
+            </a:r>
+            <a:r>
+              <a:rPr lang="en" b="0" dirty="0">
+                <a:solidFill>
+                  <a:srgbClr val="D4D4D4"/>
+                </a:solidFill>
+                <a:effectLst/>
+                <a:latin typeface="Menlo" panose="020B0609030804020204" pitchFamily="49" charset="0"/>
+              </a:rPr>
+              <a:t>);</a:t>
+            </a:r>
+            <a:endParaRPr lang="ru-RU" b="0" dirty="0">
+              <a:solidFill>
+                <a:srgbClr val="D4D4D4"/>
+              </a:solidFill>
+              <a:effectLst/>
+              <a:latin typeface="Menlo" panose="020B0609030804020204" pitchFamily="49" charset="0"/>
+            </a:endParaRPr>
+          </a:p>
+          <a:p>
+            <a:pPr marL="0" indent="0">
+              <a:buNone/>
+            </a:pPr>
+            <a:endParaRPr lang="ru-RU" dirty="0">
+              <a:solidFill>
+                <a:srgbClr val="D4D4D4"/>
+              </a:solidFill>
+              <a:latin typeface="Menlo" panose="020B0609030804020204" pitchFamily="49" charset="0"/>
+            </a:endParaRPr>
+          </a:p>
+          <a:p>
+            <a:pPr marL="0" indent="0">
+              <a:buNone/>
+            </a:pPr>
+            <a:r>
+              <a:rPr lang="ru-RU" b="0" dirty="0">
+                <a:effectLst/>
+                <a:latin typeface="Menlo" panose="020B0609030804020204" pitchFamily="49" charset="0"/>
+              </a:rPr>
+              <a:t>Тип функции   Название   Параметризация функции</a:t>
+            </a:r>
+            <a:endParaRPr lang="en" b="0" dirty="0">
+              <a:effectLst/>
+              <a:latin typeface="Menlo" panose="020B0609030804020204" pitchFamily="49" charset="0"/>
+            </a:endParaRPr>
+          </a:p>
+        </p:txBody>
+      </p:sp>
+      <p:cxnSp>
+        <p:nvCxnSpPr>
+          <p:cNvPr id="5" name="Прямая со стрелкой 4">
+            <a:extLst>
+              <a:ext uri="{FF2B5EF4-FFF2-40B4-BE49-F238E27FC236}">
+                <a16:creationId xmlns:a16="http://schemas.microsoft.com/office/drawing/2014/main" id="{FC2A6AFD-E1A3-FCA6-2C76-169EA0E9C6B2}"/>
+              </a:ext>
+            </a:extLst>
+          </p:cNvPr>
+          <p:cNvCxnSpPr>
+            <a:cxnSpLocks/>
+          </p:cNvCxnSpPr>
+          <p:nvPr/>
+        </p:nvCxnSpPr>
+        <p:spPr>
+          <a:xfrm flipV="1">
+            <a:off x="1946031" y="4900246"/>
+            <a:ext cx="398584" cy="550985"/>
+          </a:xfrm>
+          <a:prstGeom prst="straightConnector1">
+            <a:avLst/>
+          </a:prstGeom>
+          <a:ln w="38100">
+            <a:tailEnd type="triangle"/>
+          </a:ln>
+        </p:spPr>
+        <p:style>
+          <a:lnRef idx="1">
+            <a:schemeClr val="accent1"/>
+          </a:lnRef>
+          <a:fillRef idx="0">
+            <a:schemeClr val="accent1"/>
+          </a:fillRef>
+          <a:effectRef idx="0">
+            <a:schemeClr val="accent1"/>
+          </a:effectRef>
+          <a:fontRef idx="minor">
+            <a:schemeClr val="tx1"/>
+          </a:fontRef>
+        </p:style>
+      </p:cxnSp>
+      <p:cxnSp>
+        <p:nvCxnSpPr>
+          <p:cNvPr id="8" name="Прямая со стрелкой 7">
+            <a:extLst>
+              <a:ext uri="{FF2B5EF4-FFF2-40B4-BE49-F238E27FC236}">
+                <a16:creationId xmlns:a16="http://schemas.microsoft.com/office/drawing/2014/main" id="{542B5188-048F-379A-253B-D2FF35430337}"/>
+              </a:ext>
+            </a:extLst>
+          </p:cNvPr>
+          <p:cNvCxnSpPr>
+            <a:cxnSpLocks/>
+          </p:cNvCxnSpPr>
+          <p:nvPr/>
+        </p:nvCxnSpPr>
+        <p:spPr>
+          <a:xfrm flipV="1">
+            <a:off x="4900246" y="4900246"/>
+            <a:ext cx="0" cy="550985"/>
+          </a:xfrm>
+          <a:prstGeom prst="straightConnector1">
+            <a:avLst/>
+          </a:prstGeom>
+          <a:ln w="38100">
+            <a:tailEnd type="triangle"/>
+          </a:ln>
+        </p:spPr>
+        <p:style>
+          <a:lnRef idx="1">
+            <a:schemeClr val="accent1"/>
+          </a:lnRef>
+          <a:fillRef idx="0">
+            <a:schemeClr val="accent1"/>
+          </a:fillRef>
+          <a:effectRef idx="0">
+            <a:schemeClr val="accent1"/>
+          </a:effectRef>
+          <a:fontRef idx="minor">
+            <a:schemeClr val="tx1"/>
+          </a:fontRef>
+        </p:style>
+      </p:cxnSp>
+      <p:cxnSp>
+        <p:nvCxnSpPr>
+          <p:cNvPr id="9" name="Прямая со стрелкой 8">
+            <a:extLst>
+              <a:ext uri="{FF2B5EF4-FFF2-40B4-BE49-F238E27FC236}">
+                <a16:creationId xmlns:a16="http://schemas.microsoft.com/office/drawing/2014/main" id="{C7638088-7318-20AD-1B9D-2223316C6C77}"/>
+              </a:ext>
+            </a:extLst>
+          </p:cNvPr>
+          <p:cNvCxnSpPr>
+            <a:cxnSpLocks/>
+          </p:cNvCxnSpPr>
+          <p:nvPr/>
+        </p:nvCxnSpPr>
+        <p:spPr>
+          <a:xfrm flipH="1" flipV="1">
+            <a:off x="8475784" y="4900245"/>
+            <a:ext cx="293078" cy="550986"/>
+          </a:xfrm>
+          <a:prstGeom prst="straightConnector1">
+            <a:avLst/>
+          </a:prstGeom>
+          <a:ln w="38100">
+            <a:tailEnd type="triangle"/>
+          </a:ln>
+        </p:spPr>
+        <p:style>
+          <a:lnRef idx="1">
+            <a:schemeClr val="accent1"/>
+          </a:lnRef>
+          <a:fillRef idx="0">
+            <a:schemeClr val="accent1"/>
+          </a:fillRef>
+          <a:effectRef idx="0">
+            <a:schemeClr val="accent1"/>
+          </a:effectRef>
+          <a:fontRef idx="minor">
+            <a:schemeClr val="tx1"/>
+          </a:fontRef>
+        </p:style>
+      </p:cxnSp>
+    </p:spTree>
+    <p:extLst>
+      <p:ext uri="{BB962C8B-B14F-4D97-AF65-F5344CB8AC3E}">
+        <p14:creationId xmlns:p14="http://schemas.microsoft.com/office/powerpoint/2010/main" val="4063383596"/>
+      </p:ext>
+    </p:extLst>
+  </p:cSld>
+  <p:clrMapOvr>
+    <a:masterClrMapping/>
+  </p:clrMapOvr>
+</p:sld>
+</file>
+
+<file path=ppt/slides/slide38.xml><?xml version="1.0" encoding="utf-8"?>
+<p:sld xmlns:a="http://schemas.openxmlformats.org/drawingml/2006/main" xmlns:r="http://schemas.openxmlformats.org/officeDocument/2006/relationships" xmlns:p="http://schemas.openxmlformats.org/presentationml/2006/main">
+  <p:cSld>
+    <p:bg>
+      <p:bgPr>
+        <a:solidFill>
+          <a:schemeClr val="tx1"/>
+        </a:solidFill>
+        <a:effectLst/>
+      </p:bgPr>
+    </p:bg>
+    <p:spTree>
+      <p:nvGrpSpPr>
+        <p:cNvPr id="1" name=""/>
+        <p:cNvGrpSpPr/>
+        <p:nvPr/>
+      </p:nvGrpSpPr>
+      <p:grpSpPr>
+        <a:xfrm>
+          <a:off x="0" y="0"/>
+          <a:ext cx="0" cy="0"/>
+          <a:chOff x="0" y="0"/>
+          <a:chExt cx="0" cy="0"/>
+        </a:xfrm>
+      </p:grpSpPr>
+      <p:pic>
+        <p:nvPicPr>
+          <p:cNvPr id="7" name="Рисунок 6">
+            <a:extLst>
+              <a:ext uri="{FF2B5EF4-FFF2-40B4-BE49-F238E27FC236}">
+                <a16:creationId xmlns:a16="http://schemas.microsoft.com/office/drawing/2014/main" id="{ABA068DD-A1D4-332E-40AD-75CEE2CE34E0}"/>
+              </a:ext>
+            </a:extLst>
+          </p:cNvPr>
+          <p:cNvPicPr>
+            <a:picLocks noChangeAspect="1"/>
+          </p:cNvPicPr>
+          <p:nvPr/>
+        </p:nvPicPr>
+        <p:blipFill>
+          <a:blip r:embed="rId2"/>
+          <a:stretch>
+            <a:fillRect/>
+          </a:stretch>
+        </p:blipFill>
+        <p:spPr>
+          <a:xfrm>
+            <a:off x="2954387" y="-211215"/>
+            <a:ext cx="6283398" cy="7280229"/>
+          </a:xfrm>
+          <a:prstGeom prst="rect">
+            <a:avLst/>
+          </a:prstGeom>
+        </p:spPr>
+      </p:pic>
+    </p:spTree>
+    <p:extLst>
+      <p:ext uri="{BB962C8B-B14F-4D97-AF65-F5344CB8AC3E}">
+        <p14:creationId xmlns:p14="http://schemas.microsoft.com/office/powerpoint/2010/main" val="420334296"/>
+      </p:ext>
+    </p:extLst>
+  </p:cSld>
+  <p:clrMapOvr>
+    <a:masterClrMapping/>
+  </p:clrMapOvr>
+</p:sld>
+</file>
+
+<file path=ppt/slides/slide39.xml><?xml version="1.0" encoding="utf-8"?>
+<p:sld xmlns:a="http://schemas.openxmlformats.org/drawingml/2006/main" xmlns:r="http://schemas.openxmlformats.org/officeDocument/2006/relationships" xmlns:p="http://schemas.openxmlformats.org/presentationml/2006/main">
+  <p:cSld>
+    <p:bg>
+      <p:bgPr>
+        <a:solidFill>
+          <a:schemeClr val="tx1"/>
+        </a:solidFill>
+        <a:effectLst/>
+      </p:bgPr>
+    </p:bg>
+    <p:spTree>
+      <p:nvGrpSpPr>
+        <p:cNvPr id="1" name=""/>
+        <p:cNvGrpSpPr/>
+        <p:nvPr/>
+      </p:nvGrpSpPr>
+      <p:grpSpPr>
+        <a:xfrm>
+          <a:off x="0" y="0"/>
+          <a:ext cx="0" cy="0"/>
+          <a:chOff x="0" y="0"/>
+          <a:chExt cx="0" cy="0"/>
+        </a:xfrm>
+      </p:grpSpPr>
+      <p:pic>
+        <p:nvPicPr>
+          <p:cNvPr id="7" name="Рисунок 6">
+            <a:extLst>
+              <a:ext uri="{FF2B5EF4-FFF2-40B4-BE49-F238E27FC236}">
+                <a16:creationId xmlns:a16="http://schemas.microsoft.com/office/drawing/2014/main" id="{ABA068DD-A1D4-332E-40AD-75CEE2CE34E0}"/>
+              </a:ext>
+            </a:extLst>
+          </p:cNvPr>
+          <p:cNvPicPr>
+            <a:picLocks noChangeAspect="1"/>
+          </p:cNvPicPr>
+          <p:nvPr/>
+        </p:nvPicPr>
+        <p:blipFill rotWithShape="1">
+          <a:blip r:embed="rId2">
+            <a:alphaModFix amt="15000"/>
+          </a:blip>
+          <a:srcRect l="4138" t="22030" r="6207" b="34444"/>
+          <a:stretch/>
+        </p:blipFill>
+        <p:spPr>
+          <a:xfrm>
+            <a:off x="1" y="0"/>
+            <a:ext cx="12192000" cy="6858000"/>
+          </a:xfrm>
+          <a:prstGeom prst="rect">
+            <a:avLst/>
+          </a:prstGeom>
+        </p:spPr>
+      </p:pic>
+      <p:pic>
+        <p:nvPicPr>
+          <p:cNvPr id="2" name="Рисунок 1">
+            <a:extLst>
+              <a:ext uri="{FF2B5EF4-FFF2-40B4-BE49-F238E27FC236}">
+                <a16:creationId xmlns:a16="http://schemas.microsoft.com/office/drawing/2014/main" id="{1C6FAAFA-7B71-B280-81B9-5E0E925AF702}"/>
+              </a:ext>
+            </a:extLst>
+          </p:cNvPr>
+          <p:cNvPicPr>
+            <a:picLocks noChangeAspect="1"/>
+          </p:cNvPicPr>
+          <p:nvPr/>
+        </p:nvPicPr>
+        <p:blipFill>
+          <a:blip r:embed="rId3"/>
+          <a:stretch>
+            <a:fillRect/>
+          </a:stretch>
+        </p:blipFill>
+        <p:spPr>
+          <a:xfrm>
+            <a:off x="0" y="0"/>
+            <a:ext cx="6551112" cy="3548519"/>
+          </a:xfrm>
+          <a:prstGeom prst="rect">
+            <a:avLst/>
+          </a:prstGeom>
+        </p:spPr>
+      </p:pic>
+    </p:spTree>
+    <p:extLst>
+      <p:ext uri="{BB962C8B-B14F-4D97-AF65-F5344CB8AC3E}">
+        <p14:creationId xmlns:p14="http://schemas.microsoft.com/office/powerpoint/2010/main" val="615468667"/>
+      </p:ext>
+    </p:extLst>
+  </p:cSld>
+  <p:clrMapOvr>
+    <a:masterClrMapping/>
+  </p:clrMapOvr>
+</p:sld>
+</file>
+
+<file path=ppt/slides/slide4.xml><?xml version="1.0" encoding="utf-8"?>
+<p:sld xmlns:a="http://schemas.openxmlformats.org/drawingml/2006/main" xmlns:r="http://schemas.openxmlformats.org/officeDocument/2006/relationships" xmlns:p="http://schemas.openxmlformats.org/presentationml/2006/main">
+  <p:cSld>
+    <p:spTree>
+      <p:nvGrpSpPr>
+        <p:cNvPr id="1" name=""/>
+        <p:cNvGrpSpPr/>
+        <p:nvPr/>
+      </p:nvGrpSpPr>
+      <p:grpSpPr>
+        <a:xfrm>
+          <a:off x="0" y="0"/>
+          <a:ext cx="0" cy="0"/>
+          <a:chOff x="0" y="0"/>
+          <a:chExt cx="0" cy="0"/>
+        </a:xfrm>
+      </p:grpSpPr>
+      <p:graphicFrame>
+        <p:nvGraphicFramePr>
+          <p:cNvPr id="2" name="Таблица 1">
+            <a:extLst>
+              <a:ext uri="{FF2B5EF4-FFF2-40B4-BE49-F238E27FC236}">
+                <a16:creationId xmlns:a16="http://schemas.microsoft.com/office/drawing/2014/main" id="{1BE443D8-3634-3533-C9FB-FFAC6DC924FF}"/>
+              </a:ext>
+            </a:extLst>
+          </p:cNvPr>
+          <p:cNvGraphicFramePr>
+            <a:graphicFrameLocks noGrp="1"/>
+          </p:cNvGraphicFramePr>
+          <p:nvPr>
+            <p:extLst>
+              <p:ext uri="{D42A27DB-BD31-4B8C-83A1-F6EECF244321}">
+                <p14:modId xmlns:p14="http://schemas.microsoft.com/office/powerpoint/2010/main" val="164331890"/>
+              </p:ext>
+            </p:extLst>
+          </p:nvPr>
+        </p:nvGraphicFramePr>
+        <p:xfrm>
+          <a:off x="0" y="0"/>
+          <a:ext cx="12192000" cy="6858000"/>
+        </p:xfrm>
+        <a:graphic>
+          <a:graphicData uri="http://schemas.openxmlformats.org/drawingml/2006/table">
+            <a:tbl>
+              <a:tblPr firstRow="1" bandRow="1">
+                <a:tableStyleId>{5C22544A-7EE6-4342-B048-85BDC9FD1C3A}</a:tableStyleId>
+              </a:tblPr>
+              <a:tblGrid>
+                <a:gridCol w="1219200">
+                  <a:extLst>
+                    <a:ext uri="{9D8B030D-6E8A-4147-A177-3AD203B41FA5}">
+                      <a16:colId xmlns:a16="http://schemas.microsoft.com/office/drawing/2014/main" val="855997079"/>
+                    </a:ext>
+                  </a:extLst>
+                </a:gridCol>
+                <a:gridCol w="1219200">
+                  <a:extLst>
+                    <a:ext uri="{9D8B030D-6E8A-4147-A177-3AD203B41FA5}">
+                      <a16:colId xmlns:a16="http://schemas.microsoft.com/office/drawing/2014/main" val="2452923228"/>
+                    </a:ext>
+                  </a:extLst>
+                </a:gridCol>
+                <a:gridCol w="1219200">
+                  <a:extLst>
+                    <a:ext uri="{9D8B030D-6E8A-4147-A177-3AD203B41FA5}">
+                      <a16:colId xmlns:a16="http://schemas.microsoft.com/office/drawing/2014/main" val="2474973037"/>
+                    </a:ext>
+                  </a:extLst>
+                </a:gridCol>
+                <a:gridCol w="1219200">
+                  <a:extLst>
+                    <a:ext uri="{9D8B030D-6E8A-4147-A177-3AD203B41FA5}">
+                      <a16:colId xmlns:a16="http://schemas.microsoft.com/office/drawing/2014/main" val="1817024263"/>
+                    </a:ext>
+                  </a:extLst>
+                </a:gridCol>
+                <a:gridCol w="1219200">
+                  <a:extLst>
+                    <a:ext uri="{9D8B030D-6E8A-4147-A177-3AD203B41FA5}">
+                      <a16:colId xmlns:a16="http://schemas.microsoft.com/office/drawing/2014/main" val="428475618"/>
+                    </a:ext>
+                  </a:extLst>
+                </a:gridCol>
+                <a:gridCol w="1219200">
+                  <a:extLst>
+                    <a:ext uri="{9D8B030D-6E8A-4147-A177-3AD203B41FA5}">
+                      <a16:colId xmlns:a16="http://schemas.microsoft.com/office/drawing/2014/main" val="1433750529"/>
+                    </a:ext>
+                  </a:extLst>
+                </a:gridCol>
+                <a:gridCol w="1219200">
+                  <a:extLst>
+                    <a:ext uri="{9D8B030D-6E8A-4147-A177-3AD203B41FA5}">
+                      <a16:colId xmlns:a16="http://schemas.microsoft.com/office/drawing/2014/main" val="2445009423"/>
+                    </a:ext>
+                  </a:extLst>
+                </a:gridCol>
+                <a:gridCol w="1219200">
+                  <a:extLst>
+                    <a:ext uri="{9D8B030D-6E8A-4147-A177-3AD203B41FA5}">
+                      <a16:colId xmlns:a16="http://schemas.microsoft.com/office/drawing/2014/main" val="2825435437"/>
+                    </a:ext>
+                  </a:extLst>
+                </a:gridCol>
+                <a:gridCol w="1219200">
+                  <a:extLst>
+                    <a:ext uri="{9D8B030D-6E8A-4147-A177-3AD203B41FA5}">
+                      <a16:colId xmlns:a16="http://schemas.microsoft.com/office/drawing/2014/main" val="500659477"/>
+                    </a:ext>
+                  </a:extLst>
+                </a:gridCol>
+                <a:gridCol w="1219200">
+                  <a:extLst>
+                    <a:ext uri="{9D8B030D-6E8A-4147-A177-3AD203B41FA5}">
+                      <a16:colId xmlns:a16="http://schemas.microsoft.com/office/drawing/2014/main" val="752658057"/>
+                    </a:ext>
+                  </a:extLst>
+                </a:gridCol>
+              </a:tblGrid>
+              <a:tr h="857250">
+                <a:tc>
+                  <a:txBody>
+                    <a:bodyPr/>
+                    <a:lstStyle/>
+                    <a:p>
+                      <a:pPr marL="0" marR="0" lvl="0" indent="0" algn="ctr" defTabSz="914400" rtl="0" eaLnBrk="1" fontAlgn="auto" latinLnBrk="0" hangingPunct="1">
+                        <a:lnSpc>
+                          <a:spcPct val="100000"/>
+                        </a:lnSpc>
+                        <a:spcBef>
+                          <a:spcPts val="0"/>
+                        </a:spcBef>
+                        <a:spcAft>
+                          <a:spcPts val="0"/>
+                        </a:spcAft>
+                        <a:buClrTx/>
+                        <a:buSzTx/>
+                        <a:buFontTx/>
+                        <a:buNone/>
+                        <a:tabLst/>
+                        <a:defRPr/>
+                      </a:pPr>
+                      <a:endParaRPr lang="en" sz="1400" b="1" kern="1200" dirty="0">
+                        <a:solidFill>
+                          <a:schemeClr val="lt1"/>
+                        </a:solidFill>
+                        <a:effectLst/>
+                        <a:latin typeface="+mn-lt"/>
+                        <a:ea typeface="+mn-ea"/>
+                        <a:cs typeface="+mn-cs"/>
+                      </a:endParaRPr>
+                    </a:p>
+                  </a:txBody>
+                  <a:tcPr anchor="ctr"/>
+                </a:tc>
+                <a:tc>
+                  <a:txBody>
+                    <a:bodyPr/>
+                    <a:lstStyle/>
+                    <a:p>
+                      <a:pPr marL="0" marR="0" lvl="0" indent="0" algn="ctr" defTabSz="914400" rtl="0" eaLnBrk="1" fontAlgn="auto" latinLnBrk="0" hangingPunct="1">
+                        <a:lnSpc>
+                          <a:spcPct val="100000"/>
+                        </a:lnSpc>
+                        <a:spcBef>
+                          <a:spcPts val="0"/>
+                        </a:spcBef>
+                        <a:spcAft>
+                          <a:spcPts val="0"/>
+                        </a:spcAft>
+                        <a:buClrTx/>
+                        <a:buSzTx/>
+                        <a:buFontTx/>
+                        <a:buNone/>
+                        <a:tabLst/>
+                        <a:defRPr/>
+                      </a:pPr>
+                      <a:endParaRPr lang="en" sz="1400" b="1" kern="1200" dirty="0">
+                        <a:solidFill>
+                          <a:schemeClr val="lt1"/>
+                        </a:solidFill>
+                        <a:effectLst/>
+                        <a:latin typeface="+mn-lt"/>
+                        <a:ea typeface="+mn-ea"/>
+                        <a:cs typeface="+mn-cs"/>
+                      </a:endParaRPr>
+                    </a:p>
+                  </a:txBody>
+                  <a:tcPr anchor="ctr"/>
+                </a:tc>
+                <a:tc>
+                  <a:txBody>
+                    <a:bodyPr/>
+                    <a:lstStyle/>
+                    <a:p>
+                      <a:pPr marL="0" marR="0" lvl="0" indent="0" algn="ctr" defTabSz="914400" rtl="0" eaLnBrk="1" fontAlgn="auto" latinLnBrk="0" hangingPunct="1">
+                        <a:lnSpc>
+                          <a:spcPct val="100000"/>
+                        </a:lnSpc>
+                        <a:spcBef>
+                          <a:spcPts val="0"/>
+                        </a:spcBef>
+                        <a:spcAft>
+                          <a:spcPts val="0"/>
+                        </a:spcAft>
+                        <a:buClrTx/>
+                        <a:buSzTx/>
+                        <a:buFontTx/>
+                        <a:buNone/>
+                        <a:tabLst/>
+                        <a:defRPr/>
+                      </a:pPr>
+                      <a:endParaRPr lang="en" sz="1400" b="1" kern="1200" dirty="0">
+                        <a:solidFill>
+                          <a:schemeClr val="lt1"/>
+                        </a:solidFill>
+                        <a:effectLst/>
+                        <a:latin typeface="+mn-lt"/>
+                        <a:ea typeface="+mn-ea"/>
+                        <a:cs typeface="+mn-cs"/>
+                      </a:endParaRPr>
+                    </a:p>
+                  </a:txBody>
+                  <a:tcPr anchor="ctr"/>
+                </a:tc>
+                <a:tc>
+                  <a:txBody>
+                    <a:bodyPr/>
+                    <a:lstStyle/>
+                    <a:p>
+                      <a:pPr marL="0" marR="0" lvl="0" indent="0" algn="ctr" defTabSz="914400" rtl="0" eaLnBrk="1" fontAlgn="auto" latinLnBrk="0" hangingPunct="1">
+                        <a:lnSpc>
+                          <a:spcPct val="100000"/>
+                        </a:lnSpc>
+                        <a:spcBef>
+                          <a:spcPts val="0"/>
+                        </a:spcBef>
+                        <a:spcAft>
+                          <a:spcPts val="0"/>
+                        </a:spcAft>
+                        <a:buClrTx/>
+                        <a:buSzTx/>
+                        <a:buFontTx/>
+                        <a:buNone/>
+                        <a:tabLst/>
+                        <a:defRPr/>
+                      </a:pPr>
+                      <a:endParaRPr lang="en" sz="1400" b="1" kern="1200" dirty="0">
+                        <a:solidFill>
+                          <a:schemeClr val="lt1"/>
+                        </a:solidFill>
+                        <a:effectLst/>
+                        <a:latin typeface="+mn-lt"/>
+                        <a:ea typeface="+mn-ea"/>
+                        <a:cs typeface="+mn-cs"/>
+                      </a:endParaRPr>
+                    </a:p>
+                  </a:txBody>
+                  <a:tcPr anchor="ctr"/>
+                </a:tc>
+                <a:tc>
+                  <a:txBody>
+                    <a:bodyPr/>
+                    <a:lstStyle/>
+                    <a:p>
+                      <a:pPr marL="0" marR="0" lvl="0" indent="0" algn="ctr" defTabSz="914400" rtl="0" eaLnBrk="1" fontAlgn="auto" latinLnBrk="0" hangingPunct="1">
+                        <a:lnSpc>
+                          <a:spcPct val="100000"/>
+                        </a:lnSpc>
+                        <a:spcBef>
+                          <a:spcPts val="0"/>
+                        </a:spcBef>
+                        <a:spcAft>
+                          <a:spcPts val="0"/>
+                        </a:spcAft>
+                        <a:buClrTx/>
+                        <a:buSzTx/>
+                        <a:buFontTx/>
+                        <a:buNone/>
+                        <a:tabLst/>
+                        <a:defRPr/>
+                      </a:pPr>
+                      <a:endParaRPr lang="en" sz="1400" b="1" kern="1200" dirty="0">
+                        <a:solidFill>
+                          <a:schemeClr val="lt1"/>
+                        </a:solidFill>
+                        <a:effectLst/>
+                        <a:latin typeface="+mn-lt"/>
+                        <a:ea typeface="+mn-ea"/>
+                        <a:cs typeface="+mn-cs"/>
+                      </a:endParaRPr>
+                    </a:p>
+                  </a:txBody>
+                  <a:tcPr anchor="ctr"/>
+                </a:tc>
+                <a:tc>
+                  <a:txBody>
+                    <a:bodyPr/>
+                    <a:lstStyle/>
+                    <a:p>
+                      <a:pPr marL="0" marR="0" lvl="0" indent="0" algn="ctr" defTabSz="914400" rtl="0" eaLnBrk="1" fontAlgn="auto" latinLnBrk="0" hangingPunct="1">
+                        <a:lnSpc>
+                          <a:spcPct val="100000"/>
+                        </a:lnSpc>
+                        <a:spcBef>
+                          <a:spcPts val="0"/>
+                        </a:spcBef>
+                        <a:spcAft>
+                          <a:spcPts val="0"/>
+                        </a:spcAft>
+                        <a:buClrTx/>
+                        <a:buSzTx/>
+                        <a:buFontTx/>
+                        <a:buNone/>
+                        <a:tabLst/>
+                        <a:defRPr/>
+                      </a:pPr>
+                      <a:endParaRPr lang="en" sz="1400" b="1" kern="1200" dirty="0">
+                        <a:solidFill>
+                          <a:schemeClr val="lt1"/>
+                        </a:solidFill>
+                        <a:effectLst/>
+                        <a:latin typeface="+mn-lt"/>
+                        <a:ea typeface="+mn-ea"/>
+                        <a:cs typeface="+mn-cs"/>
+                      </a:endParaRPr>
+                    </a:p>
+                  </a:txBody>
+                  <a:tcPr anchor="ctr"/>
+                </a:tc>
+                <a:tc>
+                  <a:txBody>
+                    <a:bodyPr/>
+                    <a:lstStyle/>
+                    <a:p>
+                      <a:pPr marL="0" marR="0" lvl="0" indent="0" algn="ctr" defTabSz="914400" rtl="0" eaLnBrk="1" fontAlgn="auto" latinLnBrk="0" hangingPunct="1">
+                        <a:lnSpc>
+                          <a:spcPct val="100000"/>
+                        </a:lnSpc>
+                        <a:spcBef>
+                          <a:spcPts val="0"/>
+                        </a:spcBef>
+                        <a:spcAft>
+                          <a:spcPts val="0"/>
+                        </a:spcAft>
+                        <a:buClrTx/>
+                        <a:buSzTx/>
+                        <a:buFontTx/>
+                        <a:buNone/>
+                        <a:tabLst/>
+                        <a:defRPr/>
+                      </a:pPr>
+                      <a:endParaRPr lang="en" sz="1400" b="1" kern="1200" dirty="0">
+                        <a:solidFill>
+                          <a:schemeClr val="lt1"/>
+                        </a:solidFill>
+                        <a:effectLst/>
+                        <a:latin typeface="+mn-lt"/>
+                        <a:ea typeface="+mn-ea"/>
+                        <a:cs typeface="+mn-cs"/>
+                      </a:endParaRPr>
+                    </a:p>
+                  </a:txBody>
+                  <a:tcPr anchor="ctr"/>
+                </a:tc>
+                <a:tc>
+                  <a:txBody>
+                    <a:bodyPr/>
+                    <a:lstStyle/>
+                    <a:p>
+                      <a:pPr marL="0" marR="0" lvl="0" indent="0" algn="ctr" defTabSz="914400" rtl="0" eaLnBrk="1" fontAlgn="auto" latinLnBrk="0" hangingPunct="1">
+                        <a:lnSpc>
+                          <a:spcPct val="100000"/>
+                        </a:lnSpc>
+                        <a:spcBef>
+                          <a:spcPts val="0"/>
+                        </a:spcBef>
+                        <a:spcAft>
+                          <a:spcPts val="0"/>
+                        </a:spcAft>
+                        <a:buClrTx/>
+                        <a:buSzTx/>
+                        <a:buFontTx/>
+                        <a:buNone/>
+                        <a:tabLst/>
+                        <a:defRPr/>
+                      </a:pPr>
+                      <a:endParaRPr lang="en" sz="1400" b="1" kern="1200" dirty="0">
+                        <a:solidFill>
+                          <a:schemeClr val="lt1"/>
+                        </a:solidFill>
+                        <a:effectLst/>
+                        <a:latin typeface="+mn-lt"/>
+                        <a:ea typeface="+mn-ea"/>
+                        <a:cs typeface="+mn-cs"/>
+                      </a:endParaRPr>
+                    </a:p>
+                  </a:txBody>
+                  <a:tcPr anchor="ctr"/>
+                </a:tc>
+                <a:tc>
+                  <a:txBody>
+                    <a:bodyPr/>
+                    <a:lstStyle/>
+                    <a:p>
+                      <a:pPr marL="0" marR="0" lvl="0" indent="0" algn="ctr" defTabSz="914400" rtl="0" eaLnBrk="1" fontAlgn="auto" latinLnBrk="0" hangingPunct="1">
+                        <a:lnSpc>
+                          <a:spcPct val="100000"/>
+                        </a:lnSpc>
+                        <a:spcBef>
+                          <a:spcPts val="0"/>
+                        </a:spcBef>
+                        <a:spcAft>
+                          <a:spcPts val="0"/>
+                        </a:spcAft>
+                        <a:buClrTx/>
+                        <a:buSzTx/>
+                        <a:buFontTx/>
+                        <a:buNone/>
+                        <a:tabLst/>
+                        <a:defRPr/>
+                      </a:pPr>
+                      <a:endParaRPr lang="en" sz="1400" b="1" kern="1200" dirty="0">
+                        <a:solidFill>
+                          <a:schemeClr val="lt1"/>
+                        </a:solidFill>
+                        <a:effectLst/>
+                        <a:latin typeface="+mn-lt"/>
+                        <a:ea typeface="+mn-ea"/>
+                        <a:cs typeface="+mn-cs"/>
+                      </a:endParaRPr>
+                    </a:p>
+                  </a:txBody>
+                  <a:tcPr anchor="ctr"/>
+                </a:tc>
+                <a:tc>
+                  <a:txBody>
+                    <a:bodyPr/>
+                    <a:lstStyle/>
+                    <a:p>
+                      <a:pPr marL="0" marR="0" lvl="0" indent="0" algn="ctr" defTabSz="914400" rtl="0" eaLnBrk="1" fontAlgn="auto" latinLnBrk="0" hangingPunct="1">
+                        <a:lnSpc>
+                          <a:spcPct val="100000"/>
+                        </a:lnSpc>
+                        <a:spcBef>
+                          <a:spcPts val="0"/>
+                        </a:spcBef>
+                        <a:spcAft>
+                          <a:spcPts val="0"/>
+                        </a:spcAft>
+                        <a:buClrTx/>
+                        <a:buSzTx/>
+                        <a:buFontTx/>
+                        <a:buNone/>
+                        <a:tabLst/>
+                        <a:defRPr/>
+                      </a:pPr>
+                      <a:endParaRPr lang="en" sz="1400" b="1" kern="1200" dirty="0">
+                        <a:solidFill>
+                          <a:schemeClr val="lt1"/>
+                        </a:solidFill>
+                        <a:effectLst/>
+                        <a:latin typeface="+mn-lt"/>
+                        <a:ea typeface="+mn-ea"/>
+                        <a:cs typeface="+mn-cs"/>
+                      </a:endParaRPr>
+                    </a:p>
+                  </a:txBody>
+                  <a:tcPr anchor="ctr"/>
+                </a:tc>
+                <a:extLst>
+                  <a:ext uri="{0D108BD9-81ED-4DB2-BD59-A6C34878D82A}">
+                    <a16:rowId xmlns:a16="http://schemas.microsoft.com/office/drawing/2014/main" val="4152901600"/>
+                  </a:ext>
+                </a:extLst>
+              </a:tr>
+              <a:tr h="857250">
+                <a:tc>
+                  <a:txBody>
+                    <a:bodyPr/>
+                    <a:lstStyle/>
+                    <a:p>
+                      <a:endParaRPr lang="ru-RU" dirty="0"/>
+                    </a:p>
+                  </a:txBody>
+                  <a:tcPr/>
+                </a:tc>
+                <a:tc>
+                  <a:txBody>
+                    <a:bodyPr/>
+                    <a:lstStyle/>
+                    <a:p>
+                      <a:endParaRPr lang="ru-RU"/>
+                    </a:p>
+                  </a:txBody>
+                  <a:tcPr/>
+                </a:tc>
+                <a:tc>
+                  <a:txBody>
+                    <a:bodyPr/>
+                    <a:lstStyle/>
+                    <a:p>
+                      <a:endParaRPr lang="ru-RU"/>
+                    </a:p>
+                  </a:txBody>
+                  <a:tcPr/>
+                </a:tc>
+                <a:tc>
+                  <a:txBody>
+                    <a:bodyPr/>
+                    <a:lstStyle/>
+                    <a:p>
+                      <a:endParaRPr lang="ru-RU"/>
+                    </a:p>
+                  </a:txBody>
+                  <a:tcPr/>
+                </a:tc>
+                <a:tc>
+                  <a:txBody>
+                    <a:bodyPr/>
+                    <a:lstStyle/>
+                    <a:p>
+                      <a:endParaRPr lang="ru-RU"/>
+                    </a:p>
+                  </a:txBody>
+                  <a:tcPr/>
+                </a:tc>
+                <a:tc>
+                  <a:txBody>
+                    <a:bodyPr/>
+                    <a:lstStyle/>
+                    <a:p>
+                      <a:endParaRPr lang="ru-RU" dirty="0"/>
+                    </a:p>
+                  </a:txBody>
+                  <a:tcPr/>
+                </a:tc>
+                <a:tc>
+                  <a:txBody>
+                    <a:bodyPr/>
+                    <a:lstStyle/>
+                    <a:p>
+                      <a:endParaRPr lang="ru-RU"/>
+                    </a:p>
+                  </a:txBody>
+                  <a:tcPr/>
+                </a:tc>
+                <a:tc>
+                  <a:txBody>
+                    <a:bodyPr/>
+                    <a:lstStyle/>
+                    <a:p>
+                      <a:endParaRPr lang="ru-RU"/>
+                    </a:p>
+                  </a:txBody>
+                  <a:tcPr/>
+                </a:tc>
+                <a:tc>
+                  <a:txBody>
+                    <a:bodyPr/>
+                    <a:lstStyle/>
+                    <a:p>
+                      <a:endParaRPr lang="ru-RU"/>
+                    </a:p>
+                  </a:txBody>
+                  <a:tcPr/>
+                </a:tc>
+                <a:tc>
+                  <a:txBody>
+                    <a:bodyPr/>
+                    <a:lstStyle/>
+                    <a:p>
+                      <a:endParaRPr lang="ru-RU"/>
+                    </a:p>
+                  </a:txBody>
+                  <a:tcPr/>
+                </a:tc>
+                <a:extLst>
+                  <a:ext uri="{0D108BD9-81ED-4DB2-BD59-A6C34878D82A}">
+                    <a16:rowId xmlns:a16="http://schemas.microsoft.com/office/drawing/2014/main" val="55674812"/>
+                  </a:ext>
+                </a:extLst>
+              </a:tr>
+              <a:tr h="857250">
+                <a:tc>
+                  <a:txBody>
+                    <a:bodyPr/>
+                    <a:lstStyle/>
+                    <a:p>
+                      <a:endParaRPr lang="ru-RU"/>
+                    </a:p>
+                  </a:txBody>
+                  <a:tcPr/>
+                </a:tc>
+                <a:tc>
+                  <a:txBody>
+                    <a:bodyPr/>
+                    <a:lstStyle/>
+                    <a:p>
+                      <a:endParaRPr lang="ru-RU"/>
+                    </a:p>
+                  </a:txBody>
+                  <a:tcPr/>
+                </a:tc>
+                <a:tc>
+                  <a:txBody>
+                    <a:bodyPr/>
+                    <a:lstStyle/>
+                    <a:p>
+                      <a:endParaRPr lang="ru-RU"/>
+                    </a:p>
+                  </a:txBody>
+                  <a:tcPr/>
+                </a:tc>
+                <a:tc>
+                  <a:txBody>
+                    <a:bodyPr/>
+                    <a:lstStyle/>
+                    <a:p>
+                      <a:endParaRPr lang="ru-RU"/>
+                    </a:p>
+                  </a:txBody>
+                  <a:tcPr/>
+                </a:tc>
+                <a:tc>
+                  <a:txBody>
+                    <a:bodyPr/>
+                    <a:lstStyle/>
+                    <a:p>
+                      <a:endParaRPr lang="ru-RU"/>
+                    </a:p>
+                  </a:txBody>
+                  <a:tcPr/>
+                </a:tc>
+                <a:tc>
+                  <a:txBody>
+                    <a:bodyPr/>
+                    <a:lstStyle/>
+                    <a:p>
+                      <a:endParaRPr lang="ru-RU"/>
+                    </a:p>
+                  </a:txBody>
+                  <a:tcPr/>
+                </a:tc>
+                <a:tc>
+                  <a:txBody>
+                    <a:bodyPr/>
+                    <a:lstStyle/>
+                    <a:p>
+                      <a:endParaRPr lang="ru-RU"/>
+                    </a:p>
+                  </a:txBody>
+                  <a:tcPr/>
+                </a:tc>
+                <a:tc>
+                  <a:txBody>
+                    <a:bodyPr/>
+                    <a:lstStyle/>
+                    <a:p>
+                      <a:endParaRPr lang="ru-RU"/>
+                    </a:p>
+                  </a:txBody>
+                  <a:tcPr/>
+                </a:tc>
+                <a:tc>
+                  <a:txBody>
+                    <a:bodyPr/>
+                    <a:lstStyle/>
+                    <a:p>
+                      <a:endParaRPr lang="ru-RU"/>
+                    </a:p>
+                  </a:txBody>
+                  <a:tcPr/>
+                </a:tc>
+                <a:tc>
+                  <a:txBody>
+                    <a:bodyPr/>
+                    <a:lstStyle/>
+                    <a:p>
+                      <a:endParaRPr lang="ru-RU"/>
+                    </a:p>
+                  </a:txBody>
+                  <a:tcPr/>
+                </a:tc>
+                <a:extLst>
+                  <a:ext uri="{0D108BD9-81ED-4DB2-BD59-A6C34878D82A}">
+                    <a16:rowId xmlns:a16="http://schemas.microsoft.com/office/drawing/2014/main" val="2871261195"/>
+                  </a:ext>
+                </a:extLst>
+              </a:tr>
+              <a:tr h="857250">
+                <a:tc>
+                  <a:txBody>
+                    <a:bodyPr/>
+                    <a:lstStyle/>
+                    <a:p>
+                      <a:endParaRPr lang="ru-RU"/>
+                    </a:p>
+                  </a:txBody>
+                  <a:tcPr/>
+                </a:tc>
+                <a:tc>
+                  <a:txBody>
+                    <a:bodyPr/>
+                    <a:lstStyle/>
+                    <a:p>
+                      <a:endParaRPr lang="ru-RU"/>
+                    </a:p>
+                  </a:txBody>
+                  <a:tcPr/>
+                </a:tc>
+                <a:tc>
+                  <a:txBody>
+                    <a:bodyPr/>
+                    <a:lstStyle/>
+                    <a:p>
+                      <a:endParaRPr lang="ru-RU"/>
+                    </a:p>
+                  </a:txBody>
+                  <a:tcPr/>
+                </a:tc>
+                <a:tc>
+                  <a:txBody>
+                    <a:bodyPr/>
+                    <a:lstStyle/>
+                    <a:p>
+                      <a:endParaRPr lang="ru-RU"/>
+                    </a:p>
+                  </a:txBody>
+                  <a:tcPr/>
+                </a:tc>
+                <a:tc>
+                  <a:txBody>
+                    <a:bodyPr/>
+                    <a:lstStyle/>
+                    <a:p>
+                      <a:endParaRPr lang="ru-RU"/>
+                    </a:p>
+                  </a:txBody>
+                  <a:tcPr/>
+                </a:tc>
+                <a:tc>
+                  <a:txBody>
+                    <a:bodyPr/>
+                    <a:lstStyle/>
+                    <a:p>
+                      <a:endParaRPr lang="ru-RU"/>
+                    </a:p>
+                  </a:txBody>
+                  <a:tcPr/>
+                </a:tc>
+                <a:tc>
+                  <a:txBody>
+                    <a:bodyPr/>
+                    <a:lstStyle/>
+                    <a:p>
+                      <a:endParaRPr lang="ru-RU"/>
+                    </a:p>
+                  </a:txBody>
+                  <a:tcPr/>
+                </a:tc>
+                <a:tc>
+                  <a:txBody>
+                    <a:bodyPr/>
+                    <a:lstStyle/>
+                    <a:p>
+                      <a:endParaRPr lang="ru-RU"/>
+                    </a:p>
+                  </a:txBody>
+                  <a:tcPr/>
+                </a:tc>
+                <a:tc>
+                  <a:txBody>
+                    <a:bodyPr/>
+                    <a:lstStyle/>
+                    <a:p>
+                      <a:endParaRPr lang="ru-RU"/>
+                    </a:p>
+                  </a:txBody>
+                  <a:tcPr/>
+                </a:tc>
+                <a:tc>
+                  <a:txBody>
+                    <a:bodyPr/>
+                    <a:lstStyle/>
+                    <a:p>
+                      <a:endParaRPr lang="ru-RU"/>
+                    </a:p>
+                  </a:txBody>
+                  <a:tcPr/>
+                </a:tc>
+                <a:extLst>
+                  <a:ext uri="{0D108BD9-81ED-4DB2-BD59-A6C34878D82A}">
+                    <a16:rowId xmlns:a16="http://schemas.microsoft.com/office/drawing/2014/main" val="1051390614"/>
+                  </a:ext>
+                </a:extLst>
+              </a:tr>
+              <a:tr h="857250">
+                <a:tc>
+                  <a:txBody>
+                    <a:bodyPr/>
+                    <a:lstStyle/>
+                    <a:p>
+                      <a:endParaRPr lang="ru-RU"/>
+                    </a:p>
+                  </a:txBody>
+                  <a:tcPr/>
+                </a:tc>
+                <a:tc>
+                  <a:txBody>
+                    <a:bodyPr/>
+                    <a:lstStyle/>
+                    <a:p>
+                      <a:endParaRPr lang="ru-RU"/>
+                    </a:p>
+                  </a:txBody>
+                  <a:tcPr/>
+                </a:tc>
+                <a:tc>
+                  <a:txBody>
+                    <a:bodyPr/>
+                    <a:lstStyle/>
+                    <a:p>
+                      <a:endParaRPr lang="ru-RU"/>
+                    </a:p>
+                  </a:txBody>
+                  <a:tcPr/>
+                </a:tc>
+                <a:tc>
+                  <a:txBody>
+                    <a:bodyPr/>
+                    <a:lstStyle/>
+                    <a:p>
+                      <a:endParaRPr lang="ru-RU"/>
+                    </a:p>
+                  </a:txBody>
+                  <a:tcPr/>
+                </a:tc>
+                <a:tc>
+                  <a:txBody>
+                    <a:bodyPr/>
+                    <a:lstStyle/>
+                    <a:p>
+                      <a:endParaRPr lang="ru-RU"/>
+                    </a:p>
+                  </a:txBody>
+                  <a:tcPr/>
+                </a:tc>
+                <a:tc>
+                  <a:txBody>
+                    <a:bodyPr/>
+                    <a:lstStyle/>
+                    <a:p>
+                      <a:endParaRPr lang="ru-RU"/>
+                    </a:p>
+                  </a:txBody>
+                  <a:tcPr/>
+                </a:tc>
+                <a:tc>
+                  <a:txBody>
+                    <a:bodyPr/>
+                    <a:lstStyle/>
+                    <a:p>
+                      <a:endParaRPr lang="ru-RU"/>
+                    </a:p>
+                  </a:txBody>
+                  <a:tcPr/>
+                </a:tc>
+                <a:tc>
+                  <a:txBody>
+                    <a:bodyPr/>
+                    <a:lstStyle/>
+                    <a:p>
+                      <a:endParaRPr lang="ru-RU"/>
+                    </a:p>
+                  </a:txBody>
+                  <a:tcPr/>
+                </a:tc>
+                <a:tc>
+                  <a:txBody>
+                    <a:bodyPr/>
+                    <a:lstStyle/>
+                    <a:p>
+                      <a:endParaRPr lang="ru-RU"/>
+                    </a:p>
+                  </a:txBody>
+                  <a:tcPr/>
+                </a:tc>
+                <a:tc>
+                  <a:txBody>
+                    <a:bodyPr/>
+                    <a:lstStyle/>
+                    <a:p>
+                      <a:endParaRPr lang="ru-RU"/>
+                    </a:p>
+                  </a:txBody>
+                  <a:tcPr/>
+                </a:tc>
+                <a:extLst>
+                  <a:ext uri="{0D108BD9-81ED-4DB2-BD59-A6C34878D82A}">
+                    <a16:rowId xmlns:a16="http://schemas.microsoft.com/office/drawing/2014/main" val="989667413"/>
+                  </a:ext>
+                </a:extLst>
+              </a:tr>
+              <a:tr h="857250">
+                <a:tc>
+                  <a:txBody>
+                    <a:bodyPr/>
+                    <a:lstStyle/>
+                    <a:p>
+                      <a:endParaRPr lang="ru-RU"/>
+                    </a:p>
+                  </a:txBody>
+                  <a:tcPr/>
+                </a:tc>
+                <a:tc>
+                  <a:txBody>
+                    <a:bodyPr/>
+                    <a:lstStyle/>
+                    <a:p>
+                      <a:endParaRPr lang="ru-RU"/>
+                    </a:p>
+                  </a:txBody>
+                  <a:tcPr/>
+                </a:tc>
+                <a:tc>
+                  <a:txBody>
+                    <a:bodyPr/>
+                    <a:lstStyle/>
+                    <a:p>
+                      <a:endParaRPr lang="ru-RU"/>
+                    </a:p>
+                  </a:txBody>
+                  <a:tcPr/>
+                </a:tc>
+                <a:tc>
+                  <a:txBody>
+                    <a:bodyPr/>
+                    <a:lstStyle/>
+                    <a:p>
+                      <a:endParaRPr lang="ru-RU"/>
+                    </a:p>
+                  </a:txBody>
+                  <a:tcPr/>
+                </a:tc>
+                <a:tc>
+                  <a:txBody>
+                    <a:bodyPr/>
+                    <a:lstStyle/>
+                    <a:p>
+                      <a:endParaRPr lang="ru-RU"/>
+                    </a:p>
+                  </a:txBody>
+                  <a:tcPr/>
+                </a:tc>
+                <a:tc>
+                  <a:txBody>
+                    <a:bodyPr/>
+                    <a:lstStyle/>
+                    <a:p>
+                      <a:endParaRPr lang="ru-RU"/>
+                    </a:p>
+                  </a:txBody>
+                  <a:tcPr/>
+                </a:tc>
+                <a:tc>
+                  <a:txBody>
+                    <a:bodyPr/>
+                    <a:lstStyle/>
+                    <a:p>
+                      <a:endParaRPr lang="ru-RU"/>
+                    </a:p>
+                  </a:txBody>
+                  <a:tcPr/>
+                </a:tc>
+                <a:tc>
+                  <a:txBody>
+                    <a:bodyPr/>
+                    <a:lstStyle/>
+                    <a:p>
+                      <a:endParaRPr lang="ru-RU"/>
+                    </a:p>
+                  </a:txBody>
+                  <a:tcPr/>
+                </a:tc>
+                <a:tc>
+                  <a:txBody>
+                    <a:bodyPr/>
+                    <a:lstStyle/>
+                    <a:p>
+                      <a:endParaRPr lang="ru-RU"/>
+                    </a:p>
+                  </a:txBody>
+                  <a:tcPr/>
+                </a:tc>
+                <a:tc>
+                  <a:txBody>
+                    <a:bodyPr/>
+                    <a:lstStyle/>
+                    <a:p>
+                      <a:endParaRPr lang="ru-RU"/>
+                    </a:p>
+                  </a:txBody>
+                  <a:tcPr/>
+                </a:tc>
+                <a:extLst>
+                  <a:ext uri="{0D108BD9-81ED-4DB2-BD59-A6C34878D82A}">
+                    <a16:rowId xmlns:a16="http://schemas.microsoft.com/office/drawing/2014/main" val="3701042685"/>
+                  </a:ext>
+                </a:extLst>
+              </a:tr>
+              <a:tr h="857250">
+                <a:tc>
+                  <a:txBody>
+                    <a:bodyPr/>
+                    <a:lstStyle/>
+                    <a:p>
+                      <a:endParaRPr lang="ru-RU"/>
+                    </a:p>
+                  </a:txBody>
+                  <a:tcPr/>
+                </a:tc>
+                <a:tc>
+                  <a:txBody>
+                    <a:bodyPr/>
+                    <a:lstStyle/>
+                    <a:p>
+                      <a:endParaRPr lang="ru-RU"/>
+                    </a:p>
+                  </a:txBody>
+                  <a:tcPr/>
+                </a:tc>
+                <a:tc>
+                  <a:txBody>
+                    <a:bodyPr/>
+                    <a:lstStyle/>
+                    <a:p>
+                      <a:endParaRPr lang="ru-RU"/>
+                    </a:p>
+                  </a:txBody>
+                  <a:tcPr/>
+                </a:tc>
+                <a:tc>
+                  <a:txBody>
+                    <a:bodyPr/>
+                    <a:lstStyle/>
+                    <a:p>
+                      <a:endParaRPr lang="ru-RU"/>
+                    </a:p>
+                  </a:txBody>
+                  <a:tcPr/>
+                </a:tc>
+                <a:tc>
+                  <a:txBody>
+                    <a:bodyPr/>
+                    <a:lstStyle/>
+                    <a:p>
+                      <a:endParaRPr lang="ru-RU"/>
+                    </a:p>
+                  </a:txBody>
+                  <a:tcPr/>
+                </a:tc>
+                <a:tc>
+                  <a:txBody>
+                    <a:bodyPr/>
+                    <a:lstStyle/>
+                    <a:p>
+                      <a:endParaRPr lang="ru-RU"/>
+                    </a:p>
+                  </a:txBody>
+                  <a:tcPr/>
+                </a:tc>
+                <a:tc>
+                  <a:txBody>
+                    <a:bodyPr/>
+                    <a:lstStyle/>
+                    <a:p>
+                      <a:endParaRPr lang="ru-RU"/>
+                    </a:p>
+                  </a:txBody>
+                  <a:tcPr/>
+                </a:tc>
+                <a:tc>
+                  <a:txBody>
+                    <a:bodyPr/>
+                    <a:lstStyle/>
+                    <a:p>
+                      <a:endParaRPr lang="ru-RU"/>
+                    </a:p>
+                  </a:txBody>
+                  <a:tcPr/>
+                </a:tc>
+                <a:tc>
+                  <a:txBody>
+                    <a:bodyPr/>
+                    <a:lstStyle/>
+                    <a:p>
+                      <a:endParaRPr lang="ru-RU"/>
+                    </a:p>
+                  </a:txBody>
+                  <a:tcPr/>
+                </a:tc>
+                <a:tc>
+                  <a:txBody>
+                    <a:bodyPr/>
+                    <a:lstStyle/>
+                    <a:p>
+                      <a:endParaRPr lang="ru-RU"/>
+                    </a:p>
+                  </a:txBody>
+                  <a:tcPr/>
+                </a:tc>
+                <a:extLst>
+                  <a:ext uri="{0D108BD9-81ED-4DB2-BD59-A6C34878D82A}">
+                    <a16:rowId xmlns:a16="http://schemas.microsoft.com/office/drawing/2014/main" val="1135221986"/>
+                  </a:ext>
+                </a:extLst>
+              </a:tr>
+              <a:tr h="857250">
+                <a:tc>
+                  <a:txBody>
+                    <a:bodyPr/>
+                    <a:lstStyle/>
+                    <a:p>
+                      <a:endParaRPr lang="ru-RU"/>
+                    </a:p>
+                  </a:txBody>
+                  <a:tcPr/>
+                </a:tc>
+                <a:tc>
+                  <a:txBody>
+                    <a:bodyPr/>
+                    <a:lstStyle/>
+                    <a:p>
+                      <a:endParaRPr lang="ru-RU"/>
+                    </a:p>
+                  </a:txBody>
+                  <a:tcPr/>
+                </a:tc>
+                <a:tc>
+                  <a:txBody>
+                    <a:bodyPr/>
+                    <a:lstStyle/>
+                    <a:p>
+                      <a:endParaRPr lang="ru-RU"/>
+                    </a:p>
+                  </a:txBody>
+                  <a:tcPr/>
+                </a:tc>
+                <a:tc>
+                  <a:txBody>
+                    <a:bodyPr/>
+                    <a:lstStyle/>
+                    <a:p>
+                      <a:endParaRPr lang="ru-RU"/>
+                    </a:p>
+                  </a:txBody>
+                  <a:tcPr/>
+                </a:tc>
+                <a:tc>
+                  <a:txBody>
+                    <a:bodyPr/>
+                    <a:lstStyle/>
+                    <a:p>
+                      <a:endParaRPr lang="ru-RU"/>
+                    </a:p>
+                  </a:txBody>
+                  <a:tcPr/>
+                </a:tc>
+                <a:tc>
+                  <a:txBody>
+                    <a:bodyPr/>
+                    <a:lstStyle/>
+                    <a:p>
+                      <a:endParaRPr lang="ru-RU"/>
+                    </a:p>
+                  </a:txBody>
+                  <a:tcPr/>
+                </a:tc>
+                <a:tc>
+                  <a:txBody>
+                    <a:bodyPr/>
+                    <a:lstStyle/>
+                    <a:p>
+                      <a:endParaRPr lang="ru-RU"/>
+                    </a:p>
+                  </a:txBody>
+                  <a:tcPr/>
+                </a:tc>
+                <a:tc>
+                  <a:txBody>
+                    <a:bodyPr/>
+                    <a:lstStyle/>
+                    <a:p>
+                      <a:endParaRPr lang="ru-RU"/>
+                    </a:p>
+                  </a:txBody>
+                  <a:tcPr/>
+                </a:tc>
+                <a:tc>
+                  <a:txBody>
+                    <a:bodyPr/>
+                    <a:lstStyle/>
+                    <a:p>
+                      <a:endParaRPr lang="ru-RU"/>
+                    </a:p>
+                  </a:txBody>
+                  <a:tcPr/>
+                </a:tc>
+                <a:tc>
+                  <a:txBody>
+                    <a:bodyPr/>
+                    <a:lstStyle/>
+                    <a:p>
+                      <a:endParaRPr lang="ru-RU" dirty="0"/>
+                    </a:p>
+                  </a:txBody>
+                  <a:tcPr/>
+                </a:tc>
+                <a:extLst>
+                  <a:ext uri="{0D108BD9-81ED-4DB2-BD59-A6C34878D82A}">
+                    <a16:rowId xmlns:a16="http://schemas.microsoft.com/office/drawing/2014/main" val="3883678812"/>
+                  </a:ext>
+                </a:extLst>
+              </a:tr>
+            </a:tbl>
+          </a:graphicData>
+        </a:graphic>
+      </p:graphicFrame>
+    </p:spTree>
+    <p:extLst>
+      <p:ext uri="{BB962C8B-B14F-4D97-AF65-F5344CB8AC3E}">
+        <p14:creationId xmlns:p14="http://schemas.microsoft.com/office/powerpoint/2010/main" val="3530449296"/>
+      </p:ext>
+    </p:extLst>
+  </p:cSld>
+  <p:clrMapOvr>
+    <a:masterClrMapping/>
+  </p:clrMapOvr>
+</p:sld>
+</file>
+
+<file path=ppt/slides/slide40.xml><?xml version="1.0" encoding="utf-8"?>
+<p:sld xmlns:a="http://schemas.openxmlformats.org/drawingml/2006/main" xmlns:r="http://schemas.openxmlformats.org/officeDocument/2006/relationships" xmlns:p="http://schemas.openxmlformats.org/presentationml/2006/main">
+  <p:cSld>
+    <p:bg>
+      <p:bgPr>
+        <a:solidFill>
+          <a:schemeClr val="tx1"/>
+        </a:solidFill>
+        <a:effectLst/>
+      </p:bgPr>
+    </p:bg>
+    <p:spTree>
+      <p:nvGrpSpPr>
+        <p:cNvPr id="1" name=""/>
+        <p:cNvGrpSpPr/>
+        <p:nvPr/>
+      </p:nvGrpSpPr>
+      <p:grpSpPr>
+        <a:xfrm>
+          <a:off x="0" y="0"/>
+          <a:ext cx="0" cy="0"/>
+          <a:chOff x="0" y="0"/>
+          <a:chExt cx="0" cy="0"/>
+        </a:xfrm>
+      </p:grpSpPr>
+      <p:pic>
+        <p:nvPicPr>
+          <p:cNvPr id="7" name="Рисунок 6">
+            <a:extLst>
+              <a:ext uri="{FF2B5EF4-FFF2-40B4-BE49-F238E27FC236}">
+                <a16:creationId xmlns:a16="http://schemas.microsoft.com/office/drawing/2014/main" id="{ABA068DD-A1D4-332E-40AD-75CEE2CE34E0}"/>
+              </a:ext>
+            </a:extLst>
+          </p:cNvPr>
+          <p:cNvPicPr>
+            <a:picLocks noChangeAspect="1"/>
+          </p:cNvPicPr>
+          <p:nvPr/>
+        </p:nvPicPr>
+        <p:blipFill rotWithShape="1">
+          <a:blip r:embed="rId2">
+            <a:alphaModFix amt="15000"/>
+          </a:blip>
+          <a:srcRect l="4138" t="22030" r="6207" b="34444"/>
+          <a:stretch/>
+        </p:blipFill>
+        <p:spPr>
+          <a:xfrm>
+            <a:off x="1" y="0"/>
+            <a:ext cx="12192000" cy="6858000"/>
+          </a:xfrm>
+          <a:prstGeom prst="rect">
+            <a:avLst/>
+          </a:prstGeom>
+        </p:spPr>
+      </p:pic>
+      <p:pic>
+        <p:nvPicPr>
+          <p:cNvPr id="2" name="Рисунок 1">
+            <a:extLst>
+              <a:ext uri="{FF2B5EF4-FFF2-40B4-BE49-F238E27FC236}">
+                <a16:creationId xmlns:a16="http://schemas.microsoft.com/office/drawing/2014/main" id="{1C6FAAFA-7B71-B280-81B9-5E0E925AF702}"/>
+              </a:ext>
+            </a:extLst>
+          </p:cNvPr>
+          <p:cNvPicPr>
+            <a:picLocks noChangeAspect="1"/>
+          </p:cNvPicPr>
+          <p:nvPr/>
+        </p:nvPicPr>
+        <p:blipFill>
+          <a:blip r:embed="rId3"/>
+          <a:stretch>
+            <a:fillRect/>
+          </a:stretch>
+        </p:blipFill>
+        <p:spPr>
+          <a:xfrm>
+            <a:off x="0" y="0"/>
+            <a:ext cx="6551112" cy="3548519"/>
+          </a:xfrm>
+          <a:prstGeom prst="rect">
+            <a:avLst/>
+          </a:prstGeom>
+        </p:spPr>
+      </p:pic>
+      <p:pic>
+        <p:nvPicPr>
+          <p:cNvPr id="3" name="Рисунок 2">
+            <a:extLst>
+              <a:ext uri="{FF2B5EF4-FFF2-40B4-BE49-F238E27FC236}">
+                <a16:creationId xmlns:a16="http://schemas.microsoft.com/office/drawing/2014/main" id="{10813A63-D3CB-3A7D-FB83-703572793FCD}"/>
+              </a:ext>
+            </a:extLst>
+          </p:cNvPr>
+          <p:cNvPicPr>
+            <a:picLocks noChangeAspect="1"/>
+          </p:cNvPicPr>
+          <p:nvPr/>
+        </p:nvPicPr>
+        <p:blipFill>
+          <a:blip r:embed="rId4"/>
+          <a:stretch>
+            <a:fillRect/>
+          </a:stretch>
+        </p:blipFill>
+        <p:spPr>
+          <a:xfrm>
+            <a:off x="5211945" y="0"/>
+            <a:ext cx="6980055" cy="3548519"/>
+          </a:xfrm>
+          <a:prstGeom prst="rect">
+            <a:avLst/>
+          </a:prstGeom>
+        </p:spPr>
+      </p:pic>
+    </p:spTree>
+    <p:extLst>
+      <p:ext uri="{BB962C8B-B14F-4D97-AF65-F5344CB8AC3E}">
+        <p14:creationId xmlns:p14="http://schemas.microsoft.com/office/powerpoint/2010/main" val="932917902"/>
+      </p:ext>
+    </p:extLst>
+  </p:cSld>
+  <p:clrMapOvr>
+    <a:masterClrMapping/>
+  </p:clrMapOvr>
+</p:sld>
+</file>
+
+<file path=ppt/slides/slide41.xml><?xml version="1.0" encoding="utf-8"?>
+<p:sld xmlns:a="http://schemas.openxmlformats.org/drawingml/2006/main" xmlns:r="http://schemas.openxmlformats.org/officeDocument/2006/relationships" xmlns:p="http://schemas.openxmlformats.org/presentationml/2006/main">
+  <p:cSld>
+    <p:bg>
+      <p:bgPr>
+        <a:solidFill>
+          <a:schemeClr val="tx1"/>
+        </a:solidFill>
+        <a:effectLst/>
+      </p:bgPr>
+    </p:bg>
+    <p:spTree>
+      <p:nvGrpSpPr>
+        <p:cNvPr id="1" name=""/>
+        <p:cNvGrpSpPr/>
+        <p:nvPr/>
+      </p:nvGrpSpPr>
+      <p:grpSpPr>
+        <a:xfrm>
+          <a:off x="0" y="0"/>
+          <a:ext cx="0" cy="0"/>
+          <a:chOff x="0" y="0"/>
+          <a:chExt cx="0" cy="0"/>
+        </a:xfrm>
+      </p:grpSpPr>
+      <p:pic>
+        <p:nvPicPr>
+          <p:cNvPr id="7" name="Рисунок 6">
+            <a:extLst>
+              <a:ext uri="{FF2B5EF4-FFF2-40B4-BE49-F238E27FC236}">
+                <a16:creationId xmlns:a16="http://schemas.microsoft.com/office/drawing/2014/main" id="{ABA068DD-A1D4-332E-40AD-75CEE2CE34E0}"/>
+              </a:ext>
+            </a:extLst>
+          </p:cNvPr>
+          <p:cNvPicPr>
+            <a:picLocks noChangeAspect="1"/>
+          </p:cNvPicPr>
+          <p:nvPr/>
+        </p:nvPicPr>
+        <p:blipFill rotWithShape="1">
+          <a:blip r:embed="rId2">
+            <a:alphaModFix amt="15000"/>
+          </a:blip>
+          <a:srcRect l="4138" t="22030" r="6207" b="34444"/>
+          <a:stretch/>
+        </p:blipFill>
+        <p:spPr>
+          <a:xfrm>
+            <a:off x="1" y="0"/>
+            <a:ext cx="12192000" cy="6858000"/>
+          </a:xfrm>
+          <a:prstGeom prst="rect">
+            <a:avLst/>
+          </a:prstGeom>
+        </p:spPr>
+      </p:pic>
+      <p:pic>
+        <p:nvPicPr>
+          <p:cNvPr id="2" name="Рисунок 1">
+            <a:extLst>
+              <a:ext uri="{FF2B5EF4-FFF2-40B4-BE49-F238E27FC236}">
+                <a16:creationId xmlns:a16="http://schemas.microsoft.com/office/drawing/2014/main" id="{1C6FAAFA-7B71-B280-81B9-5E0E925AF702}"/>
+              </a:ext>
+            </a:extLst>
+          </p:cNvPr>
+          <p:cNvPicPr>
+            <a:picLocks noChangeAspect="1"/>
+          </p:cNvPicPr>
+          <p:nvPr/>
+        </p:nvPicPr>
+        <p:blipFill>
+          <a:blip r:embed="rId3"/>
+          <a:stretch>
+            <a:fillRect/>
+          </a:stretch>
+        </p:blipFill>
+        <p:spPr>
+          <a:xfrm>
+            <a:off x="0" y="0"/>
+            <a:ext cx="6551112" cy="3548519"/>
+          </a:xfrm>
+          <a:prstGeom prst="rect">
+            <a:avLst/>
+          </a:prstGeom>
+        </p:spPr>
+      </p:pic>
+      <p:pic>
+        <p:nvPicPr>
+          <p:cNvPr id="3" name="Рисунок 2">
+            <a:extLst>
+              <a:ext uri="{FF2B5EF4-FFF2-40B4-BE49-F238E27FC236}">
+                <a16:creationId xmlns:a16="http://schemas.microsoft.com/office/drawing/2014/main" id="{10813A63-D3CB-3A7D-FB83-703572793FCD}"/>
+              </a:ext>
+            </a:extLst>
+          </p:cNvPr>
+          <p:cNvPicPr>
+            <a:picLocks noChangeAspect="1"/>
+          </p:cNvPicPr>
+          <p:nvPr/>
+        </p:nvPicPr>
+        <p:blipFill>
+          <a:blip r:embed="rId4"/>
+          <a:stretch>
+            <a:fillRect/>
+          </a:stretch>
+        </p:blipFill>
+        <p:spPr>
+          <a:xfrm>
+            <a:off x="5211945" y="0"/>
+            <a:ext cx="6980055" cy="3548519"/>
+          </a:xfrm>
+          <a:prstGeom prst="rect">
+            <a:avLst/>
+          </a:prstGeom>
+        </p:spPr>
+      </p:pic>
+      <p:pic>
+        <p:nvPicPr>
+          <p:cNvPr id="4" name="Рисунок 3">
+            <a:extLst>
+              <a:ext uri="{FF2B5EF4-FFF2-40B4-BE49-F238E27FC236}">
+                <a16:creationId xmlns:a16="http://schemas.microsoft.com/office/drawing/2014/main" id="{2B22C2F0-EA1F-5DAB-B988-2AAEBE501304}"/>
+              </a:ext>
+            </a:extLst>
+          </p:cNvPr>
+          <p:cNvPicPr>
+            <a:picLocks noChangeAspect="1"/>
+          </p:cNvPicPr>
+          <p:nvPr/>
+        </p:nvPicPr>
+        <p:blipFill rotWithShape="1">
+          <a:blip r:embed="rId5"/>
+          <a:srcRect l="6328" t="12368" r="6384" b="11617"/>
+          <a:stretch/>
+        </p:blipFill>
+        <p:spPr>
+          <a:xfrm>
+            <a:off x="2150301" y="3118981"/>
+            <a:ext cx="7891398" cy="3156559"/>
+          </a:xfrm>
+          <a:prstGeom prst="rect">
+            <a:avLst/>
+          </a:prstGeom>
+        </p:spPr>
+      </p:pic>
+    </p:spTree>
+    <p:extLst>
+      <p:ext uri="{BB962C8B-B14F-4D97-AF65-F5344CB8AC3E}">
+        <p14:creationId xmlns:p14="http://schemas.microsoft.com/office/powerpoint/2010/main" val="4159722897"/>
+      </p:ext>
+    </p:extLst>
+  </p:cSld>
+  <p:clrMapOvr>
+    <a:masterClrMapping/>
+  </p:clrMapOvr>
+</p:sld>
+</file>
+
+<file path=ppt/slides/slide42.xml><?xml version="1.0" encoding="utf-8"?>
+<p:sld xmlns:a="http://schemas.openxmlformats.org/drawingml/2006/main" xmlns:r="http://schemas.openxmlformats.org/officeDocument/2006/relationships" xmlns:p="http://schemas.openxmlformats.org/presentationml/2006/main">
+  <p:cSld>
+    <p:bg>
+      <p:bgPr>
+        <a:solidFill>
+          <a:schemeClr val="tx1"/>
+        </a:solidFill>
+        <a:effectLst/>
+      </p:bgPr>
+    </p:bg>
+    <p:spTree>
+      <p:nvGrpSpPr>
+        <p:cNvPr id="1" name=""/>
+        <p:cNvGrpSpPr/>
+        <p:nvPr/>
+      </p:nvGrpSpPr>
+      <p:grpSpPr>
+        <a:xfrm>
+          <a:off x="0" y="0"/>
+          <a:ext cx="0" cy="0"/>
+          <a:chOff x="0" y="0"/>
+          <a:chExt cx="0" cy="0"/>
+        </a:xfrm>
+      </p:grpSpPr>
+      <p:pic>
+        <p:nvPicPr>
+          <p:cNvPr id="7" name="Рисунок 6">
+            <a:extLst>
+              <a:ext uri="{FF2B5EF4-FFF2-40B4-BE49-F238E27FC236}">
+                <a16:creationId xmlns:a16="http://schemas.microsoft.com/office/drawing/2014/main" id="{ABA068DD-A1D4-332E-40AD-75CEE2CE34E0}"/>
+              </a:ext>
+            </a:extLst>
+          </p:cNvPr>
+          <p:cNvPicPr>
+            <a:picLocks noChangeAspect="1"/>
+          </p:cNvPicPr>
+          <p:nvPr/>
+        </p:nvPicPr>
+        <p:blipFill rotWithShape="1">
+          <a:blip r:embed="rId2">
+            <a:alphaModFix amt="15000"/>
+          </a:blip>
+          <a:srcRect l="4138" t="22030" r="6207" b="34444"/>
+          <a:stretch/>
+        </p:blipFill>
+        <p:spPr>
+          <a:xfrm>
+            <a:off x="1" y="0"/>
+            <a:ext cx="12192000" cy="6858000"/>
+          </a:xfrm>
+          <a:prstGeom prst="rect">
+            <a:avLst/>
+          </a:prstGeom>
+        </p:spPr>
+      </p:pic>
+      <p:pic>
+        <p:nvPicPr>
+          <p:cNvPr id="9" name="Рисунок 8">
+            <a:extLst>
+              <a:ext uri="{FF2B5EF4-FFF2-40B4-BE49-F238E27FC236}">
+                <a16:creationId xmlns:a16="http://schemas.microsoft.com/office/drawing/2014/main" id="{0F3DC303-337A-67A9-C6D1-E4D718261EF7}"/>
+              </a:ext>
+            </a:extLst>
+          </p:cNvPr>
+          <p:cNvPicPr>
+            <a:picLocks noChangeAspect="1"/>
+          </p:cNvPicPr>
+          <p:nvPr/>
+        </p:nvPicPr>
+        <p:blipFill>
+          <a:blip r:embed="rId3"/>
+          <a:stretch>
+            <a:fillRect/>
+          </a:stretch>
+        </p:blipFill>
+        <p:spPr>
+          <a:xfrm>
+            <a:off x="1091437" y="-379782"/>
+            <a:ext cx="10009125" cy="7617564"/>
+          </a:xfrm>
+          <a:prstGeom prst="rect">
+            <a:avLst/>
+          </a:prstGeom>
+        </p:spPr>
+      </p:pic>
+    </p:spTree>
+    <p:extLst>
+      <p:ext uri="{BB962C8B-B14F-4D97-AF65-F5344CB8AC3E}">
+        <p14:creationId xmlns:p14="http://schemas.microsoft.com/office/powerpoint/2010/main" val="287067938"/>
+      </p:ext>
+    </p:extLst>
+  </p:cSld>
+  <p:clrMapOvr>
+    <a:masterClrMapping/>
+  </p:clrMapOvr>
+</p:sld>
+</file>
+
+<file path=ppt/slides/slide43.xml><?xml version="1.0" encoding="utf-8"?>
+<p:sld xmlns:a="http://schemas.openxmlformats.org/drawingml/2006/main" xmlns:r="http://schemas.openxmlformats.org/officeDocument/2006/relationships" xmlns:p="http://schemas.openxmlformats.org/presentationml/2006/main">
+  <p:cSld>
+    <p:bg>
+      <p:bgPr>
+        <a:solidFill>
+          <a:schemeClr val="tx1"/>
+        </a:solidFill>
+        <a:effectLst/>
+      </p:bgPr>
+    </p:bg>
+    <p:spTree>
+      <p:nvGrpSpPr>
+        <p:cNvPr id="1" name=""/>
+        <p:cNvGrpSpPr/>
+        <p:nvPr/>
+      </p:nvGrpSpPr>
+      <p:grpSpPr>
+        <a:xfrm>
+          <a:off x="0" y="0"/>
+          <a:ext cx="0" cy="0"/>
+          <a:chOff x="0" y="0"/>
+          <a:chExt cx="0" cy="0"/>
+        </a:xfrm>
+      </p:grpSpPr>
+      <p:pic>
+        <p:nvPicPr>
+          <p:cNvPr id="7" name="Рисунок 6">
+            <a:extLst>
+              <a:ext uri="{FF2B5EF4-FFF2-40B4-BE49-F238E27FC236}">
+                <a16:creationId xmlns:a16="http://schemas.microsoft.com/office/drawing/2014/main" id="{ABA068DD-A1D4-332E-40AD-75CEE2CE34E0}"/>
+              </a:ext>
+            </a:extLst>
+          </p:cNvPr>
+          <p:cNvPicPr>
+            <a:picLocks noChangeAspect="1"/>
+          </p:cNvPicPr>
+          <p:nvPr/>
+        </p:nvPicPr>
+        <p:blipFill rotWithShape="1">
+          <a:blip r:embed="rId2">
+            <a:alphaModFix amt="15000"/>
+          </a:blip>
+          <a:srcRect l="4138" t="22030" r="6207" b="34444"/>
+          <a:stretch/>
+        </p:blipFill>
+        <p:spPr>
+          <a:xfrm>
+            <a:off x="1" y="0"/>
+            <a:ext cx="12192000" cy="6858000"/>
+          </a:xfrm>
+          <a:prstGeom prst="rect">
+            <a:avLst/>
+          </a:prstGeom>
+        </p:spPr>
+      </p:pic>
+      <p:pic>
+        <p:nvPicPr>
+          <p:cNvPr id="3" name="Рисунок 2">
+            <a:extLst>
+              <a:ext uri="{FF2B5EF4-FFF2-40B4-BE49-F238E27FC236}">
+                <a16:creationId xmlns:a16="http://schemas.microsoft.com/office/drawing/2014/main" id="{C1D5D23F-02F8-30B8-EAA1-9BDD6F858313}"/>
+              </a:ext>
+            </a:extLst>
+          </p:cNvPr>
+          <p:cNvPicPr>
+            <a:picLocks noChangeAspect="1"/>
+          </p:cNvPicPr>
+          <p:nvPr/>
+        </p:nvPicPr>
+        <p:blipFill>
+          <a:blip r:embed="rId3"/>
+          <a:stretch>
+            <a:fillRect/>
+          </a:stretch>
+        </p:blipFill>
+        <p:spPr>
+          <a:xfrm>
+            <a:off x="687640" y="2651168"/>
+            <a:ext cx="10816719" cy="1555663"/>
+          </a:xfrm>
+          <a:prstGeom prst="rect">
+            <a:avLst/>
+          </a:prstGeom>
+        </p:spPr>
+      </p:pic>
+    </p:spTree>
+    <p:extLst>
+      <p:ext uri="{BB962C8B-B14F-4D97-AF65-F5344CB8AC3E}">
+        <p14:creationId xmlns:p14="http://schemas.microsoft.com/office/powerpoint/2010/main" val="849750504"/>
+      </p:ext>
+    </p:extLst>
+  </p:cSld>
+  <p:clrMapOvr>
+    <a:masterClrMapping/>
+  </p:clrMapOvr>
+</p:sld>
+</file>
+
+<file path=ppt/slides/slide44.xml><?xml version="1.0" encoding="utf-8"?>
 <p:sld xmlns:a="http://schemas.openxmlformats.org/drawingml/2006/main" xmlns:r="http://schemas.openxmlformats.org/officeDocument/2006/relationships" xmlns:p="http://schemas.openxmlformats.org/presentationml/2006/main">
   <p:cSld>
     <p:bg>
@@ -5627,7 +10335,7 @@
 </p:sld>
 </file>
 
-<file path=ppt/slides/slide23.xml><?xml version="1.0" encoding="utf-8"?>
+<file path=ppt/slides/slide45.xml><?xml version="1.0" encoding="utf-8"?>
 <p:sld xmlns:a="http://schemas.openxmlformats.org/drawingml/2006/main" xmlns:r="http://schemas.openxmlformats.org/officeDocument/2006/relationships" xmlns:p="http://schemas.openxmlformats.org/presentationml/2006/main">
   <p:cSld>
     <p:spTree>
@@ -5710,7 +10418,7 @@
 </p:sld>
 </file>
 
-<file path=ppt/slides/slide24.xml><?xml version="1.0" encoding="utf-8"?>
+<file path=ppt/slides/slide46.xml><?xml version="1.0" encoding="utf-8"?>
 <p:sld xmlns:a="http://schemas.openxmlformats.org/drawingml/2006/main" xmlns:r="http://schemas.openxmlformats.org/officeDocument/2006/relationships" xmlns:p="http://schemas.openxmlformats.org/presentationml/2006/main">
   <p:cSld>
     <p:spTree>
@@ -5808,7 +10516,7 @@
 </p:sld>
 </file>
 
-<file path=ppt/slides/slide25.xml><?xml version="1.0" encoding="utf-8"?>
+<file path=ppt/slides/slide47.xml><?xml version="1.0" encoding="utf-8"?>
 <p:sld xmlns:a="http://schemas.openxmlformats.org/drawingml/2006/main" xmlns:r="http://schemas.openxmlformats.org/officeDocument/2006/relationships" xmlns:p="http://schemas.openxmlformats.org/presentationml/2006/main">
   <p:cSld>
     <p:spTree>
@@ -5952,7 +10660,7 @@
 </p:sld>
 </file>
 
-<file path=ppt/slides/slide26.xml><?xml version="1.0" encoding="utf-8"?>
+<file path=ppt/slides/slide48.xml><?xml version="1.0" encoding="utf-8"?>
 <p:sld xmlns:a="http://schemas.openxmlformats.org/drawingml/2006/main" xmlns:r="http://schemas.openxmlformats.org/officeDocument/2006/relationships" xmlns:p="http://schemas.openxmlformats.org/presentationml/2006/main">
   <p:cSld>
     <p:spTree>
@@ -6078,24 +10786,21 @@
             </a:r>
             <a:r>
               <a:rPr lang="ru-RU" dirty="0"/>
-              <a:t>а так же сделать функцию через указатели).</a:t>
+              <a:t>сделать функцию </a:t>
+            </a:r>
+            <a:r>
+              <a:rPr lang="en-US" dirty="0" err="1"/>
+              <a:t>н</a:t>
+            </a:r>
+            <a:r>
+              <a:rPr lang="ru-RU" dirty="0" err="1"/>
+              <a:t>ужно</a:t>
+            </a:r>
+            <a:r>
+              <a:rPr lang="ru-RU" dirty="0"/>
+              <a:t> через указатели).</a:t>
             </a:r>
             <a:endParaRPr lang="en-US" dirty="0"/>
-          </a:p>
-          <a:p>
-            <a:r>
-              <a:rPr lang="ru-RU" dirty="0"/>
-              <a:t>Очищать буфер после ввода строки ради производительности и избежания </a:t>
-            </a:r>
-            <a:r>
-              <a:rPr lang="ru-RU" dirty="0" err="1"/>
-              <a:t>U</a:t>
-            </a:r>
-            <a:r>
-              <a:rPr lang="en-US" dirty="0"/>
-              <a:t>B</a:t>
-            </a:r>
-            <a:endParaRPr lang="ru-RU" dirty="0"/>
           </a:p>
         </p:txBody>
       </p:sp>
@@ -6112,376 +10817,7 @@
 </p:sld>
 </file>
 
-<file path=ppt/slides/slide27.xml><?xml version="1.0" encoding="utf-8"?>
-<p:sld xmlns:a="http://schemas.openxmlformats.org/drawingml/2006/main" xmlns:r="http://schemas.openxmlformats.org/officeDocument/2006/relationships" xmlns:p="http://schemas.openxmlformats.org/presentationml/2006/main">
-  <p:cSld>
-    <p:spTree>
-      <p:nvGrpSpPr>
-        <p:cNvPr id="1" name=""/>
-        <p:cNvGrpSpPr/>
-        <p:nvPr/>
-      </p:nvGrpSpPr>
-      <p:grpSpPr>
-        <a:xfrm>
-          <a:off x="0" y="0"/>
-          <a:ext cx="0" cy="0"/>
-          <a:chOff x="0" y="0"/>
-          <a:chExt cx="0" cy="0"/>
-        </a:xfrm>
-      </p:grpSpPr>
-      <p:sp>
-        <p:nvSpPr>
-          <p:cNvPr id="2" name="Заголовок 1">
-            <a:extLst>
-              <a:ext uri="{FF2B5EF4-FFF2-40B4-BE49-F238E27FC236}">
-                <a16:creationId xmlns:a16="http://schemas.microsoft.com/office/drawing/2014/main" id="{B51ED73F-F328-6F1E-232C-7A540F1B0DAE}"/>
-              </a:ext>
-            </a:extLst>
-          </p:cNvPr>
-          <p:cNvSpPr>
-            <a:spLocks noGrp="1"/>
-          </p:cNvSpPr>
-          <p:nvPr>
-            <p:ph type="title"/>
-          </p:nvPr>
-        </p:nvSpPr>
-        <p:spPr/>
-        <p:txBody>
-          <a:bodyPr/>
-          <a:lstStyle/>
-          <a:p>
-            <a:r>
-              <a:rPr lang="ru-RU" dirty="0"/>
-              <a:t>Практика</a:t>
-            </a:r>
-          </a:p>
-        </p:txBody>
-      </p:sp>
-      <p:sp>
-        <p:nvSpPr>
-          <p:cNvPr id="3" name="Объект 2">
-            <a:extLst>
-              <a:ext uri="{FF2B5EF4-FFF2-40B4-BE49-F238E27FC236}">
-                <a16:creationId xmlns:a16="http://schemas.microsoft.com/office/drawing/2014/main" id="{21568F36-A60E-410E-CB3C-FA01D1AEFDEC}"/>
-              </a:ext>
-            </a:extLst>
-          </p:cNvPr>
-          <p:cNvSpPr>
-            <a:spLocks noGrp="1"/>
-          </p:cNvSpPr>
-          <p:nvPr>
-            <p:ph idx="1"/>
-          </p:nvPr>
-        </p:nvSpPr>
-        <p:spPr/>
-        <p:txBody>
-          <a:bodyPr>
-            <a:normAutofit/>
-          </a:bodyPr>
-          <a:lstStyle/>
-          <a:p>
-            <a:r>
-              <a:rPr lang="ru-RU" dirty="0"/>
-              <a:t>Написать функцию </a:t>
-            </a:r>
-            <a:r>
-              <a:rPr lang="en-US" dirty="0" err="1"/>
-              <a:t>changeNumber</a:t>
-            </a:r>
-            <a:r>
-              <a:rPr lang="en-US" dirty="0"/>
-              <a:t>,</a:t>
-            </a:r>
-            <a:r>
-              <a:rPr lang="ru-RU" dirty="0"/>
-              <a:t> которая принимает в параметры две строки (текущий номер и новый номер)</a:t>
-            </a:r>
-          </a:p>
-          <a:p>
-            <a:r>
-              <a:rPr lang="ru-RU" dirty="0"/>
-              <a:t>Написать функцию </a:t>
-            </a:r>
-            <a:r>
-              <a:rPr lang="ru-RU" dirty="0" err="1"/>
-              <a:t>s</a:t>
-            </a:r>
-            <a:r>
-              <a:rPr lang="en-US" dirty="0" err="1"/>
-              <a:t>wap</a:t>
-            </a:r>
-            <a:r>
-              <a:rPr lang="en-US" dirty="0"/>
-              <a:t>, </a:t>
-            </a:r>
-            <a:r>
-              <a:rPr lang="ru-RU" dirty="0"/>
-              <a:t>которая принимает в параметры два числа и меняет их местами.</a:t>
-            </a:r>
-            <a:r>
-              <a:rPr lang="en-US" dirty="0"/>
-              <a:t> </a:t>
-            </a:r>
-            <a:r>
-              <a:rPr lang="ru-RU" dirty="0"/>
-              <a:t>(перегрузить функцию </a:t>
-            </a:r>
-            <a:r>
-              <a:rPr lang="ru-RU" dirty="0" err="1"/>
-              <a:t>i</a:t>
-            </a:r>
-            <a:r>
-              <a:rPr lang="en-US" dirty="0" err="1"/>
-              <a:t>nt</a:t>
-            </a:r>
-            <a:r>
-              <a:rPr lang="en-US" dirty="0"/>
-              <a:t>, double, </a:t>
-            </a:r>
-            <a:r>
-              <a:rPr lang="ru-RU" dirty="0"/>
-              <a:t>а так же сделать функцию через указатели).</a:t>
-            </a:r>
-            <a:endParaRPr lang="en-US" dirty="0"/>
-          </a:p>
-          <a:p>
-            <a:r>
-              <a:rPr lang="ru-RU" dirty="0"/>
-              <a:t>Очищать буфер после ввода строки ради производительности и избежания </a:t>
-            </a:r>
-            <a:r>
-              <a:rPr lang="ru-RU" dirty="0" err="1"/>
-              <a:t>U</a:t>
-            </a:r>
-            <a:r>
-              <a:rPr lang="en-US" dirty="0"/>
-              <a:t>B</a:t>
-            </a:r>
-          </a:p>
-          <a:p>
-            <a:endParaRPr lang="en-US" dirty="0"/>
-          </a:p>
-          <a:p>
-            <a:pPr marL="0" indent="0">
-              <a:buNone/>
-            </a:pPr>
-            <a:r>
-              <a:rPr lang="en" sz="2000" b="1" dirty="0">
-                <a:solidFill>
-                  <a:srgbClr val="4EC9B0"/>
-                </a:solidFill>
-                <a:effectLst/>
-                <a:latin typeface="Menlo" panose="020B0609030804020204" pitchFamily="49" charset="0"/>
-              </a:rPr>
-              <a:t>std</a:t>
-            </a:r>
-            <a:r>
-              <a:rPr lang="en" sz="2000" b="1" dirty="0">
-                <a:solidFill>
-                  <a:srgbClr val="D4D4D4"/>
-                </a:solidFill>
-                <a:effectLst/>
-                <a:latin typeface="Menlo" panose="020B0609030804020204" pitchFamily="49" charset="0"/>
-              </a:rPr>
-              <a:t>::</a:t>
-            </a:r>
-            <a:r>
-              <a:rPr lang="en" sz="2000" b="1" dirty="0" err="1">
-                <a:solidFill>
-                  <a:srgbClr val="9CDCFE"/>
-                </a:solidFill>
-                <a:effectLst/>
-                <a:latin typeface="Menlo" panose="020B0609030804020204" pitchFamily="49" charset="0"/>
-              </a:rPr>
-              <a:t>cin</a:t>
-            </a:r>
-            <a:r>
-              <a:rPr lang="en" sz="2000" b="1" dirty="0" err="1">
-                <a:solidFill>
-                  <a:srgbClr val="D4D4D4"/>
-                </a:solidFill>
-                <a:effectLst/>
-                <a:latin typeface="Menlo" panose="020B0609030804020204" pitchFamily="49" charset="0"/>
-              </a:rPr>
-              <a:t>.</a:t>
-            </a:r>
-            <a:r>
-              <a:rPr lang="en" sz="2000" b="1" dirty="0" err="1">
-                <a:solidFill>
-                  <a:srgbClr val="DCDCAA"/>
-                </a:solidFill>
-                <a:effectLst/>
-                <a:latin typeface="Menlo" panose="020B0609030804020204" pitchFamily="49" charset="0"/>
-              </a:rPr>
-              <a:t>ignore</a:t>
-            </a:r>
-            <a:r>
-              <a:rPr lang="en" sz="2000" b="1" dirty="0">
-                <a:solidFill>
-                  <a:srgbClr val="D4D4D4"/>
-                </a:solidFill>
-                <a:effectLst/>
-                <a:latin typeface="Menlo" panose="020B0609030804020204" pitchFamily="49" charset="0"/>
-              </a:rPr>
-              <a:t>(</a:t>
-            </a:r>
-            <a:r>
-              <a:rPr lang="en" sz="2000" b="1" dirty="0">
-                <a:solidFill>
-                  <a:srgbClr val="4EC9B0"/>
-                </a:solidFill>
-                <a:effectLst/>
-                <a:latin typeface="Menlo" panose="020B0609030804020204" pitchFamily="49" charset="0"/>
-              </a:rPr>
-              <a:t>std</a:t>
-            </a:r>
-            <a:r>
-              <a:rPr lang="en" sz="2000" b="1" dirty="0">
-                <a:solidFill>
-                  <a:srgbClr val="D4D4D4"/>
-                </a:solidFill>
-                <a:effectLst/>
-                <a:latin typeface="Menlo" panose="020B0609030804020204" pitchFamily="49" charset="0"/>
-              </a:rPr>
-              <a:t>::</a:t>
-            </a:r>
-            <a:r>
-              <a:rPr lang="en" sz="2000" b="1" dirty="0" err="1">
-                <a:solidFill>
-                  <a:srgbClr val="4EC9B0"/>
-                </a:solidFill>
-                <a:effectLst/>
-                <a:latin typeface="Menlo" panose="020B0609030804020204" pitchFamily="49" charset="0"/>
-              </a:rPr>
-              <a:t>numeric_limits</a:t>
-            </a:r>
-            <a:r>
-              <a:rPr lang="en" sz="2000" b="1" dirty="0">
-                <a:solidFill>
-                  <a:srgbClr val="D4D4D4"/>
-                </a:solidFill>
-                <a:effectLst/>
-                <a:latin typeface="Menlo" panose="020B0609030804020204" pitchFamily="49" charset="0"/>
-              </a:rPr>
-              <a:t>&lt;</a:t>
-            </a:r>
-            <a:r>
-              <a:rPr lang="en" sz="2000" b="1" dirty="0">
-                <a:solidFill>
-                  <a:srgbClr val="4EC9B0"/>
-                </a:solidFill>
-                <a:effectLst/>
-                <a:latin typeface="Menlo" panose="020B0609030804020204" pitchFamily="49" charset="0"/>
-              </a:rPr>
-              <a:t>std</a:t>
-            </a:r>
-            <a:r>
-              <a:rPr lang="en" sz="2000" b="1" dirty="0">
-                <a:solidFill>
-                  <a:srgbClr val="D4D4D4"/>
-                </a:solidFill>
-                <a:effectLst/>
-                <a:latin typeface="Menlo" panose="020B0609030804020204" pitchFamily="49" charset="0"/>
-              </a:rPr>
-              <a:t>::</a:t>
-            </a:r>
-            <a:r>
-              <a:rPr lang="en" sz="2000" b="1" dirty="0" err="1">
-                <a:solidFill>
-                  <a:srgbClr val="4EC9B0"/>
-                </a:solidFill>
-                <a:effectLst/>
-                <a:latin typeface="Menlo" panose="020B0609030804020204" pitchFamily="49" charset="0"/>
-              </a:rPr>
-              <a:t>streamsize</a:t>
-            </a:r>
-            <a:r>
-              <a:rPr lang="en" sz="2000" b="1" dirty="0">
-                <a:solidFill>
-                  <a:srgbClr val="D4D4D4"/>
-                </a:solidFill>
-                <a:effectLst/>
-                <a:latin typeface="Menlo" panose="020B0609030804020204" pitchFamily="49" charset="0"/>
-              </a:rPr>
-              <a:t>&gt;::</a:t>
-            </a:r>
-            <a:r>
-              <a:rPr lang="en" sz="2000" b="1" dirty="0">
-                <a:solidFill>
-                  <a:srgbClr val="DCDCAA"/>
-                </a:solidFill>
-                <a:effectLst/>
-                <a:latin typeface="Menlo" panose="020B0609030804020204" pitchFamily="49" charset="0"/>
-              </a:rPr>
-              <a:t>max</a:t>
-            </a:r>
-            <a:r>
-              <a:rPr lang="en" sz="2000" b="1" dirty="0">
-                <a:solidFill>
-                  <a:srgbClr val="D4D4D4"/>
-                </a:solidFill>
-                <a:effectLst/>
-                <a:latin typeface="Menlo" panose="020B0609030804020204" pitchFamily="49" charset="0"/>
-              </a:rPr>
-              <a:t>(), </a:t>
-            </a:r>
-            <a:r>
-              <a:rPr lang="en" sz="2000" b="1" dirty="0">
-                <a:solidFill>
-                  <a:srgbClr val="CE9178"/>
-                </a:solidFill>
-                <a:effectLst/>
-                <a:latin typeface="Menlo" panose="020B0609030804020204" pitchFamily="49" charset="0"/>
-              </a:rPr>
-              <a:t>'</a:t>
-            </a:r>
-            <a:r>
-              <a:rPr lang="en" sz="2000" b="1" dirty="0">
-                <a:solidFill>
-                  <a:srgbClr val="D7BA7D"/>
-                </a:solidFill>
-                <a:effectLst/>
-                <a:latin typeface="Menlo" panose="020B0609030804020204" pitchFamily="49" charset="0"/>
-              </a:rPr>
-              <a:t>\n</a:t>
-            </a:r>
-            <a:r>
-              <a:rPr lang="en" sz="2000" b="1" dirty="0">
-                <a:solidFill>
-                  <a:srgbClr val="CE9178"/>
-                </a:solidFill>
-                <a:effectLst/>
-                <a:latin typeface="Menlo" panose="020B0609030804020204" pitchFamily="49" charset="0"/>
-              </a:rPr>
-              <a:t>'</a:t>
-            </a:r>
-            <a:r>
-              <a:rPr lang="en" sz="2000" b="1" dirty="0">
-                <a:solidFill>
-                  <a:srgbClr val="D4D4D4"/>
-                </a:solidFill>
-                <a:effectLst/>
-                <a:latin typeface="Menlo" panose="020B0609030804020204" pitchFamily="49" charset="0"/>
-              </a:rPr>
-              <a:t>);</a:t>
-            </a:r>
-          </a:p>
-        </p:txBody>
-      </p:sp>
-    </p:spTree>
-    <p:extLst>
-      <p:ext uri="{BB962C8B-B14F-4D97-AF65-F5344CB8AC3E}">
-        <p14:creationId xmlns:p14="http://schemas.microsoft.com/office/powerpoint/2010/main" val="14346145"/>
-      </p:ext>
-    </p:extLst>
-  </p:cSld>
-  <p:clrMapOvr>
-    <a:masterClrMapping/>
-  </p:clrMapOvr>
-</p:sld>
-</file>
-
-<file path=ppt/slides/slide28.xml><?xml version="1.0" encoding="utf-8"?>
+<file path=ppt/slides/slide49.xml><?xml version="1.0" encoding="utf-8"?>
 <p:sld xmlns:a="http://schemas.openxmlformats.org/drawingml/2006/main" xmlns:r="http://schemas.openxmlformats.org/officeDocument/2006/relationships" xmlns:p="http://schemas.openxmlformats.org/presentationml/2006/main">
   <p:cSld>
     <p:spTree>
@@ -6726,1278 +11062,6 @@
     <p:extLst>
       <p:ext uri="{BB962C8B-B14F-4D97-AF65-F5344CB8AC3E}">
         <p14:creationId xmlns:p14="http://schemas.microsoft.com/office/powerpoint/2010/main" val="1614575075"/>
-      </p:ext>
-    </p:extLst>
-  </p:cSld>
-  <p:clrMapOvr>
-    <a:masterClrMapping/>
-  </p:clrMapOvr>
-</p:sld>
-</file>
-
-<file path=ppt/slides/slide3.xml><?xml version="1.0" encoding="utf-8"?>
-<p:sld xmlns:a="http://schemas.openxmlformats.org/drawingml/2006/main" xmlns:r="http://schemas.openxmlformats.org/officeDocument/2006/relationships" xmlns:p="http://schemas.openxmlformats.org/presentationml/2006/main">
-  <p:cSld>
-    <p:spTree>
-      <p:nvGrpSpPr>
-        <p:cNvPr id="1" name=""/>
-        <p:cNvGrpSpPr/>
-        <p:nvPr/>
-      </p:nvGrpSpPr>
-      <p:grpSpPr>
-        <a:xfrm>
-          <a:off x="0" y="0"/>
-          <a:ext cx="0" cy="0"/>
-          <a:chOff x="0" y="0"/>
-          <a:chExt cx="0" cy="0"/>
-        </a:xfrm>
-      </p:grpSpPr>
-    </p:spTree>
-    <p:extLst>
-      <p:ext uri="{BB962C8B-B14F-4D97-AF65-F5344CB8AC3E}">
-        <p14:creationId xmlns:p14="http://schemas.microsoft.com/office/powerpoint/2010/main" val="2399197205"/>
-      </p:ext>
-    </p:extLst>
-  </p:cSld>
-  <p:clrMapOvr>
-    <a:masterClrMapping/>
-  </p:clrMapOvr>
-</p:sld>
-</file>
-
-<file path=ppt/slides/slide4.xml><?xml version="1.0" encoding="utf-8"?>
-<p:sld xmlns:a="http://schemas.openxmlformats.org/drawingml/2006/main" xmlns:r="http://schemas.openxmlformats.org/officeDocument/2006/relationships" xmlns:p="http://schemas.openxmlformats.org/presentationml/2006/main">
-  <p:cSld>
-    <p:spTree>
-      <p:nvGrpSpPr>
-        <p:cNvPr id="1" name=""/>
-        <p:cNvGrpSpPr/>
-        <p:nvPr/>
-      </p:nvGrpSpPr>
-      <p:grpSpPr>
-        <a:xfrm>
-          <a:off x="0" y="0"/>
-          <a:ext cx="0" cy="0"/>
-          <a:chOff x="0" y="0"/>
-          <a:chExt cx="0" cy="0"/>
-        </a:xfrm>
-      </p:grpSpPr>
-      <p:graphicFrame>
-        <p:nvGraphicFramePr>
-          <p:cNvPr id="2" name="Таблица 1">
-            <a:extLst>
-              <a:ext uri="{FF2B5EF4-FFF2-40B4-BE49-F238E27FC236}">
-                <a16:creationId xmlns:a16="http://schemas.microsoft.com/office/drawing/2014/main" id="{1BE443D8-3634-3533-C9FB-FFAC6DC924FF}"/>
-              </a:ext>
-            </a:extLst>
-          </p:cNvPr>
-          <p:cNvGraphicFramePr>
-            <a:graphicFrameLocks noGrp="1"/>
-          </p:cNvGraphicFramePr>
-          <p:nvPr>
-            <p:extLst>
-              <p:ext uri="{D42A27DB-BD31-4B8C-83A1-F6EECF244321}">
-                <p14:modId xmlns:p14="http://schemas.microsoft.com/office/powerpoint/2010/main" val="164331890"/>
-              </p:ext>
-            </p:extLst>
-          </p:nvPr>
-        </p:nvGraphicFramePr>
-        <p:xfrm>
-          <a:off x="0" y="0"/>
-          <a:ext cx="12192000" cy="6858000"/>
-        </p:xfrm>
-        <a:graphic>
-          <a:graphicData uri="http://schemas.openxmlformats.org/drawingml/2006/table">
-            <a:tbl>
-              <a:tblPr firstRow="1" bandRow="1">
-                <a:tableStyleId>{5C22544A-7EE6-4342-B048-85BDC9FD1C3A}</a:tableStyleId>
-              </a:tblPr>
-              <a:tblGrid>
-                <a:gridCol w="1219200">
-                  <a:extLst>
-                    <a:ext uri="{9D8B030D-6E8A-4147-A177-3AD203B41FA5}">
-                      <a16:colId xmlns:a16="http://schemas.microsoft.com/office/drawing/2014/main" val="855997079"/>
-                    </a:ext>
-                  </a:extLst>
-                </a:gridCol>
-                <a:gridCol w="1219200">
-                  <a:extLst>
-                    <a:ext uri="{9D8B030D-6E8A-4147-A177-3AD203B41FA5}">
-                      <a16:colId xmlns:a16="http://schemas.microsoft.com/office/drawing/2014/main" val="2452923228"/>
-                    </a:ext>
-                  </a:extLst>
-                </a:gridCol>
-                <a:gridCol w="1219200">
-                  <a:extLst>
-                    <a:ext uri="{9D8B030D-6E8A-4147-A177-3AD203B41FA5}">
-                      <a16:colId xmlns:a16="http://schemas.microsoft.com/office/drawing/2014/main" val="2474973037"/>
-                    </a:ext>
-                  </a:extLst>
-                </a:gridCol>
-                <a:gridCol w="1219200">
-                  <a:extLst>
-                    <a:ext uri="{9D8B030D-6E8A-4147-A177-3AD203B41FA5}">
-                      <a16:colId xmlns:a16="http://schemas.microsoft.com/office/drawing/2014/main" val="1817024263"/>
-                    </a:ext>
-                  </a:extLst>
-                </a:gridCol>
-                <a:gridCol w="1219200">
-                  <a:extLst>
-                    <a:ext uri="{9D8B030D-6E8A-4147-A177-3AD203B41FA5}">
-                      <a16:colId xmlns:a16="http://schemas.microsoft.com/office/drawing/2014/main" val="428475618"/>
-                    </a:ext>
-                  </a:extLst>
-                </a:gridCol>
-                <a:gridCol w="1219200">
-                  <a:extLst>
-                    <a:ext uri="{9D8B030D-6E8A-4147-A177-3AD203B41FA5}">
-                      <a16:colId xmlns:a16="http://schemas.microsoft.com/office/drawing/2014/main" val="1433750529"/>
-                    </a:ext>
-                  </a:extLst>
-                </a:gridCol>
-                <a:gridCol w="1219200">
-                  <a:extLst>
-                    <a:ext uri="{9D8B030D-6E8A-4147-A177-3AD203B41FA5}">
-                      <a16:colId xmlns:a16="http://schemas.microsoft.com/office/drawing/2014/main" val="2445009423"/>
-                    </a:ext>
-                  </a:extLst>
-                </a:gridCol>
-                <a:gridCol w="1219200">
-                  <a:extLst>
-                    <a:ext uri="{9D8B030D-6E8A-4147-A177-3AD203B41FA5}">
-                      <a16:colId xmlns:a16="http://schemas.microsoft.com/office/drawing/2014/main" val="2825435437"/>
-                    </a:ext>
-                  </a:extLst>
-                </a:gridCol>
-                <a:gridCol w="1219200">
-                  <a:extLst>
-                    <a:ext uri="{9D8B030D-6E8A-4147-A177-3AD203B41FA5}">
-                      <a16:colId xmlns:a16="http://schemas.microsoft.com/office/drawing/2014/main" val="500659477"/>
-                    </a:ext>
-                  </a:extLst>
-                </a:gridCol>
-                <a:gridCol w="1219200">
-                  <a:extLst>
-                    <a:ext uri="{9D8B030D-6E8A-4147-A177-3AD203B41FA5}">
-                      <a16:colId xmlns:a16="http://schemas.microsoft.com/office/drawing/2014/main" val="752658057"/>
-                    </a:ext>
-                  </a:extLst>
-                </a:gridCol>
-              </a:tblGrid>
-              <a:tr h="857250">
-                <a:tc>
-                  <a:txBody>
-                    <a:bodyPr/>
-                    <a:lstStyle/>
-                    <a:p>
-                      <a:pPr marL="0" marR="0" lvl="0" indent="0" algn="ctr" defTabSz="914400" rtl="0" eaLnBrk="1" fontAlgn="auto" latinLnBrk="0" hangingPunct="1">
-                        <a:lnSpc>
-                          <a:spcPct val="100000"/>
-                        </a:lnSpc>
-                        <a:spcBef>
-                          <a:spcPts val="0"/>
-                        </a:spcBef>
-                        <a:spcAft>
-                          <a:spcPts val="0"/>
-                        </a:spcAft>
-                        <a:buClrTx/>
-                        <a:buSzTx/>
-                        <a:buFontTx/>
-                        <a:buNone/>
-                        <a:tabLst/>
-                        <a:defRPr/>
-                      </a:pPr>
-                      <a:endParaRPr lang="en" sz="1400" b="1" kern="1200" dirty="0">
-                        <a:solidFill>
-                          <a:schemeClr val="lt1"/>
-                        </a:solidFill>
-                        <a:effectLst/>
-                        <a:latin typeface="+mn-lt"/>
-                        <a:ea typeface="+mn-ea"/>
-                        <a:cs typeface="+mn-cs"/>
-                      </a:endParaRPr>
-                    </a:p>
-                  </a:txBody>
-                  <a:tcPr anchor="ctr"/>
-                </a:tc>
-                <a:tc>
-                  <a:txBody>
-                    <a:bodyPr/>
-                    <a:lstStyle/>
-                    <a:p>
-                      <a:pPr marL="0" marR="0" lvl="0" indent="0" algn="ctr" defTabSz="914400" rtl="0" eaLnBrk="1" fontAlgn="auto" latinLnBrk="0" hangingPunct="1">
-                        <a:lnSpc>
-                          <a:spcPct val="100000"/>
-                        </a:lnSpc>
-                        <a:spcBef>
-                          <a:spcPts val="0"/>
-                        </a:spcBef>
-                        <a:spcAft>
-                          <a:spcPts val="0"/>
-                        </a:spcAft>
-                        <a:buClrTx/>
-                        <a:buSzTx/>
-                        <a:buFontTx/>
-                        <a:buNone/>
-                        <a:tabLst/>
-                        <a:defRPr/>
-                      </a:pPr>
-                      <a:endParaRPr lang="en" sz="1400" b="1" kern="1200" dirty="0">
-                        <a:solidFill>
-                          <a:schemeClr val="lt1"/>
-                        </a:solidFill>
-                        <a:effectLst/>
-                        <a:latin typeface="+mn-lt"/>
-                        <a:ea typeface="+mn-ea"/>
-                        <a:cs typeface="+mn-cs"/>
-                      </a:endParaRPr>
-                    </a:p>
-                  </a:txBody>
-                  <a:tcPr anchor="ctr"/>
-                </a:tc>
-                <a:tc>
-                  <a:txBody>
-                    <a:bodyPr/>
-                    <a:lstStyle/>
-                    <a:p>
-                      <a:pPr marL="0" marR="0" lvl="0" indent="0" algn="ctr" defTabSz="914400" rtl="0" eaLnBrk="1" fontAlgn="auto" latinLnBrk="0" hangingPunct="1">
-                        <a:lnSpc>
-                          <a:spcPct val="100000"/>
-                        </a:lnSpc>
-                        <a:spcBef>
-                          <a:spcPts val="0"/>
-                        </a:spcBef>
-                        <a:spcAft>
-                          <a:spcPts val="0"/>
-                        </a:spcAft>
-                        <a:buClrTx/>
-                        <a:buSzTx/>
-                        <a:buFontTx/>
-                        <a:buNone/>
-                        <a:tabLst/>
-                        <a:defRPr/>
-                      </a:pPr>
-                      <a:endParaRPr lang="en" sz="1400" b="1" kern="1200" dirty="0">
-                        <a:solidFill>
-                          <a:schemeClr val="lt1"/>
-                        </a:solidFill>
-                        <a:effectLst/>
-                        <a:latin typeface="+mn-lt"/>
-                        <a:ea typeface="+mn-ea"/>
-                        <a:cs typeface="+mn-cs"/>
-                      </a:endParaRPr>
-                    </a:p>
-                  </a:txBody>
-                  <a:tcPr anchor="ctr"/>
-                </a:tc>
-                <a:tc>
-                  <a:txBody>
-                    <a:bodyPr/>
-                    <a:lstStyle/>
-                    <a:p>
-                      <a:pPr marL="0" marR="0" lvl="0" indent="0" algn="ctr" defTabSz="914400" rtl="0" eaLnBrk="1" fontAlgn="auto" latinLnBrk="0" hangingPunct="1">
-                        <a:lnSpc>
-                          <a:spcPct val="100000"/>
-                        </a:lnSpc>
-                        <a:spcBef>
-                          <a:spcPts val="0"/>
-                        </a:spcBef>
-                        <a:spcAft>
-                          <a:spcPts val="0"/>
-                        </a:spcAft>
-                        <a:buClrTx/>
-                        <a:buSzTx/>
-                        <a:buFontTx/>
-                        <a:buNone/>
-                        <a:tabLst/>
-                        <a:defRPr/>
-                      </a:pPr>
-                      <a:endParaRPr lang="en" sz="1400" b="1" kern="1200" dirty="0">
-                        <a:solidFill>
-                          <a:schemeClr val="lt1"/>
-                        </a:solidFill>
-                        <a:effectLst/>
-                        <a:latin typeface="+mn-lt"/>
-                        <a:ea typeface="+mn-ea"/>
-                        <a:cs typeface="+mn-cs"/>
-                      </a:endParaRPr>
-                    </a:p>
-                  </a:txBody>
-                  <a:tcPr anchor="ctr"/>
-                </a:tc>
-                <a:tc>
-                  <a:txBody>
-                    <a:bodyPr/>
-                    <a:lstStyle/>
-                    <a:p>
-                      <a:pPr marL="0" marR="0" lvl="0" indent="0" algn="ctr" defTabSz="914400" rtl="0" eaLnBrk="1" fontAlgn="auto" latinLnBrk="0" hangingPunct="1">
-                        <a:lnSpc>
-                          <a:spcPct val="100000"/>
-                        </a:lnSpc>
-                        <a:spcBef>
-                          <a:spcPts val="0"/>
-                        </a:spcBef>
-                        <a:spcAft>
-                          <a:spcPts val="0"/>
-                        </a:spcAft>
-                        <a:buClrTx/>
-                        <a:buSzTx/>
-                        <a:buFontTx/>
-                        <a:buNone/>
-                        <a:tabLst/>
-                        <a:defRPr/>
-                      </a:pPr>
-                      <a:endParaRPr lang="en" sz="1400" b="1" kern="1200" dirty="0">
-                        <a:solidFill>
-                          <a:schemeClr val="lt1"/>
-                        </a:solidFill>
-                        <a:effectLst/>
-                        <a:latin typeface="+mn-lt"/>
-                        <a:ea typeface="+mn-ea"/>
-                        <a:cs typeface="+mn-cs"/>
-                      </a:endParaRPr>
-                    </a:p>
-                  </a:txBody>
-                  <a:tcPr anchor="ctr"/>
-                </a:tc>
-                <a:tc>
-                  <a:txBody>
-                    <a:bodyPr/>
-                    <a:lstStyle/>
-                    <a:p>
-                      <a:pPr marL="0" marR="0" lvl="0" indent="0" algn="ctr" defTabSz="914400" rtl="0" eaLnBrk="1" fontAlgn="auto" latinLnBrk="0" hangingPunct="1">
-                        <a:lnSpc>
-                          <a:spcPct val="100000"/>
-                        </a:lnSpc>
-                        <a:spcBef>
-                          <a:spcPts val="0"/>
-                        </a:spcBef>
-                        <a:spcAft>
-                          <a:spcPts val="0"/>
-                        </a:spcAft>
-                        <a:buClrTx/>
-                        <a:buSzTx/>
-                        <a:buFontTx/>
-                        <a:buNone/>
-                        <a:tabLst/>
-                        <a:defRPr/>
-                      </a:pPr>
-                      <a:endParaRPr lang="en" sz="1400" b="1" kern="1200" dirty="0">
-                        <a:solidFill>
-                          <a:schemeClr val="lt1"/>
-                        </a:solidFill>
-                        <a:effectLst/>
-                        <a:latin typeface="+mn-lt"/>
-                        <a:ea typeface="+mn-ea"/>
-                        <a:cs typeface="+mn-cs"/>
-                      </a:endParaRPr>
-                    </a:p>
-                  </a:txBody>
-                  <a:tcPr anchor="ctr"/>
-                </a:tc>
-                <a:tc>
-                  <a:txBody>
-                    <a:bodyPr/>
-                    <a:lstStyle/>
-                    <a:p>
-                      <a:pPr marL="0" marR="0" lvl="0" indent="0" algn="ctr" defTabSz="914400" rtl="0" eaLnBrk="1" fontAlgn="auto" latinLnBrk="0" hangingPunct="1">
-                        <a:lnSpc>
-                          <a:spcPct val="100000"/>
-                        </a:lnSpc>
-                        <a:spcBef>
-                          <a:spcPts val="0"/>
-                        </a:spcBef>
-                        <a:spcAft>
-                          <a:spcPts val="0"/>
-                        </a:spcAft>
-                        <a:buClrTx/>
-                        <a:buSzTx/>
-                        <a:buFontTx/>
-                        <a:buNone/>
-                        <a:tabLst/>
-                        <a:defRPr/>
-                      </a:pPr>
-                      <a:endParaRPr lang="en" sz="1400" b="1" kern="1200" dirty="0">
-                        <a:solidFill>
-                          <a:schemeClr val="lt1"/>
-                        </a:solidFill>
-                        <a:effectLst/>
-                        <a:latin typeface="+mn-lt"/>
-                        <a:ea typeface="+mn-ea"/>
-                        <a:cs typeface="+mn-cs"/>
-                      </a:endParaRPr>
-                    </a:p>
-                  </a:txBody>
-                  <a:tcPr anchor="ctr"/>
-                </a:tc>
-                <a:tc>
-                  <a:txBody>
-                    <a:bodyPr/>
-                    <a:lstStyle/>
-                    <a:p>
-                      <a:pPr marL="0" marR="0" lvl="0" indent="0" algn="ctr" defTabSz="914400" rtl="0" eaLnBrk="1" fontAlgn="auto" latinLnBrk="0" hangingPunct="1">
-                        <a:lnSpc>
-                          <a:spcPct val="100000"/>
-                        </a:lnSpc>
-                        <a:spcBef>
-                          <a:spcPts val="0"/>
-                        </a:spcBef>
-                        <a:spcAft>
-                          <a:spcPts val="0"/>
-                        </a:spcAft>
-                        <a:buClrTx/>
-                        <a:buSzTx/>
-                        <a:buFontTx/>
-                        <a:buNone/>
-                        <a:tabLst/>
-                        <a:defRPr/>
-                      </a:pPr>
-                      <a:endParaRPr lang="en" sz="1400" b="1" kern="1200" dirty="0">
-                        <a:solidFill>
-                          <a:schemeClr val="lt1"/>
-                        </a:solidFill>
-                        <a:effectLst/>
-                        <a:latin typeface="+mn-lt"/>
-                        <a:ea typeface="+mn-ea"/>
-                        <a:cs typeface="+mn-cs"/>
-                      </a:endParaRPr>
-                    </a:p>
-                  </a:txBody>
-                  <a:tcPr anchor="ctr"/>
-                </a:tc>
-                <a:tc>
-                  <a:txBody>
-                    <a:bodyPr/>
-                    <a:lstStyle/>
-                    <a:p>
-                      <a:pPr marL="0" marR="0" lvl="0" indent="0" algn="ctr" defTabSz="914400" rtl="0" eaLnBrk="1" fontAlgn="auto" latinLnBrk="0" hangingPunct="1">
-                        <a:lnSpc>
-                          <a:spcPct val="100000"/>
-                        </a:lnSpc>
-                        <a:spcBef>
-                          <a:spcPts val="0"/>
-                        </a:spcBef>
-                        <a:spcAft>
-                          <a:spcPts val="0"/>
-                        </a:spcAft>
-                        <a:buClrTx/>
-                        <a:buSzTx/>
-                        <a:buFontTx/>
-                        <a:buNone/>
-                        <a:tabLst/>
-                        <a:defRPr/>
-                      </a:pPr>
-                      <a:endParaRPr lang="en" sz="1400" b="1" kern="1200" dirty="0">
-                        <a:solidFill>
-                          <a:schemeClr val="lt1"/>
-                        </a:solidFill>
-                        <a:effectLst/>
-                        <a:latin typeface="+mn-lt"/>
-                        <a:ea typeface="+mn-ea"/>
-                        <a:cs typeface="+mn-cs"/>
-                      </a:endParaRPr>
-                    </a:p>
-                  </a:txBody>
-                  <a:tcPr anchor="ctr"/>
-                </a:tc>
-                <a:tc>
-                  <a:txBody>
-                    <a:bodyPr/>
-                    <a:lstStyle/>
-                    <a:p>
-                      <a:pPr marL="0" marR="0" lvl="0" indent="0" algn="ctr" defTabSz="914400" rtl="0" eaLnBrk="1" fontAlgn="auto" latinLnBrk="0" hangingPunct="1">
-                        <a:lnSpc>
-                          <a:spcPct val="100000"/>
-                        </a:lnSpc>
-                        <a:spcBef>
-                          <a:spcPts val="0"/>
-                        </a:spcBef>
-                        <a:spcAft>
-                          <a:spcPts val="0"/>
-                        </a:spcAft>
-                        <a:buClrTx/>
-                        <a:buSzTx/>
-                        <a:buFontTx/>
-                        <a:buNone/>
-                        <a:tabLst/>
-                        <a:defRPr/>
-                      </a:pPr>
-                      <a:endParaRPr lang="en" sz="1400" b="1" kern="1200" dirty="0">
-                        <a:solidFill>
-                          <a:schemeClr val="lt1"/>
-                        </a:solidFill>
-                        <a:effectLst/>
-                        <a:latin typeface="+mn-lt"/>
-                        <a:ea typeface="+mn-ea"/>
-                        <a:cs typeface="+mn-cs"/>
-                      </a:endParaRPr>
-                    </a:p>
-                  </a:txBody>
-                  <a:tcPr anchor="ctr"/>
-                </a:tc>
-                <a:extLst>
-                  <a:ext uri="{0D108BD9-81ED-4DB2-BD59-A6C34878D82A}">
-                    <a16:rowId xmlns:a16="http://schemas.microsoft.com/office/drawing/2014/main" val="4152901600"/>
-                  </a:ext>
-                </a:extLst>
-              </a:tr>
-              <a:tr h="857250">
-                <a:tc>
-                  <a:txBody>
-                    <a:bodyPr/>
-                    <a:lstStyle/>
-                    <a:p>
-                      <a:endParaRPr lang="ru-RU" dirty="0"/>
-                    </a:p>
-                  </a:txBody>
-                  <a:tcPr/>
-                </a:tc>
-                <a:tc>
-                  <a:txBody>
-                    <a:bodyPr/>
-                    <a:lstStyle/>
-                    <a:p>
-                      <a:endParaRPr lang="ru-RU"/>
-                    </a:p>
-                  </a:txBody>
-                  <a:tcPr/>
-                </a:tc>
-                <a:tc>
-                  <a:txBody>
-                    <a:bodyPr/>
-                    <a:lstStyle/>
-                    <a:p>
-                      <a:endParaRPr lang="ru-RU"/>
-                    </a:p>
-                  </a:txBody>
-                  <a:tcPr/>
-                </a:tc>
-                <a:tc>
-                  <a:txBody>
-                    <a:bodyPr/>
-                    <a:lstStyle/>
-                    <a:p>
-                      <a:endParaRPr lang="ru-RU"/>
-                    </a:p>
-                  </a:txBody>
-                  <a:tcPr/>
-                </a:tc>
-                <a:tc>
-                  <a:txBody>
-                    <a:bodyPr/>
-                    <a:lstStyle/>
-                    <a:p>
-                      <a:endParaRPr lang="ru-RU"/>
-                    </a:p>
-                  </a:txBody>
-                  <a:tcPr/>
-                </a:tc>
-                <a:tc>
-                  <a:txBody>
-                    <a:bodyPr/>
-                    <a:lstStyle/>
-                    <a:p>
-                      <a:endParaRPr lang="ru-RU" dirty="0"/>
-                    </a:p>
-                  </a:txBody>
-                  <a:tcPr/>
-                </a:tc>
-                <a:tc>
-                  <a:txBody>
-                    <a:bodyPr/>
-                    <a:lstStyle/>
-                    <a:p>
-                      <a:endParaRPr lang="ru-RU"/>
-                    </a:p>
-                  </a:txBody>
-                  <a:tcPr/>
-                </a:tc>
-                <a:tc>
-                  <a:txBody>
-                    <a:bodyPr/>
-                    <a:lstStyle/>
-                    <a:p>
-                      <a:endParaRPr lang="ru-RU"/>
-                    </a:p>
-                  </a:txBody>
-                  <a:tcPr/>
-                </a:tc>
-                <a:tc>
-                  <a:txBody>
-                    <a:bodyPr/>
-                    <a:lstStyle/>
-                    <a:p>
-                      <a:endParaRPr lang="ru-RU"/>
-                    </a:p>
-                  </a:txBody>
-                  <a:tcPr/>
-                </a:tc>
-                <a:tc>
-                  <a:txBody>
-                    <a:bodyPr/>
-                    <a:lstStyle/>
-                    <a:p>
-                      <a:endParaRPr lang="ru-RU"/>
-                    </a:p>
-                  </a:txBody>
-                  <a:tcPr/>
-                </a:tc>
-                <a:extLst>
-                  <a:ext uri="{0D108BD9-81ED-4DB2-BD59-A6C34878D82A}">
-                    <a16:rowId xmlns:a16="http://schemas.microsoft.com/office/drawing/2014/main" val="55674812"/>
-                  </a:ext>
-                </a:extLst>
-              </a:tr>
-              <a:tr h="857250">
-                <a:tc>
-                  <a:txBody>
-                    <a:bodyPr/>
-                    <a:lstStyle/>
-                    <a:p>
-                      <a:endParaRPr lang="ru-RU"/>
-                    </a:p>
-                  </a:txBody>
-                  <a:tcPr/>
-                </a:tc>
-                <a:tc>
-                  <a:txBody>
-                    <a:bodyPr/>
-                    <a:lstStyle/>
-                    <a:p>
-                      <a:endParaRPr lang="ru-RU"/>
-                    </a:p>
-                  </a:txBody>
-                  <a:tcPr/>
-                </a:tc>
-                <a:tc>
-                  <a:txBody>
-                    <a:bodyPr/>
-                    <a:lstStyle/>
-                    <a:p>
-                      <a:endParaRPr lang="ru-RU"/>
-                    </a:p>
-                  </a:txBody>
-                  <a:tcPr/>
-                </a:tc>
-                <a:tc>
-                  <a:txBody>
-                    <a:bodyPr/>
-                    <a:lstStyle/>
-                    <a:p>
-                      <a:endParaRPr lang="ru-RU"/>
-                    </a:p>
-                  </a:txBody>
-                  <a:tcPr/>
-                </a:tc>
-                <a:tc>
-                  <a:txBody>
-                    <a:bodyPr/>
-                    <a:lstStyle/>
-                    <a:p>
-                      <a:endParaRPr lang="ru-RU"/>
-                    </a:p>
-                  </a:txBody>
-                  <a:tcPr/>
-                </a:tc>
-                <a:tc>
-                  <a:txBody>
-                    <a:bodyPr/>
-                    <a:lstStyle/>
-                    <a:p>
-                      <a:endParaRPr lang="ru-RU"/>
-                    </a:p>
-                  </a:txBody>
-                  <a:tcPr/>
-                </a:tc>
-                <a:tc>
-                  <a:txBody>
-                    <a:bodyPr/>
-                    <a:lstStyle/>
-                    <a:p>
-                      <a:endParaRPr lang="ru-RU"/>
-                    </a:p>
-                  </a:txBody>
-                  <a:tcPr/>
-                </a:tc>
-                <a:tc>
-                  <a:txBody>
-                    <a:bodyPr/>
-                    <a:lstStyle/>
-                    <a:p>
-                      <a:endParaRPr lang="ru-RU"/>
-                    </a:p>
-                  </a:txBody>
-                  <a:tcPr/>
-                </a:tc>
-                <a:tc>
-                  <a:txBody>
-                    <a:bodyPr/>
-                    <a:lstStyle/>
-                    <a:p>
-                      <a:endParaRPr lang="ru-RU"/>
-                    </a:p>
-                  </a:txBody>
-                  <a:tcPr/>
-                </a:tc>
-                <a:tc>
-                  <a:txBody>
-                    <a:bodyPr/>
-                    <a:lstStyle/>
-                    <a:p>
-                      <a:endParaRPr lang="ru-RU"/>
-                    </a:p>
-                  </a:txBody>
-                  <a:tcPr/>
-                </a:tc>
-                <a:extLst>
-                  <a:ext uri="{0D108BD9-81ED-4DB2-BD59-A6C34878D82A}">
-                    <a16:rowId xmlns:a16="http://schemas.microsoft.com/office/drawing/2014/main" val="2871261195"/>
-                  </a:ext>
-                </a:extLst>
-              </a:tr>
-              <a:tr h="857250">
-                <a:tc>
-                  <a:txBody>
-                    <a:bodyPr/>
-                    <a:lstStyle/>
-                    <a:p>
-                      <a:endParaRPr lang="ru-RU"/>
-                    </a:p>
-                  </a:txBody>
-                  <a:tcPr/>
-                </a:tc>
-                <a:tc>
-                  <a:txBody>
-                    <a:bodyPr/>
-                    <a:lstStyle/>
-                    <a:p>
-                      <a:endParaRPr lang="ru-RU"/>
-                    </a:p>
-                  </a:txBody>
-                  <a:tcPr/>
-                </a:tc>
-                <a:tc>
-                  <a:txBody>
-                    <a:bodyPr/>
-                    <a:lstStyle/>
-                    <a:p>
-                      <a:endParaRPr lang="ru-RU"/>
-                    </a:p>
-                  </a:txBody>
-                  <a:tcPr/>
-                </a:tc>
-                <a:tc>
-                  <a:txBody>
-                    <a:bodyPr/>
-                    <a:lstStyle/>
-                    <a:p>
-                      <a:endParaRPr lang="ru-RU"/>
-                    </a:p>
-                  </a:txBody>
-                  <a:tcPr/>
-                </a:tc>
-                <a:tc>
-                  <a:txBody>
-                    <a:bodyPr/>
-                    <a:lstStyle/>
-                    <a:p>
-                      <a:endParaRPr lang="ru-RU"/>
-                    </a:p>
-                  </a:txBody>
-                  <a:tcPr/>
-                </a:tc>
-                <a:tc>
-                  <a:txBody>
-                    <a:bodyPr/>
-                    <a:lstStyle/>
-                    <a:p>
-                      <a:endParaRPr lang="ru-RU"/>
-                    </a:p>
-                  </a:txBody>
-                  <a:tcPr/>
-                </a:tc>
-                <a:tc>
-                  <a:txBody>
-                    <a:bodyPr/>
-                    <a:lstStyle/>
-                    <a:p>
-                      <a:endParaRPr lang="ru-RU"/>
-                    </a:p>
-                  </a:txBody>
-                  <a:tcPr/>
-                </a:tc>
-                <a:tc>
-                  <a:txBody>
-                    <a:bodyPr/>
-                    <a:lstStyle/>
-                    <a:p>
-                      <a:endParaRPr lang="ru-RU"/>
-                    </a:p>
-                  </a:txBody>
-                  <a:tcPr/>
-                </a:tc>
-                <a:tc>
-                  <a:txBody>
-                    <a:bodyPr/>
-                    <a:lstStyle/>
-                    <a:p>
-                      <a:endParaRPr lang="ru-RU"/>
-                    </a:p>
-                  </a:txBody>
-                  <a:tcPr/>
-                </a:tc>
-                <a:tc>
-                  <a:txBody>
-                    <a:bodyPr/>
-                    <a:lstStyle/>
-                    <a:p>
-                      <a:endParaRPr lang="ru-RU"/>
-                    </a:p>
-                  </a:txBody>
-                  <a:tcPr/>
-                </a:tc>
-                <a:extLst>
-                  <a:ext uri="{0D108BD9-81ED-4DB2-BD59-A6C34878D82A}">
-                    <a16:rowId xmlns:a16="http://schemas.microsoft.com/office/drawing/2014/main" val="1051390614"/>
-                  </a:ext>
-                </a:extLst>
-              </a:tr>
-              <a:tr h="857250">
-                <a:tc>
-                  <a:txBody>
-                    <a:bodyPr/>
-                    <a:lstStyle/>
-                    <a:p>
-                      <a:endParaRPr lang="ru-RU"/>
-                    </a:p>
-                  </a:txBody>
-                  <a:tcPr/>
-                </a:tc>
-                <a:tc>
-                  <a:txBody>
-                    <a:bodyPr/>
-                    <a:lstStyle/>
-                    <a:p>
-                      <a:endParaRPr lang="ru-RU"/>
-                    </a:p>
-                  </a:txBody>
-                  <a:tcPr/>
-                </a:tc>
-                <a:tc>
-                  <a:txBody>
-                    <a:bodyPr/>
-                    <a:lstStyle/>
-                    <a:p>
-                      <a:endParaRPr lang="ru-RU"/>
-                    </a:p>
-                  </a:txBody>
-                  <a:tcPr/>
-                </a:tc>
-                <a:tc>
-                  <a:txBody>
-                    <a:bodyPr/>
-                    <a:lstStyle/>
-                    <a:p>
-                      <a:endParaRPr lang="ru-RU"/>
-                    </a:p>
-                  </a:txBody>
-                  <a:tcPr/>
-                </a:tc>
-                <a:tc>
-                  <a:txBody>
-                    <a:bodyPr/>
-                    <a:lstStyle/>
-                    <a:p>
-                      <a:endParaRPr lang="ru-RU"/>
-                    </a:p>
-                  </a:txBody>
-                  <a:tcPr/>
-                </a:tc>
-                <a:tc>
-                  <a:txBody>
-                    <a:bodyPr/>
-                    <a:lstStyle/>
-                    <a:p>
-                      <a:endParaRPr lang="ru-RU"/>
-                    </a:p>
-                  </a:txBody>
-                  <a:tcPr/>
-                </a:tc>
-                <a:tc>
-                  <a:txBody>
-                    <a:bodyPr/>
-                    <a:lstStyle/>
-                    <a:p>
-                      <a:endParaRPr lang="ru-RU"/>
-                    </a:p>
-                  </a:txBody>
-                  <a:tcPr/>
-                </a:tc>
-                <a:tc>
-                  <a:txBody>
-                    <a:bodyPr/>
-                    <a:lstStyle/>
-                    <a:p>
-                      <a:endParaRPr lang="ru-RU"/>
-                    </a:p>
-                  </a:txBody>
-                  <a:tcPr/>
-                </a:tc>
-                <a:tc>
-                  <a:txBody>
-                    <a:bodyPr/>
-                    <a:lstStyle/>
-                    <a:p>
-                      <a:endParaRPr lang="ru-RU"/>
-                    </a:p>
-                  </a:txBody>
-                  <a:tcPr/>
-                </a:tc>
-                <a:tc>
-                  <a:txBody>
-                    <a:bodyPr/>
-                    <a:lstStyle/>
-                    <a:p>
-                      <a:endParaRPr lang="ru-RU"/>
-                    </a:p>
-                  </a:txBody>
-                  <a:tcPr/>
-                </a:tc>
-                <a:extLst>
-                  <a:ext uri="{0D108BD9-81ED-4DB2-BD59-A6C34878D82A}">
-                    <a16:rowId xmlns:a16="http://schemas.microsoft.com/office/drawing/2014/main" val="989667413"/>
-                  </a:ext>
-                </a:extLst>
-              </a:tr>
-              <a:tr h="857250">
-                <a:tc>
-                  <a:txBody>
-                    <a:bodyPr/>
-                    <a:lstStyle/>
-                    <a:p>
-                      <a:endParaRPr lang="ru-RU"/>
-                    </a:p>
-                  </a:txBody>
-                  <a:tcPr/>
-                </a:tc>
-                <a:tc>
-                  <a:txBody>
-                    <a:bodyPr/>
-                    <a:lstStyle/>
-                    <a:p>
-                      <a:endParaRPr lang="ru-RU"/>
-                    </a:p>
-                  </a:txBody>
-                  <a:tcPr/>
-                </a:tc>
-                <a:tc>
-                  <a:txBody>
-                    <a:bodyPr/>
-                    <a:lstStyle/>
-                    <a:p>
-                      <a:endParaRPr lang="ru-RU"/>
-                    </a:p>
-                  </a:txBody>
-                  <a:tcPr/>
-                </a:tc>
-                <a:tc>
-                  <a:txBody>
-                    <a:bodyPr/>
-                    <a:lstStyle/>
-                    <a:p>
-                      <a:endParaRPr lang="ru-RU"/>
-                    </a:p>
-                  </a:txBody>
-                  <a:tcPr/>
-                </a:tc>
-                <a:tc>
-                  <a:txBody>
-                    <a:bodyPr/>
-                    <a:lstStyle/>
-                    <a:p>
-                      <a:endParaRPr lang="ru-RU"/>
-                    </a:p>
-                  </a:txBody>
-                  <a:tcPr/>
-                </a:tc>
-                <a:tc>
-                  <a:txBody>
-                    <a:bodyPr/>
-                    <a:lstStyle/>
-                    <a:p>
-                      <a:endParaRPr lang="ru-RU"/>
-                    </a:p>
-                  </a:txBody>
-                  <a:tcPr/>
-                </a:tc>
-                <a:tc>
-                  <a:txBody>
-                    <a:bodyPr/>
-                    <a:lstStyle/>
-                    <a:p>
-                      <a:endParaRPr lang="ru-RU"/>
-                    </a:p>
-                  </a:txBody>
-                  <a:tcPr/>
-                </a:tc>
-                <a:tc>
-                  <a:txBody>
-                    <a:bodyPr/>
-                    <a:lstStyle/>
-                    <a:p>
-                      <a:endParaRPr lang="ru-RU"/>
-                    </a:p>
-                  </a:txBody>
-                  <a:tcPr/>
-                </a:tc>
-                <a:tc>
-                  <a:txBody>
-                    <a:bodyPr/>
-                    <a:lstStyle/>
-                    <a:p>
-                      <a:endParaRPr lang="ru-RU"/>
-                    </a:p>
-                  </a:txBody>
-                  <a:tcPr/>
-                </a:tc>
-                <a:tc>
-                  <a:txBody>
-                    <a:bodyPr/>
-                    <a:lstStyle/>
-                    <a:p>
-                      <a:endParaRPr lang="ru-RU"/>
-                    </a:p>
-                  </a:txBody>
-                  <a:tcPr/>
-                </a:tc>
-                <a:extLst>
-                  <a:ext uri="{0D108BD9-81ED-4DB2-BD59-A6C34878D82A}">
-                    <a16:rowId xmlns:a16="http://schemas.microsoft.com/office/drawing/2014/main" val="3701042685"/>
-                  </a:ext>
-                </a:extLst>
-              </a:tr>
-              <a:tr h="857250">
-                <a:tc>
-                  <a:txBody>
-                    <a:bodyPr/>
-                    <a:lstStyle/>
-                    <a:p>
-                      <a:endParaRPr lang="ru-RU"/>
-                    </a:p>
-                  </a:txBody>
-                  <a:tcPr/>
-                </a:tc>
-                <a:tc>
-                  <a:txBody>
-                    <a:bodyPr/>
-                    <a:lstStyle/>
-                    <a:p>
-                      <a:endParaRPr lang="ru-RU"/>
-                    </a:p>
-                  </a:txBody>
-                  <a:tcPr/>
-                </a:tc>
-                <a:tc>
-                  <a:txBody>
-                    <a:bodyPr/>
-                    <a:lstStyle/>
-                    <a:p>
-                      <a:endParaRPr lang="ru-RU"/>
-                    </a:p>
-                  </a:txBody>
-                  <a:tcPr/>
-                </a:tc>
-                <a:tc>
-                  <a:txBody>
-                    <a:bodyPr/>
-                    <a:lstStyle/>
-                    <a:p>
-                      <a:endParaRPr lang="ru-RU"/>
-                    </a:p>
-                  </a:txBody>
-                  <a:tcPr/>
-                </a:tc>
-                <a:tc>
-                  <a:txBody>
-                    <a:bodyPr/>
-                    <a:lstStyle/>
-                    <a:p>
-                      <a:endParaRPr lang="ru-RU"/>
-                    </a:p>
-                  </a:txBody>
-                  <a:tcPr/>
-                </a:tc>
-                <a:tc>
-                  <a:txBody>
-                    <a:bodyPr/>
-                    <a:lstStyle/>
-                    <a:p>
-                      <a:endParaRPr lang="ru-RU"/>
-                    </a:p>
-                  </a:txBody>
-                  <a:tcPr/>
-                </a:tc>
-                <a:tc>
-                  <a:txBody>
-                    <a:bodyPr/>
-                    <a:lstStyle/>
-                    <a:p>
-                      <a:endParaRPr lang="ru-RU"/>
-                    </a:p>
-                  </a:txBody>
-                  <a:tcPr/>
-                </a:tc>
-                <a:tc>
-                  <a:txBody>
-                    <a:bodyPr/>
-                    <a:lstStyle/>
-                    <a:p>
-                      <a:endParaRPr lang="ru-RU"/>
-                    </a:p>
-                  </a:txBody>
-                  <a:tcPr/>
-                </a:tc>
-                <a:tc>
-                  <a:txBody>
-                    <a:bodyPr/>
-                    <a:lstStyle/>
-                    <a:p>
-                      <a:endParaRPr lang="ru-RU"/>
-                    </a:p>
-                  </a:txBody>
-                  <a:tcPr/>
-                </a:tc>
-                <a:tc>
-                  <a:txBody>
-                    <a:bodyPr/>
-                    <a:lstStyle/>
-                    <a:p>
-                      <a:endParaRPr lang="ru-RU"/>
-                    </a:p>
-                  </a:txBody>
-                  <a:tcPr/>
-                </a:tc>
-                <a:extLst>
-                  <a:ext uri="{0D108BD9-81ED-4DB2-BD59-A6C34878D82A}">
-                    <a16:rowId xmlns:a16="http://schemas.microsoft.com/office/drawing/2014/main" val="1135221986"/>
-                  </a:ext>
-                </a:extLst>
-              </a:tr>
-              <a:tr h="857250">
-                <a:tc>
-                  <a:txBody>
-                    <a:bodyPr/>
-                    <a:lstStyle/>
-                    <a:p>
-                      <a:endParaRPr lang="ru-RU"/>
-                    </a:p>
-                  </a:txBody>
-                  <a:tcPr/>
-                </a:tc>
-                <a:tc>
-                  <a:txBody>
-                    <a:bodyPr/>
-                    <a:lstStyle/>
-                    <a:p>
-                      <a:endParaRPr lang="ru-RU"/>
-                    </a:p>
-                  </a:txBody>
-                  <a:tcPr/>
-                </a:tc>
-                <a:tc>
-                  <a:txBody>
-                    <a:bodyPr/>
-                    <a:lstStyle/>
-                    <a:p>
-                      <a:endParaRPr lang="ru-RU"/>
-                    </a:p>
-                  </a:txBody>
-                  <a:tcPr/>
-                </a:tc>
-                <a:tc>
-                  <a:txBody>
-                    <a:bodyPr/>
-                    <a:lstStyle/>
-                    <a:p>
-                      <a:endParaRPr lang="ru-RU"/>
-                    </a:p>
-                  </a:txBody>
-                  <a:tcPr/>
-                </a:tc>
-                <a:tc>
-                  <a:txBody>
-                    <a:bodyPr/>
-                    <a:lstStyle/>
-                    <a:p>
-                      <a:endParaRPr lang="ru-RU"/>
-                    </a:p>
-                  </a:txBody>
-                  <a:tcPr/>
-                </a:tc>
-                <a:tc>
-                  <a:txBody>
-                    <a:bodyPr/>
-                    <a:lstStyle/>
-                    <a:p>
-                      <a:endParaRPr lang="ru-RU"/>
-                    </a:p>
-                  </a:txBody>
-                  <a:tcPr/>
-                </a:tc>
-                <a:tc>
-                  <a:txBody>
-                    <a:bodyPr/>
-                    <a:lstStyle/>
-                    <a:p>
-                      <a:endParaRPr lang="ru-RU"/>
-                    </a:p>
-                  </a:txBody>
-                  <a:tcPr/>
-                </a:tc>
-                <a:tc>
-                  <a:txBody>
-                    <a:bodyPr/>
-                    <a:lstStyle/>
-                    <a:p>
-                      <a:endParaRPr lang="ru-RU"/>
-                    </a:p>
-                  </a:txBody>
-                  <a:tcPr/>
-                </a:tc>
-                <a:tc>
-                  <a:txBody>
-                    <a:bodyPr/>
-                    <a:lstStyle/>
-                    <a:p>
-                      <a:endParaRPr lang="ru-RU"/>
-                    </a:p>
-                  </a:txBody>
-                  <a:tcPr/>
-                </a:tc>
-                <a:tc>
-                  <a:txBody>
-                    <a:bodyPr/>
-                    <a:lstStyle/>
-                    <a:p>
-                      <a:endParaRPr lang="ru-RU" dirty="0"/>
-                    </a:p>
-                  </a:txBody>
-                  <a:tcPr/>
-                </a:tc>
-                <a:extLst>
-                  <a:ext uri="{0D108BD9-81ED-4DB2-BD59-A6C34878D82A}">
-                    <a16:rowId xmlns:a16="http://schemas.microsoft.com/office/drawing/2014/main" val="3883678812"/>
-                  </a:ext>
-                </a:extLst>
-              </a:tr>
-            </a:tbl>
-          </a:graphicData>
-        </a:graphic>
-      </p:graphicFrame>
-    </p:spTree>
-    <p:extLst>
-      <p:ext uri="{BB962C8B-B14F-4D97-AF65-F5344CB8AC3E}">
-        <p14:creationId xmlns:p14="http://schemas.microsoft.com/office/powerpoint/2010/main" val="3530449296"/>
       </p:ext>
     </p:extLst>
   </p:cSld>
